--- a/Intro_to_ML_2.pptx
+++ b/Intro_to_ML_2.pptx
@@ -5,7 +5,7 @@
     <p:sldMasterId id="2147483674" r:id="rId1"/>
   </p:sldMasterIdLst>
   <p:notesMasterIdLst>
-    <p:notesMasterId r:id="rId44"/>
+    <p:notesMasterId r:id="rId40"/>
   </p:notesMasterIdLst>
   <p:sldIdLst>
     <p:sldId id="457" r:id="rId2"/>
@@ -35,7 +35,7 @@
     <p:sldId id="518" r:id="rId26"/>
     <p:sldId id="519" r:id="rId27"/>
     <p:sldId id="523" r:id="rId28"/>
-    <p:sldId id="524" r:id="rId29"/>
+    <p:sldId id="537" r:id="rId29"/>
     <p:sldId id="535" r:id="rId30"/>
     <p:sldId id="536" r:id="rId31"/>
     <p:sldId id="534" r:id="rId32"/>
@@ -44,12 +44,8 @@
     <p:sldId id="527" r:id="rId35"/>
     <p:sldId id="528" r:id="rId36"/>
     <p:sldId id="529" r:id="rId37"/>
-    <p:sldId id="530" r:id="rId38"/>
-    <p:sldId id="531" r:id="rId39"/>
-    <p:sldId id="532" r:id="rId40"/>
-    <p:sldId id="533" r:id="rId41"/>
-    <p:sldId id="493" r:id="rId42"/>
-    <p:sldId id="494" r:id="rId43"/>
+    <p:sldId id="493" r:id="rId38"/>
+    <p:sldId id="494" r:id="rId39"/>
   </p:sldIdLst>
   <p:sldSz cx="9144000" cy="6858000" type="screen4x3"/>
   <p:notesSz cx="6858000" cy="9144000"/>
@@ -238,7 +234,7 @@
           <a:p>
             <a:fld id="{87CA78F2-8BDA-6744-A7B1-117F95CFA804}" type="datetimeFigureOut">
               <a:rPr lang="en-US" smtClean="0"/>
-              <a:t>11/11/20</a:t>
+              <a:t>2/3/21</a:t>
             </a:fld>
             <a:endParaRPr lang="en-US"/>
           </a:p>
@@ -750,7 +746,7 @@
           <a:p>
             <a:fld id="{6BFFF8FD-4C82-CE4B-A328-95E0C09266C3}" type="datetimeFigureOut">
               <a:rPr lang="en-US" smtClean="0"/>
-              <a:t>11/11/20</a:t>
+              <a:t>2/3/21</a:t>
             </a:fld>
             <a:endParaRPr lang="en-US"/>
           </a:p>
@@ -950,7 +946,7 @@
           <a:p>
             <a:fld id="{6BFFF8FD-4C82-CE4B-A328-95E0C09266C3}" type="datetimeFigureOut">
               <a:rPr lang="en-US" smtClean="0"/>
-              <a:t>11/11/20</a:t>
+              <a:t>2/3/21</a:t>
             </a:fld>
             <a:endParaRPr lang="en-US"/>
           </a:p>
@@ -1160,7 +1156,7 @@
           <a:p>
             <a:fld id="{6BFFF8FD-4C82-CE4B-A328-95E0C09266C3}" type="datetimeFigureOut">
               <a:rPr lang="en-US" smtClean="0"/>
-              <a:t>11/11/20</a:t>
+              <a:t>2/3/21</a:t>
             </a:fld>
             <a:endParaRPr lang="en-US"/>
           </a:p>
@@ -1586,7 +1582,7 @@
           <a:p>
             <a:fld id="{6BFFF8FD-4C82-CE4B-A328-95E0C09266C3}" type="datetimeFigureOut">
               <a:rPr lang="en-US" smtClean="0"/>
-              <a:t>11/11/20</a:t>
+              <a:t>2/3/21</a:t>
             </a:fld>
             <a:endParaRPr lang="en-US"/>
           </a:p>
@@ -1862,7 +1858,7 @@
           <a:p>
             <a:fld id="{6BFFF8FD-4C82-CE4B-A328-95E0C09266C3}" type="datetimeFigureOut">
               <a:rPr lang="en-US" smtClean="0"/>
-              <a:t>11/11/20</a:t>
+              <a:t>2/3/21</a:t>
             </a:fld>
             <a:endParaRPr lang="en-US"/>
           </a:p>
@@ -2130,7 +2126,7 @@
           <a:p>
             <a:fld id="{6BFFF8FD-4C82-CE4B-A328-95E0C09266C3}" type="datetimeFigureOut">
               <a:rPr lang="en-US" smtClean="0"/>
-              <a:t>11/11/20</a:t>
+              <a:t>2/3/21</a:t>
             </a:fld>
             <a:endParaRPr lang="en-US"/>
           </a:p>
@@ -2545,7 +2541,7 @@
           <a:p>
             <a:fld id="{6BFFF8FD-4C82-CE4B-A328-95E0C09266C3}" type="datetimeFigureOut">
               <a:rPr lang="en-US" smtClean="0"/>
-              <a:t>11/11/20</a:t>
+              <a:t>2/3/21</a:t>
             </a:fld>
             <a:endParaRPr lang="en-US"/>
           </a:p>
@@ -2687,7 +2683,7 @@
           <a:p>
             <a:fld id="{6BFFF8FD-4C82-CE4B-A328-95E0C09266C3}" type="datetimeFigureOut">
               <a:rPr lang="en-US" smtClean="0"/>
-              <a:t>11/11/20</a:t>
+              <a:t>2/3/21</a:t>
             </a:fld>
             <a:endParaRPr lang="en-US"/>
           </a:p>
@@ -2800,7 +2796,7 @@
           <a:p>
             <a:fld id="{6BFFF8FD-4C82-CE4B-A328-95E0C09266C3}" type="datetimeFigureOut">
               <a:rPr lang="en-US" smtClean="0"/>
-              <a:t>11/11/20</a:t>
+              <a:t>2/3/21</a:t>
             </a:fld>
             <a:endParaRPr lang="en-US"/>
           </a:p>
@@ -3113,7 +3109,7 @@
           <a:p>
             <a:fld id="{6BFFF8FD-4C82-CE4B-A328-95E0C09266C3}" type="datetimeFigureOut">
               <a:rPr lang="en-US" smtClean="0"/>
-              <a:t>11/11/20</a:t>
+              <a:t>2/3/21</a:t>
             </a:fld>
             <a:endParaRPr lang="en-US"/>
           </a:p>
@@ -3402,7 +3398,7 @@
           <a:p>
             <a:fld id="{6BFFF8FD-4C82-CE4B-A328-95E0C09266C3}" type="datetimeFigureOut">
               <a:rPr lang="en-US" smtClean="0"/>
-              <a:t>11/11/20</a:t>
+              <a:t>2/3/21</a:t>
             </a:fld>
             <a:endParaRPr lang="en-US"/>
           </a:p>
@@ -3645,7 +3641,7 @@
           <a:p>
             <a:fld id="{6BFFF8FD-4C82-CE4B-A328-95E0C09266C3}" type="datetimeFigureOut">
               <a:rPr lang="en-US" smtClean="0"/>
-              <a:t>11/11/20</a:t>
+              <a:t>2/3/21</a:t>
             </a:fld>
             <a:endParaRPr lang="en-US"/>
           </a:p>
@@ -5526,8 +5522,8 @@
           </a:p>
         </p:txBody>
       </p:sp>
-      <mc:AlternateContent xmlns:mc="http://schemas.openxmlformats.org/markup-compatibility/2006">
-        <mc:Choice xmlns:a14="http://schemas.microsoft.com/office/drawing/2010/main" Requires="a14">
+      <mc:AlternateContent xmlns:mc="http://schemas.openxmlformats.org/markup-compatibility/2006" xmlns:a14="http://schemas.microsoft.com/office/drawing/2010/main">
+        <mc:Choice Requires="a14">
           <p:sp>
             <p:nvSpPr>
               <p:cNvPr id="11" name="Content Placeholder 2">
@@ -5888,7 +5884,7 @@
             </p:txBody>
           </p:sp>
         </mc:Choice>
-        <mc:Fallback>
+        <mc:Fallback xmlns="">
           <p:sp>
             <p:nvSpPr>
               <p:cNvPr id="11" name="Content Placeholder 2">
@@ -6073,8 +6069,8 @@
           </a:p>
         </p:txBody>
       </p:sp>
-      <mc:AlternateContent xmlns:mc="http://schemas.openxmlformats.org/markup-compatibility/2006">
-        <mc:Choice xmlns:a14="http://schemas.microsoft.com/office/drawing/2010/main" Requires="a14">
+      <mc:AlternateContent xmlns:mc="http://schemas.openxmlformats.org/markup-compatibility/2006" xmlns:a14="http://schemas.microsoft.com/office/drawing/2010/main">
+        <mc:Choice Requires="a14">
           <p:sp>
             <p:nvSpPr>
               <p:cNvPr id="11" name="Content Placeholder 2">
@@ -6419,7 +6415,7 @@
             </p:txBody>
           </p:sp>
         </mc:Choice>
-        <mc:Fallback>
+        <mc:Fallback xmlns="">
           <p:sp>
             <p:nvSpPr>
               <p:cNvPr id="11" name="Content Placeholder 2">
@@ -7827,7 +7823,7 @@
             </a:r>
             <a:r>
               <a:rPr lang="en-US" sz="2800" dirty="0"/>
-              <a:t>tries to eliminate uninformative features. This makes models simpler and less prone to over-fitting.</a:t>
+              <a:t>tries to eliminate uninformative features. This makes models simpler and less prone to over-fitting. </a:t>
             </a:r>
           </a:p>
           <a:p>
@@ -7989,7 +7985,7 @@
         </p:spPr>
         <p:txBody>
           <a:bodyPr>
-            <a:normAutofit lnSpcReduction="10000"/>
+            <a:normAutofit fontScale="92500" lnSpcReduction="10000"/>
           </a:bodyPr>
           <a:lstStyle/>
           <a:p>
@@ -8041,7 +8037,28 @@
             </a:r>
             <a:r>
               <a:rPr lang="en-US" sz="2800" dirty="0"/>
-              <a:t>that can help.</a:t>
+              <a:t>that can help. </a:t>
+            </a:r>
+          </a:p>
+          <a:p>
+            <a:pPr marL="0" indent="0">
+              <a:buNone/>
+            </a:pPr>
+            <a:r>
+              <a:rPr lang="en-US" sz="2800" dirty="0"/>
+              <a:t>For some learning methods, </a:t>
+            </a:r>
+            <a:r>
+              <a:rPr lang="en-US" sz="2800" i="1" dirty="0" err="1"/>
+              <a:t>regularisation</a:t>
+            </a:r>
+            <a:r>
+              <a:rPr lang="en-US" sz="2800" b="1" dirty="0"/>
+              <a:t> </a:t>
+            </a:r>
+            <a:r>
+              <a:rPr lang="en-US" sz="2800" dirty="0"/>
+              <a:t>can be applied to achieve the same thing.</a:t>
             </a:r>
           </a:p>
           <a:p>
@@ -8077,17 +8094,6 @@
 <file path=ppt/slides/slide28.xml><?xml version="1.0" encoding="utf-8"?>
 <p:sld xmlns:a="http://schemas.openxmlformats.org/drawingml/2006/main" xmlns:r="http://schemas.openxmlformats.org/officeDocument/2006/relationships" xmlns:p="http://schemas.openxmlformats.org/presentationml/2006/main">
   <p:cSld>
-    <p:bg>
-      <p:bgPr>
-        <a:solidFill>
-          <a:schemeClr val="bg1">
-            <a:lumMod val="85000"/>
-            <a:alpha val="30000"/>
-          </a:schemeClr>
-        </a:solidFill>
-        <a:effectLst/>
-      </p:bgPr>
-    </p:bg>
     <p:spTree>
       <p:nvGrpSpPr>
         <p:cNvPr id="1" name=""/>
@@ -8155,7 +8161,7 @@
         </p:spPr>
         <p:txBody>
           <a:bodyPr>
-            <a:normAutofit lnSpcReduction="10000"/>
+            <a:normAutofit fontScale="92500" lnSpcReduction="10000"/>
           </a:bodyPr>
           <a:lstStyle/>
           <a:p>
@@ -8168,7 +8174,7 @@
             </a:r>
             <a:r>
               <a:rPr lang="en-US" sz="2800" b="1" dirty="0"/>
-              <a:t>bone marrow mononuclear cells with AML </a:t>
+              <a:t>HDI </a:t>
             </a:r>
             <a:r>
               <a:rPr lang="en-US" sz="2800" dirty="0"/>
@@ -8181,15 +8187,48 @@
             </a:pPr>
             <a:r>
               <a:rPr lang="en-US" sz="2800" dirty="0"/>
-              <a:t>	Using a </a:t>
+              <a:t>	Using </a:t>
             </a:r>
             <a:r>
               <a:rPr lang="en-US" sz="2800" i="1" dirty="0"/>
-              <a:t>tree</a:t>
-            </a:r>
-            <a:r>
-              <a:rPr lang="en-US" sz="2800" dirty="0"/>
-              <a:t> to predicting </a:t>
+              <a:t>linear regression</a:t>
+            </a:r>
+            <a:r>
+              <a:rPr lang="en-US" sz="2800" dirty="0"/>
+              <a:t> to predict </a:t>
+            </a:r>
+            <a:r>
+              <a:rPr lang="en-US" sz="2800" b="1" dirty="0"/>
+              <a:t>HDI</a:t>
+            </a:r>
+            <a:r>
+              <a:rPr lang="en-US" sz="2800" dirty="0"/>
+              <a:t>, find the R</a:t>
+            </a:r>
+            <a:r>
+              <a:rPr lang="en-US" sz="2800" baseline="30000" dirty="0"/>
+              <a:t>2</a:t>
+            </a:r>
+            <a:r>
+              <a:rPr lang="en-US" sz="2800" dirty="0"/>
+              <a:t> under 5-fold cross-validation.</a:t>
+            </a:r>
+          </a:p>
+          <a:p>
+            <a:pPr marL="0" indent="0">
+              <a:buNone/>
+            </a:pPr>
+            <a:r>
+              <a:rPr lang="en-US" sz="2800" dirty="0"/>
+              <a:t>	Now using the </a:t>
+            </a:r>
+            <a:r>
+              <a:rPr lang="en-US" sz="2800" i="1" dirty="0"/>
+              <a:t>correlations </a:t>
+            </a:r>
+            <a:r>
+              <a:rPr lang="en-US" sz="2800" dirty="0"/>
+              <a:t>widget, choose three features that appear to be informative of </a:t>
             </a:r>
             <a:r>
               <a:rPr lang="en-US" sz="2800" b="1" dirty="0"/>
@@ -8197,31 +8236,6 @@
             </a:r>
             <a:r>
               <a:rPr lang="en-US" sz="2800" dirty="0"/>
-              <a:t>, find its AUC under 5-fold cross-validation.</a:t>
-            </a:r>
-          </a:p>
-          <a:p>
-            <a:pPr marL="0" indent="0">
-              <a:buNone/>
-            </a:pPr>
-            <a:r>
-              <a:rPr lang="en-US" sz="2800" dirty="0"/>
-              <a:t>	Now using the </a:t>
-            </a:r>
-            <a:r>
-              <a:rPr lang="en-US" sz="2800" i="1" dirty="0"/>
-              <a:t>box plot</a:t>
-            </a:r>
-            <a:r>
-              <a:rPr lang="en-US" sz="2800" dirty="0"/>
-              <a:t> widget, identify the five features that are most predictive of </a:t>
-            </a:r>
-            <a:r>
-              <a:rPr lang="en-US" sz="2800" b="1" dirty="0"/>
-              <a:t>disease state</a:t>
-            </a:r>
-            <a:r>
-              <a:rPr lang="en-US" sz="2800" dirty="0"/>
               <a:t>.</a:t>
             </a:r>
           </a:p>
@@ -8239,7 +8253,7 @@
             </a:r>
             <a:r>
               <a:rPr lang="en-US" sz="2800" dirty="0"/>
-              <a:t>, make a new model using only these five features and compare its performance to your original model.</a:t>
+              <a:t>, make a new model using only these three features and compare its performance to your original model. </a:t>
             </a:r>
           </a:p>
           <a:p>
@@ -8248,15 +8262,40 @@
             </a:pPr>
             <a:r>
               <a:rPr lang="en-US" sz="2800" dirty="0"/>
-              <a:t>	Use </a:t>
+              <a:t>	Compare the </a:t>
             </a:r>
             <a:r>
               <a:rPr lang="en-US" sz="2800" i="1" dirty="0"/>
-              <a:t>correlations</a:t>
-            </a:r>
-            <a:r>
-              <a:rPr lang="en-US" sz="2800" dirty="0"/>
-              <a:t> to investigate relationships between the features – can you improve the model further?</a:t>
+              <a:t>bias</a:t>
+            </a:r>
+            <a:r>
+              <a:rPr lang="en-US" sz="2800" dirty="0"/>
+              <a:t> and </a:t>
+            </a:r>
+            <a:r>
+              <a:rPr lang="en-US" sz="2800" i="1" dirty="0"/>
+              <a:t>variance</a:t>
+            </a:r>
+            <a:r>
+              <a:rPr lang="en-US" sz="2800" dirty="0"/>
+              <a:t> of the two models visually with scatter plots.</a:t>
+            </a:r>
+          </a:p>
+          <a:p>
+            <a:pPr marL="0" indent="0">
+              <a:buNone/>
+            </a:pPr>
+            <a:r>
+              <a:rPr lang="en-US" sz="2800" dirty="0"/>
+              <a:t>	As an alternative to feature selection, investigate how </a:t>
+            </a:r>
+            <a:r>
+              <a:rPr lang="en-US" sz="2800" i="1" dirty="0"/>
+              <a:t>lasso regression </a:t>
+            </a:r>
+            <a:r>
+              <a:rPr lang="en-US" sz="2800" dirty="0"/>
+              <a:t>could be used to force the coefficients for uninformative features to zero.</a:t>
             </a:r>
           </a:p>
         </p:txBody>
@@ -8264,7 +8303,7 @@
     </p:spTree>
     <p:extLst>
       <p:ext uri="{BB962C8B-B14F-4D97-AF65-F5344CB8AC3E}">
-        <p14:creationId xmlns:p14="http://schemas.microsoft.com/office/powerpoint/2010/main" val="3449498984"/>
+        <p14:creationId xmlns:p14="http://schemas.microsoft.com/office/powerpoint/2010/main" val="3596171346"/>
       </p:ext>
     </p:extLst>
   </p:cSld>
@@ -9955,7 +9994,7 @@
         </p:spPr>
         <p:txBody>
           <a:bodyPr>
-            <a:normAutofit/>
+            <a:normAutofit lnSpcReduction="10000"/>
           </a:bodyPr>
           <a:lstStyle/>
           <a:p>
@@ -9997,6 +10036,34 @@
               <a:rPr lang="en-US" sz="2800" dirty="0"/>
               <a:t>The basic idea is that each model in the sequence gives more importance to the training examples that were poorly predicted by the model before.</a:t>
             </a:r>
+          </a:p>
+          <a:p>
+            <a:pPr marL="0" indent="0">
+              <a:buNone/>
+            </a:pPr>
+            <a:endParaRPr lang="en-US" sz="2800" dirty="0"/>
+          </a:p>
+          <a:p>
+            <a:pPr marL="0" indent="0">
+              <a:buNone/>
+            </a:pPr>
+            <a:r>
+              <a:rPr lang="en-US" sz="2800" b="1" dirty="0"/>
+              <a:t>AdaBoost </a:t>
+            </a:r>
+            <a:r>
+              <a:rPr lang="en-US" sz="2800" dirty="0"/>
+              <a:t>is an example of a boosting algorithm, which is often used with </a:t>
+            </a:r>
+            <a:r>
+              <a:rPr lang="en-US" sz="2800" i="1" dirty="0"/>
+              <a:t>decision stumps</a:t>
+            </a:r>
+            <a:r>
+              <a:rPr lang="en-US" sz="2800" dirty="0"/>
+              <a:t> as the base model.</a:t>
+            </a:r>
+            <a:endParaRPr lang="en-US" sz="2800" b="1" dirty="0"/>
           </a:p>
           <a:p>
             <a:pPr marL="0" indent="0">
@@ -10020,1001 +10087,6 @@
 </file>
 
 <file path=ppt/slides/slide37.xml><?xml version="1.0" encoding="utf-8"?>
-<p:sld xmlns:a="http://schemas.openxmlformats.org/drawingml/2006/main" xmlns:r="http://schemas.openxmlformats.org/officeDocument/2006/relationships" xmlns:p="http://schemas.openxmlformats.org/presentationml/2006/main">
-  <p:cSld>
-    <p:bg>
-      <p:bgPr>
-        <a:solidFill>
-          <a:schemeClr val="bg1">
-            <a:lumMod val="85000"/>
-            <a:alpha val="30000"/>
-          </a:schemeClr>
-        </a:solidFill>
-        <a:effectLst/>
-      </p:bgPr>
-    </p:bg>
-    <p:spTree>
-      <p:nvGrpSpPr>
-        <p:cNvPr id="1" name=""/>
-        <p:cNvGrpSpPr/>
-        <p:nvPr/>
-      </p:nvGrpSpPr>
-      <p:grpSpPr>
-        <a:xfrm>
-          <a:off x="0" y="0"/>
-          <a:ext cx="0" cy="0"/>
-          <a:chOff x="0" y="0"/>
-          <a:chExt cx="0" cy="0"/>
-        </a:xfrm>
-      </p:grpSpPr>
-      <p:sp>
-        <p:nvSpPr>
-          <p:cNvPr id="2" name="Title 1"/>
-          <p:cNvSpPr>
-            <a:spLocks noGrp="1"/>
-          </p:cNvSpPr>
-          <p:nvPr>
-            <p:ph type="title"/>
-          </p:nvPr>
-        </p:nvSpPr>
-        <p:spPr>
-          <a:xfrm>
-            <a:off x="95956" y="165100"/>
-            <a:ext cx="8641644" cy="1282700"/>
-          </a:xfrm>
-        </p:spPr>
-        <p:txBody>
-          <a:bodyPr>
-            <a:normAutofit/>
-          </a:bodyPr>
-          <a:lstStyle/>
-          <a:p>
-            <a:pPr algn="l"/>
-            <a:r>
-              <a:rPr lang="en-US" sz="4000" dirty="0"/>
-              <a:t>AdaBoost</a:t>
-            </a:r>
-          </a:p>
-        </p:txBody>
-      </p:sp>
-      <p:sp>
-        <p:nvSpPr>
-          <p:cNvPr id="3" name="Content Placeholder 2">
-            <a:extLst>
-              <a:ext uri="{FF2B5EF4-FFF2-40B4-BE49-F238E27FC236}">
-                <a16:creationId xmlns:a16="http://schemas.microsoft.com/office/drawing/2014/main" id="{AA32C3C7-8DBC-5F41-9C83-D30DB4109033}"/>
-              </a:ext>
-            </a:extLst>
-          </p:cNvPr>
-          <p:cNvSpPr>
-            <a:spLocks noGrp="1"/>
-          </p:cNvSpPr>
-          <p:nvPr>
-            <p:ph idx="1"/>
-          </p:nvPr>
-        </p:nvSpPr>
-        <p:spPr>
-          <a:xfrm>
-            <a:off x="406400" y="1574800"/>
-            <a:ext cx="8547100" cy="4711700"/>
-          </a:xfrm>
-        </p:spPr>
-        <p:txBody>
-          <a:bodyPr>
-            <a:normAutofit/>
-          </a:bodyPr>
-          <a:lstStyle/>
-          <a:p>
-            <a:pPr marL="0" indent="0">
-              <a:buNone/>
-            </a:pPr>
-            <a:r>
-              <a:rPr lang="en-US" sz="2800" b="1" dirty="0"/>
-              <a:t>Adaptive boosting</a:t>
-            </a:r>
-            <a:r>
-              <a:rPr lang="en-US" sz="2800" dirty="0"/>
-              <a:t> is one widely used boosting algorithm.</a:t>
-            </a:r>
-          </a:p>
-          <a:p>
-            <a:pPr marL="0" indent="0">
-              <a:buNone/>
-            </a:pPr>
-            <a:endParaRPr lang="en-US" sz="2800" b="1" dirty="0"/>
-          </a:p>
-          <a:p>
-            <a:pPr marL="0" indent="0">
-              <a:buNone/>
-            </a:pPr>
-            <a:r>
-              <a:rPr lang="en-US" sz="2800" dirty="0"/>
-              <a:t>It works by building up an ensemble model from sequentially fitted weak learners, e.g. </a:t>
-            </a:r>
-            <a:r>
-              <a:rPr lang="en-US" sz="2800" i="1" dirty="0"/>
-              <a:t>decision stumps</a:t>
-            </a:r>
-            <a:r>
-              <a:rPr lang="en-US" sz="2800" dirty="0"/>
-              <a:t>. </a:t>
-            </a:r>
-          </a:p>
-          <a:p>
-            <a:pPr marL="0" indent="0">
-              <a:buNone/>
-            </a:pPr>
-            <a:endParaRPr lang="en-US" sz="2800" dirty="0"/>
-          </a:p>
-          <a:p>
-            <a:pPr marL="0" indent="0">
-              <a:buNone/>
-            </a:pPr>
-            <a:r>
-              <a:rPr lang="en-US" sz="2800" dirty="0"/>
-              <a:t>As well as fitting each component model, we need to decide how much it should contribute to the overall model, known as its </a:t>
-            </a:r>
-            <a:r>
-              <a:rPr lang="en-US" sz="2800" i="1" dirty="0"/>
-              <a:t>weight</a:t>
-            </a:r>
-            <a:r>
-              <a:rPr lang="en-US" sz="2800" dirty="0"/>
-              <a:t>.</a:t>
-            </a:r>
-          </a:p>
-          <a:p>
-            <a:pPr marL="0" indent="0">
-              <a:buNone/>
-            </a:pPr>
-            <a:endParaRPr lang="en-US" sz="2800" dirty="0"/>
-          </a:p>
-        </p:txBody>
-      </p:sp>
-    </p:spTree>
-    <p:extLst>
-      <p:ext uri="{BB962C8B-B14F-4D97-AF65-F5344CB8AC3E}">
-        <p14:creationId xmlns:p14="http://schemas.microsoft.com/office/powerpoint/2010/main" val="3997802341"/>
-      </p:ext>
-    </p:extLst>
-  </p:cSld>
-  <p:clrMapOvr>
-    <a:masterClrMapping/>
-  </p:clrMapOvr>
-</p:sld>
-</file>
-
-<file path=ppt/slides/slide38.xml><?xml version="1.0" encoding="utf-8"?>
-<p:sld xmlns:a="http://schemas.openxmlformats.org/drawingml/2006/main" xmlns:r="http://schemas.openxmlformats.org/officeDocument/2006/relationships" xmlns:p="http://schemas.openxmlformats.org/presentationml/2006/main">
-  <p:cSld>
-    <p:bg>
-      <p:bgPr>
-        <a:solidFill>
-          <a:schemeClr val="bg1">
-            <a:lumMod val="85000"/>
-            <a:alpha val="30000"/>
-          </a:schemeClr>
-        </a:solidFill>
-        <a:effectLst/>
-      </p:bgPr>
-    </p:bg>
-    <p:spTree>
-      <p:nvGrpSpPr>
-        <p:cNvPr id="1" name=""/>
-        <p:cNvGrpSpPr/>
-        <p:nvPr/>
-      </p:nvGrpSpPr>
-      <p:grpSpPr>
-        <a:xfrm>
-          <a:off x="0" y="0"/>
-          <a:ext cx="0" cy="0"/>
-          <a:chOff x="0" y="0"/>
-          <a:chExt cx="0" cy="0"/>
-        </a:xfrm>
-      </p:grpSpPr>
-      <p:sp>
-        <p:nvSpPr>
-          <p:cNvPr id="2" name="Title 1"/>
-          <p:cNvSpPr>
-            <a:spLocks noGrp="1"/>
-          </p:cNvSpPr>
-          <p:nvPr>
-            <p:ph type="title"/>
-          </p:nvPr>
-        </p:nvSpPr>
-        <p:spPr>
-          <a:xfrm>
-            <a:off x="95956" y="165100"/>
-            <a:ext cx="8641644" cy="1282700"/>
-          </a:xfrm>
-        </p:spPr>
-        <p:txBody>
-          <a:bodyPr>
-            <a:normAutofit/>
-          </a:bodyPr>
-          <a:lstStyle/>
-          <a:p>
-            <a:pPr algn="l"/>
-            <a:r>
-              <a:rPr lang="en-US" sz="4000" dirty="0"/>
-              <a:t>AdaBoost</a:t>
-            </a:r>
-          </a:p>
-        </p:txBody>
-      </p:sp>
-      <p:pic>
-        <p:nvPicPr>
-          <p:cNvPr id="14338" name="Picture 2" descr="Image for post">
-            <a:extLst>
-              <a:ext uri="{FF2B5EF4-FFF2-40B4-BE49-F238E27FC236}">
-                <a16:creationId xmlns:a16="http://schemas.microsoft.com/office/drawing/2014/main" id="{B61FE943-A5FA-E844-9138-34DB4321B56E}"/>
-              </a:ext>
-            </a:extLst>
-          </p:cNvPr>
-          <p:cNvPicPr>
-            <a:picLocks noChangeAspect="1" noChangeArrowheads="1"/>
-          </p:cNvPicPr>
-          <p:nvPr/>
-        </p:nvPicPr>
-        <p:blipFill rotWithShape="1">
-          <a:blip r:embed="rId2">
-            <a:extLst>
-              <a:ext uri="{28A0092B-C50C-407E-A947-70E740481C1C}">
-                <a14:useLocalDpi xmlns:a14="http://schemas.microsoft.com/office/drawing/2010/main" val="0"/>
-              </a:ext>
-            </a:extLst>
-          </a:blip>
-          <a:srcRect l="13611" t="21693" r="65942" b="39942"/>
-          <a:stretch/>
-        </p:blipFill>
-        <p:spPr bwMode="auto">
-          <a:xfrm>
-            <a:off x="860778" y="2095500"/>
-            <a:ext cx="1869722" cy="1892300"/>
-          </a:xfrm>
-          <a:prstGeom prst="rect">
-            <a:avLst/>
-          </a:prstGeom>
-          <a:noFill/>
-          <a:extLst>
-            <a:ext uri="{909E8E84-426E-40DD-AFC4-6F175D3DCCD1}">
-              <a14:hiddenFill xmlns:a14="http://schemas.microsoft.com/office/drawing/2010/main">
-                <a:solidFill>
-                  <a:srgbClr val="FFFFFF"/>
-                </a:solidFill>
-              </a14:hiddenFill>
-            </a:ext>
-          </a:extLst>
-        </p:spPr>
-      </p:pic>
-    </p:spTree>
-    <p:extLst>
-      <p:ext uri="{BB962C8B-B14F-4D97-AF65-F5344CB8AC3E}">
-        <p14:creationId xmlns:p14="http://schemas.microsoft.com/office/powerpoint/2010/main" val="3953575065"/>
-      </p:ext>
-    </p:extLst>
-  </p:cSld>
-  <p:clrMapOvr>
-    <a:masterClrMapping/>
-  </p:clrMapOvr>
-</p:sld>
-</file>
-
-<file path=ppt/slides/slide39.xml><?xml version="1.0" encoding="utf-8"?>
-<p:sld xmlns:a="http://schemas.openxmlformats.org/drawingml/2006/main" xmlns:r="http://schemas.openxmlformats.org/officeDocument/2006/relationships" xmlns:p="http://schemas.openxmlformats.org/presentationml/2006/main">
-  <p:cSld>
-    <p:bg>
-      <p:bgPr>
-        <a:solidFill>
-          <a:schemeClr val="bg1">
-            <a:lumMod val="85000"/>
-            <a:alpha val="30000"/>
-          </a:schemeClr>
-        </a:solidFill>
-        <a:effectLst/>
-      </p:bgPr>
-    </p:bg>
-    <p:spTree>
-      <p:nvGrpSpPr>
-        <p:cNvPr id="1" name=""/>
-        <p:cNvGrpSpPr/>
-        <p:nvPr/>
-      </p:nvGrpSpPr>
-      <p:grpSpPr>
-        <a:xfrm>
-          <a:off x="0" y="0"/>
-          <a:ext cx="0" cy="0"/>
-          <a:chOff x="0" y="0"/>
-          <a:chExt cx="0" cy="0"/>
-        </a:xfrm>
-      </p:grpSpPr>
-      <p:sp>
-        <p:nvSpPr>
-          <p:cNvPr id="2" name="Title 1"/>
-          <p:cNvSpPr>
-            <a:spLocks noGrp="1"/>
-          </p:cNvSpPr>
-          <p:nvPr>
-            <p:ph type="title"/>
-          </p:nvPr>
-        </p:nvSpPr>
-        <p:spPr>
-          <a:xfrm>
-            <a:off x="95956" y="165100"/>
-            <a:ext cx="8641644" cy="1282700"/>
-          </a:xfrm>
-        </p:spPr>
-        <p:txBody>
-          <a:bodyPr>
-            <a:normAutofit/>
-          </a:bodyPr>
-          <a:lstStyle/>
-          <a:p>
-            <a:pPr algn="l"/>
-            <a:r>
-              <a:rPr lang="en-US" sz="4000" dirty="0"/>
-              <a:t>AdaBoost</a:t>
-            </a:r>
-          </a:p>
-        </p:txBody>
-      </p:sp>
-      <p:pic>
-        <p:nvPicPr>
-          <p:cNvPr id="14338" name="Picture 2" descr="Image for post">
-            <a:extLst>
-              <a:ext uri="{FF2B5EF4-FFF2-40B4-BE49-F238E27FC236}">
-                <a16:creationId xmlns:a16="http://schemas.microsoft.com/office/drawing/2014/main" id="{B61FE943-A5FA-E844-9138-34DB4321B56E}"/>
-              </a:ext>
-            </a:extLst>
-          </p:cNvPr>
-          <p:cNvPicPr>
-            <a:picLocks noChangeAspect="1" noChangeArrowheads="1"/>
-          </p:cNvPicPr>
-          <p:nvPr/>
-        </p:nvPicPr>
-        <p:blipFill rotWithShape="1">
-          <a:blip r:embed="rId2">
-            <a:extLst>
-              <a:ext uri="{28A0092B-C50C-407E-A947-70E740481C1C}">
-                <a14:useLocalDpi xmlns:a14="http://schemas.microsoft.com/office/drawing/2010/main" val="0"/>
-              </a:ext>
-            </a:extLst>
-          </a:blip>
-          <a:srcRect l="13611" t="21693" r="36497" b="39942"/>
-          <a:stretch/>
-        </p:blipFill>
-        <p:spPr bwMode="auto">
-          <a:xfrm>
-            <a:off x="860778" y="2095500"/>
-            <a:ext cx="4562122" cy="1892300"/>
-          </a:xfrm>
-          <a:prstGeom prst="rect">
-            <a:avLst/>
-          </a:prstGeom>
-          <a:noFill/>
-          <a:extLst>
-            <a:ext uri="{909E8E84-426E-40DD-AFC4-6F175D3DCCD1}">
-              <a14:hiddenFill xmlns:a14="http://schemas.microsoft.com/office/drawing/2010/main">
-                <a:solidFill>
-                  <a:srgbClr val="FFFFFF"/>
-                </a:solidFill>
-              </a14:hiddenFill>
-            </a:ext>
-          </a:extLst>
-        </p:spPr>
-      </p:pic>
-      <p:sp>
-        <p:nvSpPr>
-          <p:cNvPr id="6" name="Rectangle 5">
-            <a:extLst>
-              <a:ext uri="{FF2B5EF4-FFF2-40B4-BE49-F238E27FC236}">
-                <a16:creationId xmlns:a16="http://schemas.microsoft.com/office/drawing/2014/main" id="{139B1C8F-75F9-7049-84C2-C2C9F404CF36}"/>
-              </a:ext>
-            </a:extLst>
-          </p:cNvPr>
-          <p:cNvSpPr/>
-          <p:nvPr/>
-        </p:nvSpPr>
-        <p:spPr>
-          <a:xfrm>
-            <a:off x="2463800" y="4635500"/>
-            <a:ext cx="1219200" cy="596900"/>
-          </a:xfrm>
-          <a:prstGeom prst="rect">
-            <a:avLst/>
-          </a:prstGeom>
-        </p:spPr>
-        <p:style>
-          <a:lnRef idx="2">
-            <a:schemeClr val="accent1">
-              <a:shade val="50000"/>
-            </a:schemeClr>
-          </a:lnRef>
-          <a:fillRef idx="1">
-            <a:schemeClr val="accent1"/>
-          </a:fillRef>
-          <a:effectRef idx="0">
-            <a:schemeClr val="accent1"/>
-          </a:effectRef>
-          <a:fontRef idx="minor">
-            <a:schemeClr val="lt1"/>
-          </a:fontRef>
-        </p:style>
-        <p:txBody>
-          <a:bodyPr rtlCol="0" anchor="ctr"/>
-          <a:lstStyle/>
-          <a:p>
-            <a:pPr algn="ctr"/>
-            <a:r>
-              <a:rPr lang="en-US" dirty="0"/>
-              <a:t>model 1</a:t>
-            </a:r>
-          </a:p>
-        </p:txBody>
-      </p:sp>
-      <p:sp>
-        <p:nvSpPr>
-          <p:cNvPr id="7" name="U-turn Arrow 6">
-            <a:extLst>
-              <a:ext uri="{FF2B5EF4-FFF2-40B4-BE49-F238E27FC236}">
-                <a16:creationId xmlns:a16="http://schemas.microsoft.com/office/drawing/2014/main" id="{92B8F742-B3A4-0740-B90A-CA24A7D12A6C}"/>
-              </a:ext>
-            </a:extLst>
-          </p:cNvPr>
-          <p:cNvSpPr/>
-          <p:nvPr/>
-        </p:nvSpPr>
-        <p:spPr>
-          <a:xfrm rot="10800000" flipH="1">
-            <a:off x="2070100" y="3886200"/>
-            <a:ext cx="2006600" cy="685800"/>
-          </a:xfrm>
-          <a:prstGeom prst="uturnArrow">
-            <a:avLst/>
-          </a:prstGeom>
-        </p:spPr>
-        <p:style>
-          <a:lnRef idx="2">
-            <a:schemeClr val="accent1">
-              <a:shade val="50000"/>
-            </a:schemeClr>
-          </a:lnRef>
-          <a:fillRef idx="1">
-            <a:schemeClr val="accent1"/>
-          </a:fillRef>
-          <a:effectRef idx="0">
-            <a:schemeClr val="accent1"/>
-          </a:effectRef>
-          <a:fontRef idx="minor">
-            <a:schemeClr val="lt1"/>
-          </a:fontRef>
-        </p:style>
-        <p:txBody>
-          <a:bodyPr rtlCol="0" anchor="ctr"/>
-          <a:lstStyle/>
-          <a:p>
-            <a:pPr algn="ctr"/>
-            <a:endParaRPr lang="en-US">
-              <a:solidFill>
-                <a:schemeClr val="tx1"/>
-              </a:solidFill>
-            </a:endParaRPr>
-          </a:p>
-        </p:txBody>
-      </p:sp>
-      <p:sp>
-        <p:nvSpPr>
-          <p:cNvPr id="9" name="TextBox 8">
-            <a:extLst>
-              <a:ext uri="{FF2B5EF4-FFF2-40B4-BE49-F238E27FC236}">
-                <a16:creationId xmlns:a16="http://schemas.microsoft.com/office/drawing/2014/main" id="{086E4B5E-A8AD-474A-8523-70837CCC979D}"/>
-              </a:ext>
-            </a:extLst>
-          </p:cNvPr>
-          <p:cNvSpPr txBox="1"/>
-          <p:nvPr/>
-        </p:nvSpPr>
-        <p:spPr>
-          <a:xfrm>
-            <a:off x="2463800" y="5232400"/>
-            <a:ext cx="1219200" cy="369332"/>
-          </a:xfrm>
-          <a:prstGeom prst="rect">
-            <a:avLst/>
-          </a:prstGeom>
-          <a:noFill/>
-        </p:spPr>
-        <p:txBody>
-          <a:bodyPr wrap="square" rtlCol="0">
-            <a:spAutoFit/>
-          </a:bodyPr>
-          <a:lstStyle/>
-          <a:p>
-            <a:pPr algn="ctr"/>
-            <a:r>
-              <a:rPr lang="en-US" dirty="0"/>
-              <a:t>weight 1</a:t>
-            </a:r>
-          </a:p>
-        </p:txBody>
-      </p:sp>
-    </p:spTree>
-    <p:extLst>
-      <p:ext uri="{BB962C8B-B14F-4D97-AF65-F5344CB8AC3E}">
-        <p14:creationId xmlns:p14="http://schemas.microsoft.com/office/powerpoint/2010/main" val="1943025154"/>
-      </p:ext>
-    </p:extLst>
-  </p:cSld>
-  <p:clrMapOvr>
-    <a:masterClrMapping/>
-  </p:clrMapOvr>
-</p:sld>
-</file>
-
-<file path=ppt/slides/slide4.xml><?xml version="1.0" encoding="utf-8"?>
-<p:sld xmlns:a="http://schemas.openxmlformats.org/drawingml/2006/main" xmlns:r="http://schemas.openxmlformats.org/officeDocument/2006/relationships" xmlns:p="http://schemas.openxmlformats.org/presentationml/2006/main">
-  <p:cSld>
-    <p:bg>
-      <p:bgPr>
-        <a:solidFill>
-          <a:schemeClr val="bg1">
-            <a:lumMod val="85000"/>
-            <a:alpha val="30000"/>
-          </a:schemeClr>
-        </a:solidFill>
-        <a:effectLst/>
-      </p:bgPr>
-    </p:bg>
-    <p:spTree>
-      <p:nvGrpSpPr>
-        <p:cNvPr id="1" name=""/>
-        <p:cNvGrpSpPr/>
-        <p:nvPr/>
-      </p:nvGrpSpPr>
-      <p:grpSpPr>
-        <a:xfrm>
-          <a:off x="0" y="0"/>
-          <a:ext cx="0" cy="0"/>
-          <a:chOff x="0" y="0"/>
-          <a:chExt cx="0" cy="0"/>
-        </a:xfrm>
-      </p:grpSpPr>
-      <p:sp>
-        <p:nvSpPr>
-          <p:cNvPr id="2" name="Title 1">
-            <a:extLst>
-              <a:ext uri="{FF2B5EF4-FFF2-40B4-BE49-F238E27FC236}">
-                <a16:creationId xmlns:a16="http://schemas.microsoft.com/office/drawing/2014/main" id="{66F554E7-E576-3C4D-9CB5-AD8805504562}"/>
-              </a:ext>
-            </a:extLst>
-          </p:cNvPr>
-          <p:cNvSpPr>
-            <a:spLocks noGrp="1"/>
-          </p:cNvSpPr>
-          <p:nvPr>
-            <p:ph type="ctrTitle"/>
-          </p:nvPr>
-        </p:nvSpPr>
-        <p:spPr>
-          <a:xfrm>
-            <a:off x="685800" y="2872309"/>
-            <a:ext cx="7772400" cy="918310"/>
-          </a:xfrm>
-        </p:spPr>
-        <p:txBody>
-          <a:bodyPr anchor="t">
-            <a:normAutofit/>
-          </a:bodyPr>
-          <a:lstStyle/>
-          <a:p>
-            <a:pPr algn="l"/>
-            <a:r>
-              <a:rPr lang="en-US" sz="5400" dirty="0"/>
-              <a:t>Evaluating performance</a:t>
-            </a:r>
-          </a:p>
-        </p:txBody>
-      </p:sp>
-    </p:spTree>
-    <p:extLst>
-      <p:ext uri="{BB962C8B-B14F-4D97-AF65-F5344CB8AC3E}">
-        <p14:creationId xmlns:p14="http://schemas.microsoft.com/office/powerpoint/2010/main" val="2901175782"/>
-      </p:ext>
-    </p:extLst>
-  </p:cSld>
-  <p:clrMapOvr>
-    <a:masterClrMapping/>
-  </p:clrMapOvr>
-</p:sld>
-</file>
-
-<file path=ppt/slides/slide40.xml><?xml version="1.0" encoding="utf-8"?>
-<p:sld xmlns:a="http://schemas.openxmlformats.org/drawingml/2006/main" xmlns:r="http://schemas.openxmlformats.org/officeDocument/2006/relationships" xmlns:p="http://schemas.openxmlformats.org/presentationml/2006/main">
-  <p:cSld>
-    <p:bg>
-      <p:bgPr>
-        <a:solidFill>
-          <a:schemeClr val="bg1">
-            <a:lumMod val="85000"/>
-            <a:alpha val="30000"/>
-          </a:schemeClr>
-        </a:solidFill>
-        <a:effectLst/>
-      </p:bgPr>
-    </p:bg>
-    <p:spTree>
-      <p:nvGrpSpPr>
-        <p:cNvPr id="1" name=""/>
-        <p:cNvGrpSpPr/>
-        <p:nvPr/>
-      </p:nvGrpSpPr>
-      <p:grpSpPr>
-        <a:xfrm>
-          <a:off x="0" y="0"/>
-          <a:ext cx="0" cy="0"/>
-          <a:chOff x="0" y="0"/>
-          <a:chExt cx="0" cy="0"/>
-        </a:xfrm>
-      </p:grpSpPr>
-      <p:sp>
-        <p:nvSpPr>
-          <p:cNvPr id="2" name="Title 1"/>
-          <p:cNvSpPr>
-            <a:spLocks noGrp="1"/>
-          </p:cNvSpPr>
-          <p:nvPr>
-            <p:ph type="title"/>
-          </p:nvPr>
-        </p:nvSpPr>
-        <p:spPr>
-          <a:xfrm>
-            <a:off x="95956" y="165100"/>
-            <a:ext cx="8641644" cy="1282700"/>
-          </a:xfrm>
-        </p:spPr>
-        <p:txBody>
-          <a:bodyPr>
-            <a:normAutofit/>
-          </a:bodyPr>
-          <a:lstStyle/>
-          <a:p>
-            <a:pPr algn="l"/>
-            <a:r>
-              <a:rPr lang="en-US" sz="4000" dirty="0"/>
-              <a:t>AdaBoost</a:t>
-            </a:r>
-          </a:p>
-        </p:txBody>
-      </p:sp>
-      <p:pic>
-        <p:nvPicPr>
-          <p:cNvPr id="14338" name="Picture 2" descr="Image for post">
-            <a:extLst>
-              <a:ext uri="{FF2B5EF4-FFF2-40B4-BE49-F238E27FC236}">
-                <a16:creationId xmlns:a16="http://schemas.microsoft.com/office/drawing/2014/main" id="{B61FE943-A5FA-E844-9138-34DB4321B56E}"/>
-              </a:ext>
-            </a:extLst>
-          </p:cNvPr>
-          <p:cNvPicPr>
-            <a:picLocks noChangeAspect="1" noChangeArrowheads="1"/>
-          </p:cNvPicPr>
-          <p:nvPr/>
-        </p:nvPicPr>
-        <p:blipFill rotWithShape="1">
-          <a:blip r:embed="rId2">
-            <a:extLst>
-              <a:ext uri="{28A0092B-C50C-407E-A947-70E740481C1C}">
-                <a14:useLocalDpi xmlns:a14="http://schemas.microsoft.com/office/drawing/2010/main" val="0"/>
-              </a:ext>
-            </a:extLst>
-          </a:blip>
-          <a:srcRect l="13611" t="21693" r="8611" b="39942"/>
-          <a:stretch/>
-        </p:blipFill>
-        <p:spPr bwMode="auto">
-          <a:xfrm>
-            <a:off x="860778" y="2095500"/>
-            <a:ext cx="7112000" cy="1892300"/>
-          </a:xfrm>
-          <a:prstGeom prst="rect">
-            <a:avLst/>
-          </a:prstGeom>
-          <a:noFill/>
-          <a:extLst>
-            <a:ext uri="{909E8E84-426E-40DD-AFC4-6F175D3DCCD1}">
-              <a14:hiddenFill xmlns:a14="http://schemas.microsoft.com/office/drawing/2010/main">
-                <a:solidFill>
-                  <a:srgbClr val="FFFFFF"/>
-                </a:solidFill>
-              </a14:hiddenFill>
-            </a:ext>
-          </a:extLst>
-        </p:spPr>
-      </p:pic>
-      <p:sp>
-        <p:nvSpPr>
-          <p:cNvPr id="6" name="Rectangle 5">
-            <a:extLst>
-              <a:ext uri="{FF2B5EF4-FFF2-40B4-BE49-F238E27FC236}">
-                <a16:creationId xmlns:a16="http://schemas.microsoft.com/office/drawing/2014/main" id="{139B1C8F-75F9-7049-84C2-C2C9F404CF36}"/>
-              </a:ext>
-            </a:extLst>
-          </p:cNvPr>
-          <p:cNvSpPr/>
-          <p:nvPr/>
-        </p:nvSpPr>
-        <p:spPr>
-          <a:xfrm>
-            <a:off x="2463800" y="4635500"/>
-            <a:ext cx="1219200" cy="596900"/>
-          </a:xfrm>
-          <a:prstGeom prst="rect">
-            <a:avLst/>
-          </a:prstGeom>
-        </p:spPr>
-        <p:style>
-          <a:lnRef idx="2">
-            <a:schemeClr val="accent1">
-              <a:shade val="50000"/>
-            </a:schemeClr>
-          </a:lnRef>
-          <a:fillRef idx="1">
-            <a:schemeClr val="accent1"/>
-          </a:fillRef>
-          <a:effectRef idx="0">
-            <a:schemeClr val="accent1"/>
-          </a:effectRef>
-          <a:fontRef idx="minor">
-            <a:schemeClr val="lt1"/>
-          </a:fontRef>
-        </p:style>
-        <p:txBody>
-          <a:bodyPr rtlCol="0" anchor="ctr"/>
-          <a:lstStyle/>
-          <a:p>
-            <a:pPr algn="ctr"/>
-            <a:r>
-              <a:rPr lang="en-US" dirty="0"/>
-              <a:t>model 1</a:t>
-            </a:r>
-          </a:p>
-        </p:txBody>
-      </p:sp>
-      <p:sp>
-        <p:nvSpPr>
-          <p:cNvPr id="8" name="Rectangle 7">
-            <a:extLst>
-              <a:ext uri="{FF2B5EF4-FFF2-40B4-BE49-F238E27FC236}">
-                <a16:creationId xmlns:a16="http://schemas.microsoft.com/office/drawing/2014/main" id="{E4243013-9656-DC4E-B1D7-062A698C40E4}"/>
-              </a:ext>
-            </a:extLst>
-          </p:cNvPr>
-          <p:cNvSpPr/>
-          <p:nvPr/>
-        </p:nvSpPr>
-        <p:spPr>
-          <a:xfrm>
-            <a:off x="5016500" y="4635500"/>
-            <a:ext cx="1219200" cy="596900"/>
-          </a:xfrm>
-          <a:prstGeom prst="rect">
-            <a:avLst/>
-          </a:prstGeom>
-        </p:spPr>
-        <p:style>
-          <a:lnRef idx="2">
-            <a:schemeClr val="accent1">
-              <a:shade val="50000"/>
-            </a:schemeClr>
-          </a:lnRef>
-          <a:fillRef idx="1">
-            <a:schemeClr val="accent1"/>
-          </a:fillRef>
-          <a:effectRef idx="0">
-            <a:schemeClr val="accent1"/>
-          </a:effectRef>
-          <a:fontRef idx="minor">
-            <a:schemeClr val="lt1"/>
-          </a:fontRef>
-        </p:style>
-        <p:txBody>
-          <a:bodyPr rtlCol="0" anchor="ctr"/>
-          <a:lstStyle/>
-          <a:p>
-            <a:pPr algn="ctr"/>
-            <a:r>
-              <a:rPr lang="en-US" dirty="0"/>
-              <a:t>model 2</a:t>
-            </a:r>
-          </a:p>
-        </p:txBody>
-      </p:sp>
-      <p:sp>
-        <p:nvSpPr>
-          <p:cNvPr id="7" name="U-turn Arrow 6">
-            <a:extLst>
-              <a:ext uri="{FF2B5EF4-FFF2-40B4-BE49-F238E27FC236}">
-                <a16:creationId xmlns:a16="http://schemas.microsoft.com/office/drawing/2014/main" id="{92B8F742-B3A4-0740-B90A-CA24A7D12A6C}"/>
-              </a:ext>
-            </a:extLst>
-          </p:cNvPr>
-          <p:cNvSpPr/>
-          <p:nvPr/>
-        </p:nvSpPr>
-        <p:spPr>
-          <a:xfrm rot="10800000" flipH="1">
-            <a:off x="2070100" y="3886200"/>
-            <a:ext cx="2006600" cy="685800"/>
-          </a:xfrm>
-          <a:prstGeom prst="uturnArrow">
-            <a:avLst/>
-          </a:prstGeom>
-        </p:spPr>
-        <p:style>
-          <a:lnRef idx="2">
-            <a:schemeClr val="accent1">
-              <a:shade val="50000"/>
-            </a:schemeClr>
-          </a:lnRef>
-          <a:fillRef idx="1">
-            <a:schemeClr val="accent1"/>
-          </a:fillRef>
-          <a:effectRef idx="0">
-            <a:schemeClr val="accent1"/>
-          </a:effectRef>
-          <a:fontRef idx="minor">
-            <a:schemeClr val="lt1"/>
-          </a:fontRef>
-        </p:style>
-        <p:txBody>
-          <a:bodyPr rtlCol="0" anchor="ctr"/>
-          <a:lstStyle/>
-          <a:p>
-            <a:pPr algn="ctr"/>
-            <a:endParaRPr lang="en-US">
-              <a:solidFill>
-                <a:schemeClr val="tx1"/>
-              </a:solidFill>
-            </a:endParaRPr>
-          </a:p>
-        </p:txBody>
-      </p:sp>
-      <p:sp>
-        <p:nvSpPr>
-          <p:cNvPr id="10" name="U-turn Arrow 9">
-            <a:extLst>
-              <a:ext uri="{FF2B5EF4-FFF2-40B4-BE49-F238E27FC236}">
-                <a16:creationId xmlns:a16="http://schemas.microsoft.com/office/drawing/2014/main" id="{473A5E4A-8846-C84E-AF3F-E7FFAC0817CA}"/>
-              </a:ext>
-            </a:extLst>
-          </p:cNvPr>
-          <p:cNvSpPr/>
-          <p:nvPr/>
-        </p:nvSpPr>
-        <p:spPr>
-          <a:xfrm rot="10800000" flipH="1">
-            <a:off x="4622800" y="3886200"/>
-            <a:ext cx="2006600" cy="685800"/>
-          </a:xfrm>
-          <a:prstGeom prst="uturnArrow">
-            <a:avLst/>
-          </a:prstGeom>
-        </p:spPr>
-        <p:style>
-          <a:lnRef idx="2">
-            <a:schemeClr val="accent1">
-              <a:shade val="50000"/>
-            </a:schemeClr>
-          </a:lnRef>
-          <a:fillRef idx="1">
-            <a:schemeClr val="accent1"/>
-          </a:fillRef>
-          <a:effectRef idx="0">
-            <a:schemeClr val="accent1"/>
-          </a:effectRef>
-          <a:fontRef idx="minor">
-            <a:schemeClr val="lt1"/>
-          </a:fontRef>
-        </p:style>
-        <p:txBody>
-          <a:bodyPr rtlCol="0" anchor="ctr"/>
-          <a:lstStyle/>
-          <a:p>
-            <a:pPr algn="ctr"/>
-            <a:endParaRPr lang="en-US">
-              <a:solidFill>
-                <a:schemeClr val="tx1"/>
-              </a:solidFill>
-            </a:endParaRPr>
-          </a:p>
-        </p:txBody>
-      </p:sp>
-      <p:sp>
-        <p:nvSpPr>
-          <p:cNvPr id="3" name="TextBox 2">
-            <a:extLst>
-              <a:ext uri="{FF2B5EF4-FFF2-40B4-BE49-F238E27FC236}">
-                <a16:creationId xmlns:a16="http://schemas.microsoft.com/office/drawing/2014/main" id="{F755DC11-43D5-AB4D-820E-159CAF5B82DF}"/>
-              </a:ext>
-            </a:extLst>
-          </p:cNvPr>
-          <p:cNvSpPr txBox="1"/>
-          <p:nvPr/>
-        </p:nvSpPr>
-        <p:spPr>
-          <a:xfrm>
-            <a:off x="2463800" y="5232400"/>
-            <a:ext cx="1219200" cy="369332"/>
-          </a:xfrm>
-          <a:prstGeom prst="rect">
-            <a:avLst/>
-          </a:prstGeom>
-          <a:noFill/>
-        </p:spPr>
-        <p:txBody>
-          <a:bodyPr wrap="square" rtlCol="0">
-            <a:spAutoFit/>
-          </a:bodyPr>
-          <a:lstStyle/>
-          <a:p>
-            <a:pPr algn="ctr"/>
-            <a:r>
-              <a:rPr lang="en-US" dirty="0"/>
-              <a:t>weight 1</a:t>
-            </a:r>
-          </a:p>
-        </p:txBody>
-      </p:sp>
-      <p:sp>
-        <p:nvSpPr>
-          <p:cNvPr id="9" name="TextBox 8">
-            <a:extLst>
-              <a:ext uri="{FF2B5EF4-FFF2-40B4-BE49-F238E27FC236}">
-                <a16:creationId xmlns:a16="http://schemas.microsoft.com/office/drawing/2014/main" id="{305A2911-9A90-0B48-A6A4-3D82BFF05A80}"/>
-              </a:ext>
-            </a:extLst>
-          </p:cNvPr>
-          <p:cNvSpPr txBox="1"/>
-          <p:nvPr/>
-        </p:nvSpPr>
-        <p:spPr>
-          <a:xfrm>
-            <a:off x="5016500" y="5232400"/>
-            <a:ext cx="1219200" cy="369332"/>
-          </a:xfrm>
-          <a:prstGeom prst="rect">
-            <a:avLst/>
-          </a:prstGeom>
-          <a:noFill/>
-        </p:spPr>
-        <p:txBody>
-          <a:bodyPr wrap="square" rtlCol="0">
-            <a:spAutoFit/>
-          </a:bodyPr>
-          <a:lstStyle/>
-          <a:p>
-            <a:pPr algn="ctr"/>
-            <a:r>
-              <a:rPr lang="en-US" dirty="0"/>
-              <a:t>weight 2</a:t>
-            </a:r>
-          </a:p>
-        </p:txBody>
-      </p:sp>
-    </p:spTree>
-    <p:extLst>
-      <p:ext uri="{BB962C8B-B14F-4D97-AF65-F5344CB8AC3E}">
-        <p14:creationId xmlns:p14="http://schemas.microsoft.com/office/powerpoint/2010/main" val="1164975566"/>
-      </p:ext>
-    </p:extLst>
-  </p:cSld>
-  <p:clrMapOvr>
-    <a:masterClrMapping/>
-  </p:clrMapOvr>
-</p:sld>
-</file>
-
-<file path=ppt/slides/slide41.xml><?xml version="1.0" encoding="utf-8"?>
 <p:sld xmlns:a="http://schemas.openxmlformats.org/drawingml/2006/main" xmlns:r="http://schemas.openxmlformats.org/officeDocument/2006/relationships" xmlns:p="http://schemas.openxmlformats.org/presentationml/2006/main">
   <p:cSld>
     <p:bg>
@@ -11533,7 +10605,7 @@
 </p:sld>
 </file>
 
-<file path=ppt/slides/slide42.xml><?xml version="1.0" encoding="utf-8"?>
+<file path=ppt/slides/slide38.xml><?xml version="1.0" encoding="utf-8"?>
 <p:sld xmlns:a="http://schemas.openxmlformats.org/drawingml/2006/main" xmlns:r="http://schemas.openxmlformats.org/officeDocument/2006/relationships" xmlns:p="http://schemas.openxmlformats.org/presentationml/2006/main">
   <p:cSld>
     <p:bg>
@@ -11967,6 +11039,83 @@
     <p:extLst>
       <p:ext uri="{BB962C8B-B14F-4D97-AF65-F5344CB8AC3E}">
         <p14:creationId xmlns:p14="http://schemas.microsoft.com/office/powerpoint/2010/main" val="1011439917"/>
+      </p:ext>
+    </p:extLst>
+  </p:cSld>
+  <p:clrMapOvr>
+    <a:masterClrMapping/>
+  </p:clrMapOvr>
+</p:sld>
+</file>
+
+<file path=ppt/slides/slide4.xml><?xml version="1.0" encoding="utf-8"?>
+<p:sld xmlns:a="http://schemas.openxmlformats.org/drawingml/2006/main" xmlns:r="http://schemas.openxmlformats.org/officeDocument/2006/relationships" xmlns:p="http://schemas.openxmlformats.org/presentationml/2006/main">
+  <p:cSld>
+    <p:bg>
+      <p:bgPr>
+        <a:solidFill>
+          <a:schemeClr val="bg1">
+            <a:lumMod val="85000"/>
+            <a:alpha val="30000"/>
+          </a:schemeClr>
+        </a:solidFill>
+        <a:effectLst/>
+      </p:bgPr>
+    </p:bg>
+    <p:spTree>
+      <p:nvGrpSpPr>
+        <p:cNvPr id="1" name=""/>
+        <p:cNvGrpSpPr/>
+        <p:nvPr/>
+      </p:nvGrpSpPr>
+      <p:grpSpPr>
+        <a:xfrm>
+          <a:off x="0" y="0"/>
+          <a:ext cx="0" cy="0"/>
+          <a:chOff x="0" y="0"/>
+          <a:chExt cx="0" cy="0"/>
+        </a:xfrm>
+      </p:grpSpPr>
+      <p:sp>
+        <p:nvSpPr>
+          <p:cNvPr id="2" name="Title 1">
+            <a:extLst>
+              <a:ext uri="{FF2B5EF4-FFF2-40B4-BE49-F238E27FC236}">
+                <a16:creationId xmlns:a16="http://schemas.microsoft.com/office/drawing/2014/main" id="{66F554E7-E576-3C4D-9CB5-AD8805504562}"/>
+              </a:ext>
+            </a:extLst>
+          </p:cNvPr>
+          <p:cNvSpPr>
+            <a:spLocks noGrp="1"/>
+          </p:cNvSpPr>
+          <p:nvPr>
+            <p:ph type="ctrTitle"/>
+          </p:nvPr>
+        </p:nvSpPr>
+        <p:spPr>
+          <a:xfrm>
+            <a:off x="685800" y="2872309"/>
+            <a:ext cx="7772400" cy="918310"/>
+          </a:xfrm>
+        </p:spPr>
+        <p:txBody>
+          <a:bodyPr anchor="t">
+            <a:normAutofit/>
+          </a:bodyPr>
+          <a:lstStyle/>
+          <a:p>
+            <a:pPr algn="l"/>
+            <a:r>
+              <a:rPr lang="en-US" sz="5400" dirty="0"/>
+              <a:t>Evaluating performance</a:t>
+            </a:r>
+          </a:p>
+        </p:txBody>
+      </p:sp>
+    </p:spTree>
+    <p:extLst>
+      <p:ext uri="{BB962C8B-B14F-4D97-AF65-F5344CB8AC3E}">
+        <p14:creationId xmlns:p14="http://schemas.microsoft.com/office/powerpoint/2010/main" val="2901175782"/>
       </p:ext>
     </p:extLst>
   </p:cSld>

--- a/Intro_to_ML_2.pptx
+++ b/Intro_to_ML_2.pptx
@@ -13,37 +13,37 @@
     <p:sldId id="458" r:id="rId4"/>
     <p:sldId id="463" r:id="rId5"/>
     <p:sldId id="501" r:id="rId6"/>
-    <p:sldId id="503" r:id="rId7"/>
-    <p:sldId id="502" r:id="rId8"/>
-    <p:sldId id="504" r:id="rId9"/>
-    <p:sldId id="505" r:id="rId10"/>
-    <p:sldId id="506" r:id="rId11"/>
-    <p:sldId id="507" r:id="rId12"/>
-    <p:sldId id="508" r:id="rId13"/>
-    <p:sldId id="510" r:id="rId14"/>
-    <p:sldId id="509" r:id="rId15"/>
-    <p:sldId id="511" r:id="rId16"/>
-    <p:sldId id="512" r:id="rId17"/>
-    <p:sldId id="513" r:id="rId18"/>
-    <p:sldId id="515" r:id="rId19"/>
-    <p:sldId id="516" r:id="rId20"/>
-    <p:sldId id="514" r:id="rId21"/>
-    <p:sldId id="517" r:id="rId22"/>
-    <p:sldId id="520" r:id="rId23"/>
-    <p:sldId id="522" r:id="rId24"/>
-    <p:sldId id="521" r:id="rId25"/>
-    <p:sldId id="518" r:id="rId26"/>
-    <p:sldId id="519" r:id="rId27"/>
-    <p:sldId id="523" r:id="rId28"/>
-    <p:sldId id="537" r:id="rId29"/>
-    <p:sldId id="535" r:id="rId30"/>
-    <p:sldId id="536" r:id="rId31"/>
-    <p:sldId id="534" r:id="rId32"/>
-    <p:sldId id="525" r:id="rId33"/>
-    <p:sldId id="526" r:id="rId34"/>
-    <p:sldId id="527" r:id="rId35"/>
-    <p:sldId id="528" r:id="rId36"/>
-    <p:sldId id="529" r:id="rId37"/>
+    <p:sldId id="538" r:id="rId7"/>
+    <p:sldId id="503" r:id="rId8"/>
+    <p:sldId id="502" r:id="rId9"/>
+    <p:sldId id="504" r:id="rId10"/>
+    <p:sldId id="505" r:id="rId11"/>
+    <p:sldId id="506" r:id="rId12"/>
+    <p:sldId id="507" r:id="rId13"/>
+    <p:sldId id="508" r:id="rId14"/>
+    <p:sldId id="510" r:id="rId15"/>
+    <p:sldId id="509" r:id="rId16"/>
+    <p:sldId id="511" r:id="rId17"/>
+    <p:sldId id="512" r:id="rId18"/>
+    <p:sldId id="513" r:id="rId19"/>
+    <p:sldId id="515" r:id="rId20"/>
+    <p:sldId id="516" r:id="rId21"/>
+    <p:sldId id="514" r:id="rId22"/>
+    <p:sldId id="517" r:id="rId23"/>
+    <p:sldId id="520" r:id="rId24"/>
+    <p:sldId id="522" r:id="rId25"/>
+    <p:sldId id="521" r:id="rId26"/>
+    <p:sldId id="518" r:id="rId27"/>
+    <p:sldId id="519" r:id="rId28"/>
+    <p:sldId id="523" r:id="rId29"/>
+    <p:sldId id="537" r:id="rId30"/>
+    <p:sldId id="535" r:id="rId31"/>
+    <p:sldId id="536" r:id="rId32"/>
+    <p:sldId id="534" r:id="rId33"/>
+    <p:sldId id="525" r:id="rId34"/>
+    <p:sldId id="526" r:id="rId35"/>
+    <p:sldId id="527" r:id="rId36"/>
+    <p:sldId id="528" r:id="rId37"/>
     <p:sldId id="493" r:id="rId38"/>
     <p:sldId id="494" r:id="rId39"/>
   </p:sldIdLst>
@@ -234,7 +234,7 @@
           <a:p>
             <a:fld id="{87CA78F2-8BDA-6744-A7B1-117F95CFA804}" type="datetimeFigureOut">
               <a:rPr lang="en-US" smtClean="0"/>
-              <a:t>2/3/21</a:t>
+              <a:t>6/19/23</a:t>
             </a:fld>
             <a:endParaRPr lang="en-US"/>
           </a:p>
@@ -746,7 +746,7 @@
           <a:p>
             <a:fld id="{6BFFF8FD-4C82-CE4B-A328-95E0C09266C3}" type="datetimeFigureOut">
               <a:rPr lang="en-US" smtClean="0"/>
-              <a:t>2/3/21</a:t>
+              <a:t>6/19/23</a:t>
             </a:fld>
             <a:endParaRPr lang="en-US"/>
           </a:p>
@@ -946,7 +946,7 @@
           <a:p>
             <a:fld id="{6BFFF8FD-4C82-CE4B-A328-95E0C09266C3}" type="datetimeFigureOut">
               <a:rPr lang="en-US" smtClean="0"/>
-              <a:t>2/3/21</a:t>
+              <a:t>6/19/23</a:t>
             </a:fld>
             <a:endParaRPr lang="en-US"/>
           </a:p>
@@ -1156,7 +1156,7 @@
           <a:p>
             <a:fld id="{6BFFF8FD-4C82-CE4B-A328-95E0C09266C3}" type="datetimeFigureOut">
               <a:rPr lang="en-US" smtClean="0"/>
-              <a:t>2/3/21</a:t>
+              <a:t>6/19/23</a:t>
             </a:fld>
             <a:endParaRPr lang="en-US"/>
           </a:p>
@@ -1582,7 +1582,7 @@
           <a:p>
             <a:fld id="{6BFFF8FD-4C82-CE4B-A328-95E0C09266C3}" type="datetimeFigureOut">
               <a:rPr lang="en-US" smtClean="0"/>
-              <a:t>2/3/21</a:t>
+              <a:t>6/19/23</a:t>
             </a:fld>
             <a:endParaRPr lang="en-US"/>
           </a:p>
@@ -1858,7 +1858,7 @@
           <a:p>
             <a:fld id="{6BFFF8FD-4C82-CE4B-A328-95E0C09266C3}" type="datetimeFigureOut">
               <a:rPr lang="en-US" smtClean="0"/>
-              <a:t>2/3/21</a:t>
+              <a:t>6/19/23</a:t>
             </a:fld>
             <a:endParaRPr lang="en-US"/>
           </a:p>
@@ -2126,7 +2126,7 @@
           <a:p>
             <a:fld id="{6BFFF8FD-4C82-CE4B-A328-95E0C09266C3}" type="datetimeFigureOut">
               <a:rPr lang="en-US" smtClean="0"/>
-              <a:t>2/3/21</a:t>
+              <a:t>6/19/23</a:t>
             </a:fld>
             <a:endParaRPr lang="en-US"/>
           </a:p>
@@ -2541,7 +2541,7 @@
           <a:p>
             <a:fld id="{6BFFF8FD-4C82-CE4B-A328-95E0C09266C3}" type="datetimeFigureOut">
               <a:rPr lang="en-US" smtClean="0"/>
-              <a:t>2/3/21</a:t>
+              <a:t>6/19/23</a:t>
             </a:fld>
             <a:endParaRPr lang="en-US"/>
           </a:p>
@@ -2683,7 +2683,7 @@
           <a:p>
             <a:fld id="{6BFFF8FD-4C82-CE4B-A328-95E0C09266C3}" type="datetimeFigureOut">
               <a:rPr lang="en-US" smtClean="0"/>
-              <a:t>2/3/21</a:t>
+              <a:t>6/19/23</a:t>
             </a:fld>
             <a:endParaRPr lang="en-US"/>
           </a:p>
@@ -2796,7 +2796,7 @@
           <a:p>
             <a:fld id="{6BFFF8FD-4C82-CE4B-A328-95E0C09266C3}" type="datetimeFigureOut">
               <a:rPr lang="en-US" smtClean="0"/>
-              <a:t>2/3/21</a:t>
+              <a:t>6/19/23</a:t>
             </a:fld>
             <a:endParaRPr lang="en-US"/>
           </a:p>
@@ -3109,7 +3109,7 @@
           <a:p>
             <a:fld id="{6BFFF8FD-4C82-CE4B-A328-95E0C09266C3}" type="datetimeFigureOut">
               <a:rPr lang="en-US" smtClean="0"/>
-              <a:t>2/3/21</a:t>
+              <a:t>6/19/23</a:t>
             </a:fld>
             <a:endParaRPr lang="en-US"/>
           </a:p>
@@ -3398,7 +3398,7 @@
           <a:p>
             <a:fld id="{6BFFF8FD-4C82-CE4B-A328-95E0C09266C3}" type="datetimeFigureOut">
               <a:rPr lang="en-US" smtClean="0"/>
-              <a:t>2/3/21</a:t>
+              <a:t>6/19/23</a:t>
             </a:fld>
             <a:endParaRPr lang="en-US"/>
           </a:p>
@@ -3641,7 +3641,7 @@
           <a:p>
             <a:fld id="{6BFFF8FD-4C82-CE4B-A328-95E0C09266C3}" type="datetimeFigureOut">
               <a:rPr lang="en-US" smtClean="0"/>
-              <a:t>2/3/21</a:t>
+              <a:t>6/19/23</a:t>
             </a:fld>
             <a:endParaRPr lang="en-US"/>
           </a:p>
@@ -4251,7 +4251,7 @@
             <a:pPr algn="l"/>
             <a:r>
               <a:rPr lang="en-US" sz="4000" dirty="0"/>
-              <a:t>Train / validate / …. and test !</a:t>
+              <a:t>Avoiding contamination</a:t>
             </a:r>
           </a:p>
         </p:txBody>
@@ -4280,20 +4280,37 @@
           <a:p>
             <a:r>
               <a:rPr lang="en-US" sz="2800" dirty="0"/>
-              <a:t>It is crucial that the test data remains unseen during the development of the ML model.</a:t>
-            </a:r>
-          </a:p>
-          <a:p>
-            <a:r>
-              <a:rPr lang="en-US" sz="2800" dirty="0"/>
-              <a:t>However, we may need to “tune” various hyperparameters or model architectures to arrive at an effective model.</a:t>
-            </a:r>
-          </a:p>
-          <a:p>
-            <a:r>
-              <a:rPr lang="en-US" sz="2800" dirty="0"/>
-              <a:t>After the testing data is removed, we can therefore split the remaining data into “training” and “validation” sets so that we can get an idea of the performance of the current iteration of the model.</a:t>
-            </a:r>
+              <a:t>In some circumstances, we need to take extra care to ensure that the test data is truly independent of the training data.</a:t>
+            </a:r>
+          </a:p>
+          <a:p>
+            <a:endParaRPr lang="en-US" sz="2800" dirty="0"/>
+          </a:p>
+          <a:p>
+            <a:r>
+              <a:rPr lang="en-US" sz="2800" dirty="0"/>
+              <a:t>Part of the skill in designing a good machine learning experiment is in </a:t>
+            </a:r>
+            <a:r>
+              <a:rPr lang="en-US" sz="2800" dirty="0" err="1"/>
+              <a:t>recognising</a:t>
+            </a:r>
+            <a:r>
+              <a:rPr lang="en-US" sz="2800" dirty="0"/>
+              <a:t> how to filter data to avoid this kind of contamination.</a:t>
+            </a:r>
+          </a:p>
+          <a:p>
+            <a:pPr marL="342900" lvl="1" indent="0">
+              <a:buNone/>
+            </a:pPr>
+            <a:r>
+              <a:rPr lang="en-US" sz="2500" dirty="0"/>
+              <a:t>e.g. if predicting protein function from sequence, ensure that there are no pairs of protein sequences that are too closely related.</a:t>
+            </a:r>
+          </a:p>
+          <a:p>
+            <a:endParaRPr lang="en-US" sz="2800" dirty="0"/>
           </a:p>
           <a:p>
             <a:endParaRPr lang="en-US" sz="2800" dirty="0"/>
@@ -4303,7 +4320,7 @@
     </p:spTree>
     <p:extLst>
       <p:ext uri="{BB962C8B-B14F-4D97-AF65-F5344CB8AC3E}">
-        <p14:creationId xmlns:p14="http://schemas.microsoft.com/office/powerpoint/2010/main" val="4116242959"/>
+        <p14:creationId xmlns:p14="http://schemas.microsoft.com/office/powerpoint/2010/main" val="1330403045"/>
       </p:ext>
     </p:extLst>
   </p:cSld>
@@ -4366,6 +4383,121 @@
             <a:pPr algn="l"/>
             <a:r>
               <a:rPr lang="en-US" sz="4000" dirty="0"/>
+              <a:t>Train / validate / …. and test !</a:t>
+            </a:r>
+          </a:p>
+        </p:txBody>
+      </p:sp>
+      <p:sp>
+        <p:nvSpPr>
+          <p:cNvPr id="3" name="Content Placeholder 2"/>
+          <p:cNvSpPr>
+            <a:spLocks noGrp="1"/>
+          </p:cNvSpPr>
+          <p:nvPr>
+            <p:ph idx="1"/>
+          </p:nvPr>
+        </p:nvSpPr>
+        <p:spPr>
+          <a:xfrm>
+            <a:off x="457200" y="1600200"/>
+            <a:ext cx="8489244" cy="4905022"/>
+          </a:xfrm>
+        </p:spPr>
+        <p:txBody>
+          <a:bodyPr>
+            <a:normAutofit/>
+          </a:bodyPr>
+          <a:lstStyle/>
+          <a:p>
+            <a:r>
+              <a:rPr lang="en-US" sz="2800" dirty="0"/>
+              <a:t>It is crucial that the test data remains unseen during the development of the ML model.</a:t>
+            </a:r>
+          </a:p>
+          <a:p>
+            <a:r>
+              <a:rPr lang="en-US" sz="2800" dirty="0"/>
+              <a:t>However, we may need to “tune” various hyperparameters or model architectures to arrive at an effective model.</a:t>
+            </a:r>
+          </a:p>
+          <a:p>
+            <a:r>
+              <a:rPr lang="en-US" sz="2800" dirty="0"/>
+              <a:t>After the testing data is removed, we can therefore split the remaining data into “training” and “validation” sets so that we can get an idea of the performance of the current iteration of the model.</a:t>
+            </a:r>
+          </a:p>
+          <a:p>
+            <a:endParaRPr lang="en-US" sz="2800" dirty="0"/>
+          </a:p>
+        </p:txBody>
+      </p:sp>
+    </p:spTree>
+    <p:extLst>
+      <p:ext uri="{BB962C8B-B14F-4D97-AF65-F5344CB8AC3E}">
+        <p14:creationId xmlns:p14="http://schemas.microsoft.com/office/powerpoint/2010/main" val="4116242959"/>
+      </p:ext>
+    </p:extLst>
+  </p:cSld>
+  <p:clrMapOvr>
+    <a:masterClrMapping/>
+  </p:clrMapOvr>
+</p:sld>
+</file>
+
+<file path=ppt/slides/slide12.xml><?xml version="1.0" encoding="utf-8"?>
+<p:sld xmlns:a="http://schemas.openxmlformats.org/drawingml/2006/main" xmlns:r="http://schemas.openxmlformats.org/officeDocument/2006/relationships" xmlns:p="http://schemas.openxmlformats.org/presentationml/2006/main">
+  <p:cSld>
+    <p:bg>
+      <p:bgPr>
+        <a:solidFill>
+          <a:schemeClr val="bg1">
+            <a:lumMod val="85000"/>
+            <a:alpha val="30000"/>
+          </a:schemeClr>
+        </a:solidFill>
+        <a:effectLst/>
+      </p:bgPr>
+    </p:bg>
+    <p:spTree>
+      <p:nvGrpSpPr>
+        <p:cNvPr id="1" name=""/>
+        <p:cNvGrpSpPr/>
+        <p:nvPr/>
+      </p:nvGrpSpPr>
+      <p:grpSpPr>
+        <a:xfrm>
+          <a:off x="0" y="0"/>
+          <a:ext cx="0" cy="0"/>
+          <a:chOff x="0" y="0"/>
+          <a:chExt cx="0" cy="0"/>
+        </a:xfrm>
+      </p:grpSpPr>
+      <p:sp>
+        <p:nvSpPr>
+          <p:cNvPr id="2" name="Title 1"/>
+          <p:cNvSpPr>
+            <a:spLocks noGrp="1"/>
+          </p:cNvSpPr>
+          <p:nvPr>
+            <p:ph type="title"/>
+          </p:nvPr>
+        </p:nvSpPr>
+        <p:spPr>
+          <a:xfrm>
+            <a:off x="197556" y="352779"/>
+            <a:ext cx="8590844" cy="1247422"/>
+          </a:xfrm>
+        </p:spPr>
+        <p:txBody>
+          <a:bodyPr>
+            <a:normAutofit/>
+          </a:bodyPr>
+          <a:lstStyle/>
+          <a:p>
+            <a:pPr algn="l"/>
+            <a:r>
+              <a:rPr lang="en-US" sz="4000" dirty="0"/>
               <a:t>Cross-validation</a:t>
             </a:r>
           </a:p>
@@ -4458,7 +4590,7 @@
 </p:sld>
 </file>
 
-<file path=ppt/slides/slide12.xml><?xml version="1.0" encoding="utf-8"?>
+<file path=ppt/slides/slide13.xml><?xml version="1.0" encoding="utf-8"?>
 <p:sld xmlns:a="http://schemas.openxmlformats.org/drawingml/2006/main" xmlns:r="http://schemas.openxmlformats.org/officeDocument/2006/relationships" xmlns:p="http://schemas.openxmlformats.org/presentationml/2006/main">
   <p:cSld>
     <p:bg>
@@ -4558,166 +4690,6 @@
 </p:sld>
 </file>
 
-<file path=ppt/slides/slide13.xml><?xml version="1.0" encoding="utf-8"?>
-<p:sld xmlns:a="http://schemas.openxmlformats.org/drawingml/2006/main" xmlns:r="http://schemas.openxmlformats.org/officeDocument/2006/relationships" xmlns:p="http://schemas.openxmlformats.org/presentationml/2006/main">
-  <p:cSld>
-    <p:bg>
-      <p:bgPr>
-        <a:solidFill>
-          <a:schemeClr val="bg1">
-            <a:lumMod val="85000"/>
-            <a:alpha val="30000"/>
-          </a:schemeClr>
-        </a:solidFill>
-        <a:effectLst/>
-      </p:bgPr>
-    </p:bg>
-    <p:spTree>
-      <p:nvGrpSpPr>
-        <p:cNvPr id="1" name=""/>
-        <p:cNvGrpSpPr/>
-        <p:nvPr/>
-      </p:nvGrpSpPr>
-      <p:grpSpPr>
-        <a:xfrm>
-          <a:off x="0" y="0"/>
-          <a:ext cx="0" cy="0"/>
-          <a:chOff x="0" y="0"/>
-          <a:chExt cx="0" cy="0"/>
-        </a:xfrm>
-      </p:grpSpPr>
-      <p:sp>
-        <p:nvSpPr>
-          <p:cNvPr id="2" name="Title 1"/>
-          <p:cNvSpPr>
-            <a:spLocks noGrp="1"/>
-          </p:cNvSpPr>
-          <p:nvPr>
-            <p:ph type="title"/>
-          </p:nvPr>
-        </p:nvSpPr>
-        <p:spPr>
-          <a:xfrm>
-            <a:off x="197556" y="352779"/>
-            <a:ext cx="8590844" cy="1247422"/>
-          </a:xfrm>
-        </p:spPr>
-        <p:txBody>
-          <a:bodyPr>
-            <a:normAutofit/>
-          </a:bodyPr>
-          <a:lstStyle/>
-          <a:p>
-            <a:pPr algn="l"/>
-            <a:r>
-              <a:rPr lang="en-US" sz="4000" dirty="0"/>
-              <a:t>Other metrics for regression</a:t>
-            </a:r>
-          </a:p>
-        </p:txBody>
-      </p:sp>
-      <p:sp>
-        <p:nvSpPr>
-          <p:cNvPr id="3" name="Content Placeholder 2"/>
-          <p:cNvSpPr>
-            <a:spLocks noGrp="1"/>
-          </p:cNvSpPr>
-          <p:nvPr>
-            <p:ph idx="1"/>
-          </p:nvPr>
-        </p:nvSpPr>
-        <p:spPr>
-          <a:xfrm>
-            <a:off x="457200" y="1600200"/>
-            <a:ext cx="8489244" cy="4905022"/>
-          </a:xfrm>
-        </p:spPr>
-        <p:txBody>
-          <a:bodyPr>
-            <a:normAutofit/>
-          </a:bodyPr>
-          <a:lstStyle/>
-          <a:p>
-            <a:r>
-              <a:rPr lang="en-US" sz="2800" dirty="0"/>
-              <a:t>There are several other metrics we can use to evaluate regression, e.g.</a:t>
-            </a:r>
-          </a:p>
-          <a:p>
-            <a:endParaRPr lang="en-US" sz="2800" dirty="0"/>
-          </a:p>
-          <a:p>
-            <a:r>
-              <a:rPr lang="en-US" sz="2800" b="1" dirty="0"/>
-              <a:t>Mean absolute error (MAE)</a:t>
-            </a:r>
-          </a:p>
-          <a:p>
-            <a:pPr marL="342900" lvl="1" indent="0">
-              <a:buNone/>
-            </a:pPr>
-            <a:r>
-              <a:rPr lang="en-US" sz="2500" dirty="0"/>
-              <a:t>(smaller is better)</a:t>
-            </a:r>
-          </a:p>
-          <a:p>
-            <a:r>
-              <a:rPr lang="en-US" sz="2800" b="1" dirty="0"/>
-              <a:t>Root mean squared error (RMSE)</a:t>
-            </a:r>
-          </a:p>
-          <a:p>
-            <a:pPr marL="342900" lvl="1" indent="0">
-              <a:buNone/>
-            </a:pPr>
-            <a:r>
-              <a:rPr lang="en-US" sz="2500" dirty="0"/>
-              <a:t>(more sensitive to outliers than MAE)</a:t>
-            </a:r>
-            <a:endParaRPr lang="en-US" sz="2800" b="1" dirty="0"/>
-          </a:p>
-          <a:p>
-            <a:r>
-              <a:rPr lang="en-US" sz="2800" b="1" dirty="0"/>
-              <a:t>Adjusted R</a:t>
-            </a:r>
-            <a:r>
-              <a:rPr lang="en-US" sz="2800" b="1" baseline="30000" dirty="0"/>
-              <a:t>2 </a:t>
-            </a:r>
-          </a:p>
-          <a:p>
-            <a:pPr marL="342900" lvl="1" indent="0">
-              <a:buNone/>
-            </a:pPr>
-            <a:r>
-              <a:rPr lang="en-US" sz="2500" dirty="0"/>
-              <a:t>(useful when comparing models with different numbers of variables)</a:t>
-            </a:r>
-            <a:endParaRPr lang="en-US" sz="2500" b="1" dirty="0"/>
-          </a:p>
-          <a:p>
-            <a:endParaRPr lang="en-US" sz="2800" dirty="0"/>
-          </a:p>
-          <a:p>
-            <a:endParaRPr lang="en-US" sz="2800" dirty="0"/>
-          </a:p>
-        </p:txBody>
-      </p:sp>
-    </p:spTree>
-    <p:extLst>
-      <p:ext uri="{BB962C8B-B14F-4D97-AF65-F5344CB8AC3E}">
-        <p14:creationId xmlns:p14="http://schemas.microsoft.com/office/powerpoint/2010/main" val="341289548"/>
-      </p:ext>
-    </p:extLst>
-  </p:cSld>
-  <p:clrMapOvr>
-    <a:masterClrMapping/>
-  </p:clrMapOvr>
-</p:sld>
-</file>
-
 <file path=ppt/slides/slide14.xml><?xml version="1.0" encoding="utf-8"?>
 <p:sld xmlns:a="http://schemas.openxmlformats.org/drawingml/2006/main" xmlns:r="http://schemas.openxmlformats.org/officeDocument/2006/relationships" xmlns:p="http://schemas.openxmlformats.org/presentationml/2006/main">
   <p:cSld>
@@ -4756,6 +4728,166 @@
             <p:ph type="title"/>
           </p:nvPr>
         </p:nvSpPr>
+        <p:spPr>
+          <a:xfrm>
+            <a:off x="197556" y="352779"/>
+            <a:ext cx="8590844" cy="1247422"/>
+          </a:xfrm>
+        </p:spPr>
+        <p:txBody>
+          <a:bodyPr>
+            <a:normAutofit/>
+          </a:bodyPr>
+          <a:lstStyle/>
+          <a:p>
+            <a:pPr algn="l"/>
+            <a:r>
+              <a:rPr lang="en-US" sz="4000" dirty="0"/>
+              <a:t>Other metrics for regression</a:t>
+            </a:r>
+          </a:p>
+        </p:txBody>
+      </p:sp>
+      <p:sp>
+        <p:nvSpPr>
+          <p:cNvPr id="3" name="Content Placeholder 2"/>
+          <p:cNvSpPr>
+            <a:spLocks noGrp="1"/>
+          </p:cNvSpPr>
+          <p:nvPr>
+            <p:ph idx="1"/>
+          </p:nvPr>
+        </p:nvSpPr>
+        <p:spPr>
+          <a:xfrm>
+            <a:off x="457200" y="1600200"/>
+            <a:ext cx="8489244" cy="4905022"/>
+          </a:xfrm>
+        </p:spPr>
+        <p:txBody>
+          <a:bodyPr>
+            <a:normAutofit/>
+          </a:bodyPr>
+          <a:lstStyle/>
+          <a:p>
+            <a:r>
+              <a:rPr lang="en-US" sz="2800" dirty="0"/>
+              <a:t>There are several other metrics we can use to evaluate regression, e.g.</a:t>
+            </a:r>
+          </a:p>
+          <a:p>
+            <a:endParaRPr lang="en-US" sz="2800" dirty="0"/>
+          </a:p>
+          <a:p>
+            <a:r>
+              <a:rPr lang="en-US" sz="2800" b="1" dirty="0"/>
+              <a:t>Mean absolute error (MAE)</a:t>
+            </a:r>
+          </a:p>
+          <a:p>
+            <a:pPr marL="342900" lvl="1" indent="0">
+              <a:buNone/>
+            </a:pPr>
+            <a:r>
+              <a:rPr lang="en-US" sz="2500" dirty="0"/>
+              <a:t>(smaller is better)</a:t>
+            </a:r>
+          </a:p>
+          <a:p>
+            <a:r>
+              <a:rPr lang="en-US" sz="2800" b="1" dirty="0"/>
+              <a:t>Root mean squared error (RMSE)</a:t>
+            </a:r>
+          </a:p>
+          <a:p>
+            <a:pPr marL="342900" lvl="1" indent="0">
+              <a:buNone/>
+            </a:pPr>
+            <a:r>
+              <a:rPr lang="en-US" sz="2500" dirty="0"/>
+              <a:t>(more sensitive to outliers than MAE)</a:t>
+            </a:r>
+            <a:endParaRPr lang="en-US" sz="2800" b="1" dirty="0"/>
+          </a:p>
+          <a:p>
+            <a:r>
+              <a:rPr lang="en-US" sz="2800" b="1" dirty="0"/>
+              <a:t>Adjusted R</a:t>
+            </a:r>
+            <a:r>
+              <a:rPr lang="en-US" sz="2800" b="1" baseline="30000" dirty="0"/>
+              <a:t>2 </a:t>
+            </a:r>
+          </a:p>
+          <a:p>
+            <a:pPr marL="342900" lvl="1" indent="0">
+              <a:buNone/>
+            </a:pPr>
+            <a:r>
+              <a:rPr lang="en-US" sz="2500" dirty="0"/>
+              <a:t>(useful when comparing models with different numbers of variables)</a:t>
+            </a:r>
+            <a:endParaRPr lang="en-US" sz="2500" b="1" dirty="0"/>
+          </a:p>
+          <a:p>
+            <a:endParaRPr lang="en-US" sz="2800" dirty="0"/>
+          </a:p>
+          <a:p>
+            <a:endParaRPr lang="en-US" sz="2800" dirty="0"/>
+          </a:p>
+        </p:txBody>
+      </p:sp>
+    </p:spTree>
+    <p:extLst>
+      <p:ext uri="{BB962C8B-B14F-4D97-AF65-F5344CB8AC3E}">
+        <p14:creationId xmlns:p14="http://schemas.microsoft.com/office/powerpoint/2010/main" val="341289548"/>
+      </p:ext>
+    </p:extLst>
+  </p:cSld>
+  <p:clrMapOvr>
+    <a:masterClrMapping/>
+  </p:clrMapOvr>
+</p:sld>
+</file>
+
+<file path=ppt/slides/slide15.xml><?xml version="1.0" encoding="utf-8"?>
+<p:sld xmlns:a="http://schemas.openxmlformats.org/drawingml/2006/main" xmlns:r="http://schemas.openxmlformats.org/officeDocument/2006/relationships" xmlns:p="http://schemas.openxmlformats.org/presentationml/2006/main">
+  <p:cSld>
+    <p:bg>
+      <p:bgPr>
+        <a:solidFill>
+          <a:schemeClr val="bg1">
+            <a:lumMod val="85000"/>
+            <a:alpha val="30000"/>
+          </a:schemeClr>
+        </a:solidFill>
+        <a:effectLst/>
+      </p:bgPr>
+    </p:bg>
+    <p:spTree>
+      <p:nvGrpSpPr>
+        <p:cNvPr id="1" name=""/>
+        <p:cNvGrpSpPr/>
+        <p:nvPr/>
+      </p:nvGrpSpPr>
+      <p:grpSpPr>
+        <a:xfrm>
+          <a:off x="0" y="0"/>
+          <a:ext cx="0" cy="0"/>
+          <a:chOff x="0" y="0"/>
+          <a:chExt cx="0" cy="0"/>
+        </a:xfrm>
+      </p:grpSpPr>
+      <p:sp>
+        <p:nvSpPr>
+          <p:cNvPr id="2" name="Title 1"/>
+          <p:cNvSpPr>
+            <a:spLocks noGrp="1"/>
+          </p:cNvSpPr>
+          <p:nvPr>
+            <p:ph type="title"/>
+          </p:nvPr>
+        </p:nvSpPr>
         <p:spPr/>
         <p:txBody>
           <a:bodyPr>
@@ -4971,7 +5103,7 @@
 </p:sld>
 </file>
 
-<file path=ppt/slides/slide15.xml><?xml version="1.0" encoding="utf-8"?>
+<file path=ppt/slides/slide16.xml><?xml version="1.0" encoding="utf-8"?>
 <p:sld xmlns:a="http://schemas.openxmlformats.org/drawingml/2006/main" xmlns:r="http://schemas.openxmlformats.org/officeDocument/2006/relationships" xmlns:p="http://schemas.openxmlformats.org/presentationml/2006/main">
   <p:cSld>
     <p:bg>
@@ -5395,7 +5527,7 @@
 </p:sld>
 </file>
 
-<file path=ppt/slides/slide16.xml><?xml version="1.0" encoding="utf-8"?>
+<file path=ppt/slides/slide17.xml><?xml version="1.0" encoding="utf-8"?>
 <p:sld xmlns:a="http://schemas.openxmlformats.org/drawingml/2006/main" xmlns:r="http://schemas.openxmlformats.org/officeDocument/2006/relationships" xmlns:p="http://schemas.openxmlformats.org/presentationml/2006/main">
   <p:cSld>
     <p:bg>
@@ -5942,7 +6074,7 @@
 </p:sld>
 </file>
 
-<file path=ppt/slides/slide17.xml><?xml version="1.0" encoding="utf-8"?>
+<file path=ppt/slides/slide18.xml><?xml version="1.0" encoding="utf-8"?>
 <p:sld xmlns:a="http://schemas.openxmlformats.org/drawingml/2006/main" xmlns:r="http://schemas.openxmlformats.org/officeDocument/2006/relationships" xmlns:p="http://schemas.openxmlformats.org/presentationml/2006/main">
   <p:cSld>
     <p:bg>
@@ -6473,7 +6605,7 @@
 </p:sld>
 </file>
 
-<file path=ppt/slides/slide18.xml><?xml version="1.0" encoding="utf-8"?>
+<file path=ppt/slides/slide19.xml><?xml version="1.0" encoding="utf-8"?>
 <p:sld xmlns:a="http://schemas.openxmlformats.org/drawingml/2006/main" xmlns:r="http://schemas.openxmlformats.org/officeDocument/2006/relationships" xmlns:p="http://schemas.openxmlformats.org/presentationml/2006/main">
   <p:cSld>
     <p:bg>
@@ -6646,7 +6778,168 @@
 </p:sld>
 </file>
 
-<file path=ppt/slides/slide19.xml><?xml version="1.0" encoding="utf-8"?>
+<file path=ppt/slides/slide2.xml><?xml version="1.0" encoding="utf-8"?>
+<p:sld xmlns:a="http://schemas.openxmlformats.org/drawingml/2006/main" xmlns:r="http://schemas.openxmlformats.org/officeDocument/2006/relationships" xmlns:p="http://schemas.openxmlformats.org/presentationml/2006/main">
+  <p:cSld>
+    <p:bg>
+      <p:bgPr>
+        <a:solidFill>
+          <a:schemeClr val="bg1">
+            <a:lumMod val="85000"/>
+            <a:alpha val="30000"/>
+          </a:schemeClr>
+        </a:solidFill>
+        <a:effectLst/>
+      </p:bgPr>
+    </p:bg>
+    <p:spTree>
+      <p:nvGrpSpPr>
+        <p:cNvPr id="1" name=""/>
+        <p:cNvGrpSpPr/>
+        <p:nvPr/>
+      </p:nvGrpSpPr>
+      <p:grpSpPr>
+        <a:xfrm>
+          <a:off x="0" y="0"/>
+          <a:ext cx="0" cy="0"/>
+          <a:chOff x="0" y="0"/>
+          <a:chExt cx="0" cy="0"/>
+        </a:xfrm>
+      </p:grpSpPr>
+      <p:sp>
+        <p:nvSpPr>
+          <p:cNvPr id="2" name="Title 1">
+            <a:extLst>
+              <a:ext uri="{FF2B5EF4-FFF2-40B4-BE49-F238E27FC236}">
+                <a16:creationId xmlns:a16="http://schemas.microsoft.com/office/drawing/2014/main" id="{66F554E7-E576-3C4D-9CB5-AD8805504562}"/>
+              </a:ext>
+            </a:extLst>
+          </p:cNvPr>
+          <p:cNvSpPr>
+            <a:spLocks noGrp="1"/>
+          </p:cNvSpPr>
+          <p:nvPr>
+            <p:ph type="ctrTitle"/>
+          </p:nvPr>
+        </p:nvSpPr>
+        <p:spPr>
+          <a:xfrm>
+            <a:off x="228600" y="196811"/>
+            <a:ext cx="8391293" cy="918311"/>
+          </a:xfrm>
+        </p:spPr>
+        <p:txBody>
+          <a:bodyPr anchor="t">
+            <a:normAutofit/>
+          </a:bodyPr>
+          <a:lstStyle/>
+          <a:p>
+            <a:pPr algn="l"/>
+            <a:r>
+              <a:rPr lang="en-US" sz="5400" dirty="0"/>
+              <a:t>Intended learning outcomes</a:t>
+            </a:r>
+          </a:p>
+        </p:txBody>
+      </p:sp>
+      <p:sp>
+        <p:nvSpPr>
+          <p:cNvPr id="3" name="Subtitle 2">
+            <a:extLst>
+              <a:ext uri="{FF2B5EF4-FFF2-40B4-BE49-F238E27FC236}">
+                <a16:creationId xmlns:a16="http://schemas.microsoft.com/office/drawing/2014/main" id="{2A85A3FF-8255-A144-A63D-1FEF6D5769AA}"/>
+              </a:ext>
+            </a:extLst>
+          </p:cNvPr>
+          <p:cNvSpPr>
+            <a:spLocks noGrp="1"/>
+          </p:cNvSpPr>
+          <p:nvPr>
+            <p:ph type="subTitle" idx="1"/>
+          </p:nvPr>
+        </p:nvSpPr>
+        <p:spPr>
+          <a:xfrm>
+            <a:off x="490653" y="1215675"/>
+            <a:ext cx="7867186" cy="5017856"/>
+          </a:xfrm>
+        </p:spPr>
+        <p:txBody>
+          <a:bodyPr>
+            <a:normAutofit/>
+          </a:bodyPr>
+          <a:lstStyle/>
+          <a:p>
+            <a:pPr algn="l"/>
+            <a:r>
+              <a:rPr lang="en-GB" sz="3200" dirty="0"/>
+              <a:t>After attending this workshop, you will be better able to:</a:t>
+            </a:r>
+          </a:p>
+          <a:p>
+            <a:pPr algn="l"/>
+            <a:endParaRPr lang="en-GB" sz="3200" dirty="0"/>
+          </a:p>
+          <a:p>
+            <a:pPr marL="800100" lvl="1" indent="-342900" algn="l">
+              <a:buFont typeface="Arial" panose="020B0604020202020204" pitchFamily="34" charset="0"/>
+              <a:buChar char="•"/>
+            </a:pPr>
+            <a:r>
+              <a:rPr lang="en-GB" sz="2800" dirty="0"/>
+              <a:t>Explain the difference between supervised and unsupervised learning.</a:t>
+            </a:r>
+          </a:p>
+          <a:p>
+            <a:pPr marL="800100" lvl="1" indent="-342900" algn="l">
+              <a:buFont typeface="Arial" panose="020B0604020202020204" pitchFamily="34" charset="0"/>
+              <a:buChar char="•"/>
+            </a:pPr>
+            <a:r>
+              <a:rPr lang="en-GB" sz="2800" dirty="0"/>
+              <a:t>Select a suitable machine learning method for a given application.</a:t>
+            </a:r>
+          </a:p>
+          <a:p>
+            <a:pPr marL="800100" lvl="1" indent="-342900" algn="l">
+              <a:buFont typeface="Arial" panose="020B0604020202020204" pitchFamily="34" charset="0"/>
+              <a:buChar char="•"/>
+            </a:pPr>
+            <a:r>
+              <a:rPr lang="en-GB" sz="2800" dirty="0"/>
+              <a:t>Prepare your own training and testing data sets.</a:t>
+            </a:r>
+          </a:p>
+          <a:p>
+            <a:pPr marL="800100" lvl="1" indent="-342900" algn="l">
+              <a:buFont typeface="Arial" panose="020B0604020202020204" pitchFamily="34" charset="0"/>
+              <a:buChar char="•"/>
+            </a:pPr>
+            <a:r>
+              <a:rPr lang="en-GB" sz="2800" dirty="0"/>
+              <a:t>Evaluate the performance of a machine learning experiment.</a:t>
+            </a:r>
+          </a:p>
+          <a:p>
+            <a:pPr algn="l"/>
+            <a:endParaRPr lang="en-US" dirty="0"/>
+          </a:p>
+        </p:txBody>
+      </p:sp>
+    </p:spTree>
+    <p:extLst>
+      <p:ext uri="{BB962C8B-B14F-4D97-AF65-F5344CB8AC3E}">
+        <p14:creationId xmlns:p14="http://schemas.microsoft.com/office/powerpoint/2010/main" val="2067407615"/>
+      </p:ext>
+    </p:extLst>
+  </p:cSld>
+  <p:clrMapOvr>
+    <a:masterClrMapping/>
+  </p:clrMapOvr>
+</p:sld>
+</file>
+
+<file path=ppt/slides/slide20.xml><?xml version="1.0" encoding="utf-8"?>
 <p:sld xmlns:a="http://schemas.openxmlformats.org/drawingml/2006/main" xmlns:r="http://schemas.openxmlformats.org/officeDocument/2006/relationships" xmlns:p="http://schemas.openxmlformats.org/presentationml/2006/main">
   <p:cSld>
     <p:bg>
@@ -6832,328 +7125,6 @@
 </p:sld>
 </file>
 
-<file path=ppt/slides/slide2.xml><?xml version="1.0" encoding="utf-8"?>
-<p:sld xmlns:a="http://schemas.openxmlformats.org/drawingml/2006/main" xmlns:r="http://schemas.openxmlformats.org/officeDocument/2006/relationships" xmlns:p="http://schemas.openxmlformats.org/presentationml/2006/main">
-  <p:cSld>
-    <p:bg>
-      <p:bgPr>
-        <a:solidFill>
-          <a:schemeClr val="bg1">
-            <a:lumMod val="85000"/>
-            <a:alpha val="30000"/>
-          </a:schemeClr>
-        </a:solidFill>
-        <a:effectLst/>
-      </p:bgPr>
-    </p:bg>
-    <p:spTree>
-      <p:nvGrpSpPr>
-        <p:cNvPr id="1" name=""/>
-        <p:cNvGrpSpPr/>
-        <p:nvPr/>
-      </p:nvGrpSpPr>
-      <p:grpSpPr>
-        <a:xfrm>
-          <a:off x="0" y="0"/>
-          <a:ext cx="0" cy="0"/>
-          <a:chOff x="0" y="0"/>
-          <a:chExt cx="0" cy="0"/>
-        </a:xfrm>
-      </p:grpSpPr>
-      <p:sp>
-        <p:nvSpPr>
-          <p:cNvPr id="2" name="Title 1">
-            <a:extLst>
-              <a:ext uri="{FF2B5EF4-FFF2-40B4-BE49-F238E27FC236}">
-                <a16:creationId xmlns:a16="http://schemas.microsoft.com/office/drawing/2014/main" id="{66F554E7-E576-3C4D-9CB5-AD8805504562}"/>
-              </a:ext>
-            </a:extLst>
-          </p:cNvPr>
-          <p:cNvSpPr>
-            <a:spLocks noGrp="1"/>
-          </p:cNvSpPr>
-          <p:nvPr>
-            <p:ph type="ctrTitle"/>
-          </p:nvPr>
-        </p:nvSpPr>
-        <p:spPr>
-          <a:xfrm>
-            <a:off x="228600" y="196811"/>
-            <a:ext cx="8391293" cy="918311"/>
-          </a:xfrm>
-        </p:spPr>
-        <p:txBody>
-          <a:bodyPr anchor="t">
-            <a:normAutofit/>
-          </a:bodyPr>
-          <a:lstStyle/>
-          <a:p>
-            <a:pPr algn="l"/>
-            <a:r>
-              <a:rPr lang="en-US" sz="5400" dirty="0"/>
-              <a:t>Intended learning outcomes</a:t>
-            </a:r>
-          </a:p>
-        </p:txBody>
-      </p:sp>
-      <p:sp>
-        <p:nvSpPr>
-          <p:cNvPr id="3" name="Subtitle 2">
-            <a:extLst>
-              <a:ext uri="{FF2B5EF4-FFF2-40B4-BE49-F238E27FC236}">
-                <a16:creationId xmlns:a16="http://schemas.microsoft.com/office/drawing/2014/main" id="{2A85A3FF-8255-A144-A63D-1FEF6D5769AA}"/>
-              </a:ext>
-            </a:extLst>
-          </p:cNvPr>
-          <p:cNvSpPr>
-            <a:spLocks noGrp="1"/>
-          </p:cNvSpPr>
-          <p:nvPr>
-            <p:ph type="subTitle" idx="1"/>
-          </p:nvPr>
-        </p:nvSpPr>
-        <p:spPr>
-          <a:xfrm>
-            <a:off x="490653" y="1215675"/>
-            <a:ext cx="7867186" cy="5017856"/>
-          </a:xfrm>
-        </p:spPr>
-        <p:txBody>
-          <a:bodyPr>
-            <a:normAutofit/>
-          </a:bodyPr>
-          <a:lstStyle/>
-          <a:p>
-            <a:pPr algn="l"/>
-            <a:r>
-              <a:rPr lang="en-GB" sz="3200" dirty="0"/>
-              <a:t>After attending this workshop, you will be better able to:</a:t>
-            </a:r>
-          </a:p>
-          <a:p>
-            <a:pPr algn="l"/>
-            <a:endParaRPr lang="en-GB" sz="3200" dirty="0"/>
-          </a:p>
-          <a:p>
-            <a:pPr marL="800100" lvl="1" indent="-342900" algn="l">
-              <a:buFont typeface="Arial" panose="020B0604020202020204" pitchFamily="34" charset="0"/>
-              <a:buChar char="•"/>
-            </a:pPr>
-            <a:r>
-              <a:rPr lang="en-GB" sz="2800" dirty="0"/>
-              <a:t>Explain the difference between supervised and unsupervised learning.</a:t>
-            </a:r>
-          </a:p>
-          <a:p>
-            <a:pPr marL="800100" lvl="1" indent="-342900" algn="l">
-              <a:buFont typeface="Arial" panose="020B0604020202020204" pitchFamily="34" charset="0"/>
-              <a:buChar char="•"/>
-            </a:pPr>
-            <a:r>
-              <a:rPr lang="en-GB" sz="2800" dirty="0"/>
-              <a:t>Select a suitable machine learning method for a given application.</a:t>
-            </a:r>
-          </a:p>
-          <a:p>
-            <a:pPr marL="800100" lvl="1" indent="-342900" algn="l">
-              <a:buFont typeface="Arial" panose="020B0604020202020204" pitchFamily="34" charset="0"/>
-              <a:buChar char="•"/>
-            </a:pPr>
-            <a:r>
-              <a:rPr lang="en-GB" sz="2800" dirty="0"/>
-              <a:t>Prepare your own training and testing data sets.</a:t>
-            </a:r>
-          </a:p>
-          <a:p>
-            <a:pPr marL="800100" lvl="1" indent="-342900" algn="l">
-              <a:buFont typeface="Arial" panose="020B0604020202020204" pitchFamily="34" charset="0"/>
-              <a:buChar char="•"/>
-            </a:pPr>
-            <a:r>
-              <a:rPr lang="en-GB" sz="2800" dirty="0"/>
-              <a:t>Evaluate the performance of a machine learning experiment.</a:t>
-            </a:r>
-          </a:p>
-          <a:p>
-            <a:pPr algn="l"/>
-            <a:endParaRPr lang="en-US" dirty="0"/>
-          </a:p>
-        </p:txBody>
-      </p:sp>
-    </p:spTree>
-    <p:extLst>
-      <p:ext uri="{BB962C8B-B14F-4D97-AF65-F5344CB8AC3E}">
-        <p14:creationId xmlns:p14="http://schemas.microsoft.com/office/powerpoint/2010/main" val="2067407615"/>
-      </p:ext>
-    </p:extLst>
-  </p:cSld>
-  <p:clrMapOvr>
-    <a:masterClrMapping/>
-  </p:clrMapOvr>
-</p:sld>
-</file>
-
-<file path=ppt/slides/slide20.xml><?xml version="1.0" encoding="utf-8"?>
-<p:sld xmlns:a="http://schemas.openxmlformats.org/drawingml/2006/main" xmlns:r="http://schemas.openxmlformats.org/officeDocument/2006/relationships" xmlns:p="http://schemas.openxmlformats.org/presentationml/2006/main">
-  <p:cSld>
-    <p:bg>
-      <p:bgPr>
-        <a:solidFill>
-          <a:schemeClr val="bg1">
-            <a:lumMod val="85000"/>
-            <a:alpha val="30000"/>
-          </a:schemeClr>
-        </a:solidFill>
-        <a:effectLst/>
-      </p:bgPr>
-    </p:bg>
-    <p:spTree>
-      <p:nvGrpSpPr>
-        <p:cNvPr id="1" name=""/>
-        <p:cNvGrpSpPr/>
-        <p:nvPr/>
-      </p:nvGrpSpPr>
-      <p:grpSpPr>
-        <a:xfrm>
-          <a:off x="0" y="0"/>
-          <a:ext cx="0" cy="0"/>
-          <a:chOff x="0" y="0"/>
-          <a:chExt cx="0" cy="0"/>
-        </a:xfrm>
-      </p:grpSpPr>
-      <p:sp>
-        <p:nvSpPr>
-          <p:cNvPr id="2" name="Title 1"/>
-          <p:cNvSpPr>
-            <a:spLocks noGrp="1"/>
-          </p:cNvSpPr>
-          <p:nvPr>
-            <p:ph type="title"/>
-          </p:nvPr>
-        </p:nvSpPr>
-        <p:spPr/>
-        <p:txBody>
-          <a:bodyPr>
-            <a:normAutofit/>
-          </a:bodyPr>
-          <a:lstStyle/>
-          <a:p>
-            <a:r>
-              <a:rPr lang="en-US" sz="4000" dirty="0">
-                <a:solidFill>
-                  <a:schemeClr val="accent2">
-                    <a:lumMod val="75000"/>
-                  </a:schemeClr>
-                </a:solidFill>
-              </a:rPr>
-              <a:t>Classification metrics exercise</a:t>
-            </a:r>
-          </a:p>
-        </p:txBody>
-      </p:sp>
-      <p:sp>
-        <p:nvSpPr>
-          <p:cNvPr id="3" name="Content Placeholder 2"/>
-          <p:cNvSpPr>
-            <a:spLocks noGrp="1"/>
-          </p:cNvSpPr>
-          <p:nvPr>
-            <p:ph idx="1"/>
-          </p:nvPr>
-        </p:nvSpPr>
-        <p:spPr>
-          <a:xfrm>
-            <a:off x="628650" y="1600200"/>
-            <a:ext cx="8324850" cy="2819400"/>
-          </a:xfrm>
-        </p:spPr>
-        <p:txBody>
-          <a:bodyPr>
-            <a:normAutofit/>
-          </a:bodyPr>
-          <a:lstStyle/>
-          <a:p>
-            <a:pPr marL="0" indent="0">
-              <a:buNone/>
-            </a:pPr>
-            <a:r>
-              <a:rPr lang="en-US" sz="2800" dirty="0"/>
-              <a:t>With the </a:t>
-            </a:r>
-            <a:r>
-              <a:rPr lang="en-US" sz="2800" b="1" dirty="0"/>
-              <a:t>breast cancer </a:t>
-            </a:r>
-            <a:r>
-              <a:rPr lang="en-US" sz="2800" dirty="0"/>
-              <a:t>dataset,</a:t>
-            </a:r>
-          </a:p>
-          <a:p>
-            <a:pPr marL="0" indent="0">
-              <a:buNone/>
-            </a:pPr>
-            <a:r>
-              <a:rPr lang="en-US" sz="2800" dirty="0"/>
-              <a:t>	Compare the performance of a </a:t>
-            </a:r>
-            <a:r>
-              <a:rPr lang="en-US" sz="2800" i="1" dirty="0"/>
-              <a:t>tree</a:t>
-            </a:r>
-            <a:r>
-              <a:rPr lang="en-US" sz="2800" dirty="0"/>
-              <a:t> and a </a:t>
-            </a:r>
-            <a:r>
-              <a:rPr lang="en-US" sz="2800" i="1" dirty="0"/>
-              <a:t>logistic regression </a:t>
-            </a:r>
-            <a:r>
-              <a:rPr lang="en-US" sz="2800" dirty="0"/>
-              <a:t>for the task of predicting </a:t>
-            </a:r>
-            <a:r>
-              <a:rPr lang="en-US" sz="2800" b="1" dirty="0"/>
-              <a:t>recurrence</a:t>
-            </a:r>
-            <a:r>
-              <a:rPr lang="en-US" sz="2800" dirty="0"/>
-              <a:t>.</a:t>
-            </a:r>
-          </a:p>
-          <a:p>
-            <a:pPr marL="0" indent="0">
-              <a:buNone/>
-            </a:pPr>
-            <a:r>
-              <a:rPr lang="en-US" sz="2800" dirty="0"/>
-              <a:t>	</a:t>
-            </a:r>
-            <a:r>
-              <a:rPr lang="en-US" sz="2800" dirty="0" err="1"/>
-              <a:t>Visualise</a:t>
-            </a:r>
-            <a:r>
-              <a:rPr lang="en-US" sz="2800" dirty="0"/>
-              <a:t> the performance of the two methods (over 5-fold validation) on a ROC curve.</a:t>
-            </a:r>
-          </a:p>
-        </p:txBody>
-      </p:sp>
-    </p:spTree>
-    <p:extLst>
-      <p:ext uri="{BB962C8B-B14F-4D97-AF65-F5344CB8AC3E}">
-        <p14:creationId xmlns:p14="http://schemas.microsoft.com/office/powerpoint/2010/main" val="6030512"/>
-      </p:ext>
-    </p:extLst>
-  </p:cSld>
-  <p:clrMapOvr>
-    <a:masterClrMapping/>
-  </p:clrMapOvr>
-</p:sld>
-</file>
-
 <file path=ppt/slides/slide21.xml><?xml version="1.0" encoding="utf-8"?>
 <p:sld xmlns:a="http://schemas.openxmlformats.org/drawingml/2006/main" xmlns:r="http://schemas.openxmlformats.org/officeDocument/2006/relationships" xmlns:p="http://schemas.openxmlformats.org/presentationml/2006/main">
   <p:cSld>
@@ -7184,36 +7155,120 @@
       </p:grpSpPr>
       <p:sp>
         <p:nvSpPr>
-          <p:cNvPr id="2" name="Title 1">
-            <a:extLst>
-              <a:ext uri="{FF2B5EF4-FFF2-40B4-BE49-F238E27FC236}">
-                <a16:creationId xmlns:a16="http://schemas.microsoft.com/office/drawing/2014/main" id="{66F554E7-E576-3C4D-9CB5-AD8805504562}"/>
-              </a:ext>
-            </a:extLst>
-          </p:cNvPr>
-          <p:cNvSpPr>
-            <a:spLocks noGrp="1"/>
-          </p:cNvSpPr>
-          <p:nvPr>
-            <p:ph type="ctrTitle"/>
-          </p:nvPr>
-        </p:nvSpPr>
-        <p:spPr>
-          <a:xfrm>
-            <a:off x="685800" y="2872309"/>
-            <a:ext cx="7772400" cy="918310"/>
-          </a:xfrm>
-        </p:spPr>
-        <p:txBody>
-          <a:bodyPr anchor="t">
+          <p:cNvPr id="2" name="Title 1"/>
+          <p:cNvSpPr>
+            <a:spLocks noGrp="1"/>
+          </p:cNvSpPr>
+          <p:nvPr>
+            <p:ph type="title"/>
+          </p:nvPr>
+        </p:nvSpPr>
+        <p:spPr/>
+        <p:txBody>
+          <a:bodyPr>
             <a:normAutofit/>
           </a:bodyPr>
           <a:lstStyle/>
           <a:p>
-            <a:pPr algn="l"/>
-            <a:r>
-              <a:rPr lang="en-US" sz="5400" dirty="0"/>
-              <a:t>Improving performance</a:t>
+            <a:r>
+              <a:rPr lang="en-US" sz="4000" dirty="0">
+                <a:solidFill>
+                  <a:schemeClr val="accent2">
+                    <a:lumMod val="75000"/>
+                  </a:schemeClr>
+                </a:solidFill>
+              </a:rPr>
+              <a:t>Classification metrics exercise</a:t>
+            </a:r>
+          </a:p>
+        </p:txBody>
+      </p:sp>
+      <p:sp>
+        <p:nvSpPr>
+          <p:cNvPr id="3" name="Content Placeholder 2"/>
+          <p:cNvSpPr>
+            <a:spLocks noGrp="1"/>
+          </p:cNvSpPr>
+          <p:nvPr>
+            <p:ph idx="1"/>
+          </p:nvPr>
+        </p:nvSpPr>
+        <p:spPr>
+          <a:xfrm>
+            <a:off x="628650" y="1600200"/>
+            <a:ext cx="8324850" cy="2819400"/>
+          </a:xfrm>
+        </p:spPr>
+        <p:txBody>
+          <a:bodyPr>
+            <a:normAutofit/>
+          </a:bodyPr>
+          <a:lstStyle/>
+          <a:p>
+            <a:pPr marL="0" indent="0">
+              <a:buNone/>
+            </a:pPr>
+            <a:r>
+              <a:rPr lang="en-US" sz="2800" dirty="0"/>
+              <a:t>With the </a:t>
+            </a:r>
+            <a:r>
+              <a:rPr lang="en-US" sz="2800" b="1" dirty="0"/>
+              <a:t>breast cancer </a:t>
+            </a:r>
+            <a:r>
+              <a:rPr lang="en-US" sz="2800" dirty="0"/>
+              <a:t>dataset,</a:t>
+            </a:r>
+          </a:p>
+          <a:p>
+            <a:pPr marL="0" indent="0">
+              <a:buNone/>
+            </a:pPr>
+            <a:r>
+              <a:rPr lang="en-US" sz="2800" dirty="0"/>
+              <a:t>	Compare the performance of a </a:t>
+            </a:r>
+            <a:r>
+              <a:rPr lang="en-US" sz="2800" i="1" dirty="0"/>
+              <a:t>tree</a:t>
+            </a:r>
+            <a:r>
+              <a:rPr lang="en-US" sz="2800" dirty="0"/>
+              <a:t> and a </a:t>
+            </a:r>
+            <a:r>
+              <a:rPr lang="en-US" sz="2800" i="1" dirty="0"/>
+              <a:t>logistic regression </a:t>
+            </a:r>
+            <a:r>
+              <a:rPr lang="en-US" sz="2800" dirty="0"/>
+              <a:t>for the task of predicting </a:t>
+            </a:r>
+            <a:r>
+              <a:rPr lang="en-US" sz="2800" b="1" dirty="0"/>
+              <a:t>recurrence</a:t>
+            </a:r>
+            <a:r>
+              <a:rPr lang="en-US" sz="2800" dirty="0"/>
+              <a:t>.</a:t>
+            </a:r>
+          </a:p>
+          <a:p>
+            <a:pPr marL="0" indent="0">
+              <a:buNone/>
+            </a:pPr>
+            <a:r>
+              <a:rPr lang="en-US" sz="2800" dirty="0"/>
+              <a:t>	</a:t>
+            </a:r>
+            <a:r>
+              <a:rPr lang="en-US" sz="2800" dirty="0" err="1"/>
+              <a:t>Visualise</a:t>
+            </a:r>
+            <a:r>
+              <a:rPr lang="en-US" sz="2800" dirty="0"/>
+              <a:t> the performance of the two methods (over 5-fold validation) on a ROC curve.</a:t>
             </a:r>
           </a:p>
         </p:txBody>
@@ -7221,7 +7276,7 @@
     </p:spTree>
     <p:extLst>
       <p:ext uri="{BB962C8B-B14F-4D97-AF65-F5344CB8AC3E}">
-        <p14:creationId xmlns:p14="http://schemas.microsoft.com/office/powerpoint/2010/main" val="3412386982"/>
+        <p14:creationId xmlns:p14="http://schemas.microsoft.com/office/powerpoint/2010/main" val="6030512"/>
       </p:ext>
     </p:extLst>
   </p:cSld>
@@ -7261,6 +7316,83 @@
       </p:grpSpPr>
       <p:sp>
         <p:nvSpPr>
+          <p:cNvPr id="2" name="Title 1">
+            <a:extLst>
+              <a:ext uri="{FF2B5EF4-FFF2-40B4-BE49-F238E27FC236}">
+                <a16:creationId xmlns:a16="http://schemas.microsoft.com/office/drawing/2014/main" id="{66F554E7-E576-3C4D-9CB5-AD8805504562}"/>
+              </a:ext>
+            </a:extLst>
+          </p:cNvPr>
+          <p:cNvSpPr>
+            <a:spLocks noGrp="1"/>
+          </p:cNvSpPr>
+          <p:nvPr>
+            <p:ph type="ctrTitle"/>
+          </p:nvPr>
+        </p:nvSpPr>
+        <p:spPr>
+          <a:xfrm>
+            <a:off x="685800" y="2872309"/>
+            <a:ext cx="7772400" cy="918310"/>
+          </a:xfrm>
+        </p:spPr>
+        <p:txBody>
+          <a:bodyPr anchor="t">
+            <a:normAutofit/>
+          </a:bodyPr>
+          <a:lstStyle/>
+          <a:p>
+            <a:pPr algn="l"/>
+            <a:r>
+              <a:rPr lang="en-US" sz="5400" dirty="0"/>
+              <a:t>Improving performance</a:t>
+            </a:r>
+          </a:p>
+        </p:txBody>
+      </p:sp>
+    </p:spTree>
+    <p:extLst>
+      <p:ext uri="{BB962C8B-B14F-4D97-AF65-F5344CB8AC3E}">
+        <p14:creationId xmlns:p14="http://schemas.microsoft.com/office/powerpoint/2010/main" val="3412386982"/>
+      </p:ext>
+    </p:extLst>
+  </p:cSld>
+  <p:clrMapOvr>
+    <a:masterClrMapping/>
+  </p:clrMapOvr>
+</p:sld>
+</file>
+
+<file path=ppt/slides/slide23.xml><?xml version="1.0" encoding="utf-8"?>
+<p:sld xmlns:a="http://schemas.openxmlformats.org/drawingml/2006/main" xmlns:r="http://schemas.openxmlformats.org/officeDocument/2006/relationships" xmlns:p="http://schemas.openxmlformats.org/presentationml/2006/main">
+  <p:cSld>
+    <p:bg>
+      <p:bgPr>
+        <a:solidFill>
+          <a:schemeClr val="bg1">
+            <a:lumMod val="85000"/>
+            <a:alpha val="30000"/>
+          </a:schemeClr>
+        </a:solidFill>
+        <a:effectLst/>
+      </p:bgPr>
+    </p:bg>
+    <p:spTree>
+      <p:nvGrpSpPr>
+        <p:cNvPr id="1" name=""/>
+        <p:cNvGrpSpPr/>
+        <p:nvPr/>
+      </p:nvGrpSpPr>
+      <p:grpSpPr>
+        <a:xfrm>
+          <a:off x="0" y="0"/>
+          <a:ext cx="0" cy="0"/>
+          <a:chOff x="0" y="0"/>
+          <a:chExt cx="0" cy="0"/>
+        </a:xfrm>
+      </p:grpSpPr>
+      <p:sp>
+        <p:nvSpPr>
           <p:cNvPr id="2" name="Title 1"/>
           <p:cNvSpPr>
             <a:spLocks noGrp="1"/>
@@ -7402,7 +7534,7 @@
 </p:sld>
 </file>
 
-<file path=ppt/slides/slide23.xml><?xml version="1.0" encoding="utf-8"?>
+<file path=ppt/slides/slide24.xml><?xml version="1.0" encoding="utf-8"?>
 <p:sld xmlns:a="http://schemas.openxmlformats.org/drawingml/2006/main" xmlns:r="http://schemas.openxmlformats.org/officeDocument/2006/relationships" xmlns:p="http://schemas.openxmlformats.org/presentationml/2006/main">
   <p:cSld>
     <p:bg>
@@ -7520,7 +7652,7 @@
 </p:sld>
 </file>
 
-<file path=ppt/slides/slide24.xml><?xml version="1.0" encoding="utf-8"?>
+<file path=ppt/slides/slide25.xml><?xml version="1.0" encoding="utf-8"?>
 <p:sld xmlns:a="http://schemas.openxmlformats.org/drawingml/2006/main" xmlns:r="http://schemas.openxmlformats.org/officeDocument/2006/relationships" xmlns:p="http://schemas.openxmlformats.org/presentationml/2006/main">
   <p:cSld>
     <p:bg>
@@ -7638,77 +7770,6 @@
 </p:sld>
 </file>
 
-<file path=ppt/slides/slide25.xml><?xml version="1.0" encoding="utf-8"?>
-<p:sld xmlns:a="http://schemas.openxmlformats.org/drawingml/2006/main" xmlns:r="http://schemas.openxmlformats.org/officeDocument/2006/relationships" xmlns:p="http://schemas.openxmlformats.org/presentationml/2006/main">
-  <p:cSld>
-    <p:bg>
-      <p:bgPr>
-        <a:solidFill>
-          <a:schemeClr val="bg1">
-            <a:lumMod val="85000"/>
-            <a:alpha val="30000"/>
-          </a:schemeClr>
-        </a:solidFill>
-        <a:effectLst/>
-      </p:bgPr>
-    </p:bg>
-    <p:spTree>
-      <p:nvGrpSpPr>
-        <p:cNvPr id="1" name=""/>
-        <p:cNvGrpSpPr/>
-        <p:nvPr/>
-      </p:nvGrpSpPr>
-      <p:grpSpPr>
-        <a:xfrm>
-          <a:off x="0" y="0"/>
-          <a:ext cx="0" cy="0"/>
-          <a:chOff x="0" y="0"/>
-          <a:chExt cx="0" cy="0"/>
-        </a:xfrm>
-      </p:grpSpPr>
-      <p:sp>
-        <p:nvSpPr>
-          <p:cNvPr id="2" name="Title 1"/>
-          <p:cNvSpPr>
-            <a:spLocks noGrp="1"/>
-          </p:cNvSpPr>
-          <p:nvPr>
-            <p:ph type="title"/>
-          </p:nvPr>
-        </p:nvSpPr>
-        <p:spPr>
-          <a:xfrm>
-            <a:off x="197556" y="352778"/>
-            <a:ext cx="8641644" cy="1628421"/>
-          </a:xfrm>
-        </p:spPr>
-        <p:txBody>
-          <a:bodyPr>
-            <a:normAutofit/>
-          </a:bodyPr>
-          <a:lstStyle/>
-          <a:p>
-            <a:pPr algn="l"/>
-            <a:r>
-              <a:rPr lang="en-US" sz="4000" dirty="0"/>
-              <a:t>What can we do to improve performance?</a:t>
-            </a:r>
-          </a:p>
-        </p:txBody>
-      </p:sp>
-    </p:spTree>
-    <p:extLst>
-      <p:ext uri="{BB962C8B-B14F-4D97-AF65-F5344CB8AC3E}">
-        <p14:creationId xmlns:p14="http://schemas.microsoft.com/office/powerpoint/2010/main" val="948826384"/>
-      </p:ext>
-    </p:extLst>
-  </p:cSld>
-  <p:clrMapOvr>
-    <a:masterClrMapping/>
-  </p:clrMapOvr>
-</p:sld>
-</file>
-
 <file path=ppt/slides/slide26.xml><?xml version="1.0" encoding="utf-8"?>
 <p:sld xmlns:a="http://schemas.openxmlformats.org/drawingml/2006/main" xmlns:r="http://schemas.openxmlformats.org/officeDocument/2006/relationships" xmlns:p="http://schemas.openxmlformats.org/presentationml/2006/main">
   <p:cSld>
@@ -7767,133 +7828,10 @@
           </a:p>
         </p:txBody>
       </p:sp>
-      <p:sp>
-        <p:nvSpPr>
-          <p:cNvPr id="3" name="Content Placeholder 2">
-            <a:extLst>
-              <a:ext uri="{FF2B5EF4-FFF2-40B4-BE49-F238E27FC236}">
-                <a16:creationId xmlns:a16="http://schemas.microsoft.com/office/drawing/2014/main" id="{1BC9FFF2-B08C-F644-9A7A-57066C20F81E}"/>
-              </a:ext>
-            </a:extLst>
-          </p:cNvPr>
-          <p:cNvSpPr>
-            <a:spLocks noGrp="1"/>
-          </p:cNvSpPr>
-          <p:nvPr>
-            <p:ph idx="1"/>
-          </p:nvPr>
-        </p:nvSpPr>
-        <p:spPr>
-          <a:xfrm>
-            <a:off x="276578" y="2184400"/>
-            <a:ext cx="8590844" cy="3848100"/>
-          </a:xfrm>
-        </p:spPr>
-        <p:txBody>
-          <a:bodyPr>
-            <a:normAutofit fontScale="92500" lnSpcReduction="20000"/>
-          </a:bodyPr>
-          <a:lstStyle/>
-          <a:p>
-            <a:pPr marL="0" indent="0">
-              <a:buNone/>
-            </a:pPr>
-            <a:r>
-              <a:rPr lang="en-US" sz="2800" b="1" dirty="0"/>
-              <a:t>A larger training dataset</a:t>
-            </a:r>
-            <a:r>
-              <a:rPr lang="en-US" sz="2800" dirty="0"/>
-              <a:t> (if available) will reduce bias.</a:t>
-            </a:r>
-          </a:p>
-          <a:p>
-            <a:pPr marL="0" indent="0">
-              <a:buNone/>
-            </a:pPr>
-            <a:endParaRPr lang="en-US" sz="2800" b="1" dirty="0"/>
-          </a:p>
-          <a:p>
-            <a:pPr marL="0" indent="0">
-              <a:buNone/>
-            </a:pPr>
-            <a:r>
-              <a:rPr lang="en-US" sz="2800" b="1" dirty="0"/>
-              <a:t>Feature selection </a:t>
-            </a:r>
-            <a:r>
-              <a:rPr lang="en-US" sz="2800" dirty="0"/>
-              <a:t>tries to eliminate uninformative features. This makes models simpler and less prone to over-fitting. </a:t>
-            </a:r>
-          </a:p>
-          <a:p>
-            <a:pPr marL="0" indent="0">
-              <a:buNone/>
-            </a:pPr>
-            <a:endParaRPr lang="en-US" sz="2800" dirty="0"/>
-          </a:p>
-          <a:p>
-            <a:pPr marL="0" indent="0">
-              <a:buNone/>
-            </a:pPr>
-            <a:r>
-              <a:rPr lang="en-US" sz="2800" b="1" dirty="0"/>
-              <a:t>Tree pruning</a:t>
-            </a:r>
-            <a:r>
-              <a:rPr lang="en-US" sz="2800" dirty="0"/>
-              <a:t> is used to reduce the variance of a decision tree, by limiting the complexity of the model.</a:t>
-            </a:r>
-            <a:endParaRPr lang="en-US" sz="2800" b="1" dirty="0"/>
-          </a:p>
-          <a:p>
-            <a:pPr marL="0" indent="0">
-              <a:buNone/>
-            </a:pPr>
-            <a:endParaRPr lang="en-US" sz="2800" dirty="0"/>
-          </a:p>
-          <a:p>
-            <a:pPr marL="0" indent="0">
-              <a:buNone/>
-            </a:pPr>
-            <a:r>
-              <a:rPr lang="en-US" sz="2800" b="1" dirty="0"/>
-              <a:t>Ensemble methods</a:t>
-            </a:r>
-            <a:r>
-              <a:rPr lang="en-US" sz="2800" dirty="0"/>
-              <a:t> combine multiple </a:t>
-            </a:r>
-            <a:r>
-              <a:rPr lang="en-US" sz="2800" b="1" dirty="0"/>
-              <a:t>weak learners</a:t>
-            </a:r>
-            <a:r>
-              <a:rPr lang="en-US" sz="2800" dirty="0"/>
-              <a:t> (also called </a:t>
-            </a:r>
-            <a:r>
-              <a:rPr lang="en-US" sz="2800" i="1" dirty="0"/>
-              <a:t>base models</a:t>
-            </a:r>
-            <a:r>
-              <a:rPr lang="en-US" sz="2800" dirty="0"/>
-              <a:t>) to make better overall predictions.</a:t>
-            </a:r>
-            <a:endParaRPr lang="en-US" sz="2800" b="1" dirty="0"/>
-          </a:p>
-          <a:p>
-            <a:pPr marL="0" indent="0">
-              <a:buNone/>
-            </a:pPr>
-            <a:endParaRPr lang="en-US" sz="2800" b="1" dirty="0"/>
-          </a:p>
-        </p:txBody>
-      </p:sp>
     </p:spTree>
     <p:extLst>
       <p:ext uri="{BB962C8B-B14F-4D97-AF65-F5344CB8AC3E}">
-        <p14:creationId xmlns:p14="http://schemas.microsoft.com/office/powerpoint/2010/main" val="1999197110"/>
+        <p14:creationId xmlns:p14="http://schemas.microsoft.com/office/powerpoint/2010/main" val="948826384"/>
       </p:ext>
     </p:extLst>
   </p:cSld>
@@ -7943,6 +7881,200 @@
         </p:nvSpPr>
         <p:spPr>
           <a:xfrm>
+            <a:off x="197556" y="352778"/>
+            <a:ext cx="8641644" cy="1628421"/>
+          </a:xfrm>
+        </p:spPr>
+        <p:txBody>
+          <a:bodyPr>
+            <a:normAutofit/>
+          </a:bodyPr>
+          <a:lstStyle/>
+          <a:p>
+            <a:pPr algn="l"/>
+            <a:r>
+              <a:rPr lang="en-US" sz="4000" dirty="0"/>
+              <a:t>What can we do to improve performance?</a:t>
+            </a:r>
+          </a:p>
+        </p:txBody>
+      </p:sp>
+      <p:sp>
+        <p:nvSpPr>
+          <p:cNvPr id="3" name="Content Placeholder 2">
+            <a:extLst>
+              <a:ext uri="{FF2B5EF4-FFF2-40B4-BE49-F238E27FC236}">
+                <a16:creationId xmlns:a16="http://schemas.microsoft.com/office/drawing/2014/main" id="{1BC9FFF2-B08C-F644-9A7A-57066C20F81E}"/>
+              </a:ext>
+            </a:extLst>
+          </p:cNvPr>
+          <p:cNvSpPr>
+            <a:spLocks noGrp="1"/>
+          </p:cNvSpPr>
+          <p:nvPr>
+            <p:ph idx="1"/>
+          </p:nvPr>
+        </p:nvSpPr>
+        <p:spPr>
+          <a:xfrm>
+            <a:off x="276578" y="2184400"/>
+            <a:ext cx="8590844" cy="3848100"/>
+          </a:xfrm>
+        </p:spPr>
+        <p:txBody>
+          <a:bodyPr>
+            <a:normAutofit fontScale="92500" lnSpcReduction="20000"/>
+          </a:bodyPr>
+          <a:lstStyle/>
+          <a:p>
+            <a:pPr marL="0" indent="0">
+              <a:buNone/>
+            </a:pPr>
+            <a:r>
+              <a:rPr lang="en-US" sz="2800" b="1" dirty="0"/>
+              <a:t>A larger training dataset</a:t>
+            </a:r>
+            <a:r>
+              <a:rPr lang="en-US" sz="2800" dirty="0"/>
+              <a:t> (if available) will reduce bias.</a:t>
+            </a:r>
+          </a:p>
+          <a:p>
+            <a:pPr marL="0" indent="0">
+              <a:buNone/>
+            </a:pPr>
+            <a:endParaRPr lang="en-US" sz="2800" b="1" dirty="0"/>
+          </a:p>
+          <a:p>
+            <a:pPr marL="0" indent="0">
+              <a:buNone/>
+            </a:pPr>
+            <a:r>
+              <a:rPr lang="en-US" sz="2800" b="1" dirty="0"/>
+              <a:t>Feature selection </a:t>
+            </a:r>
+            <a:r>
+              <a:rPr lang="en-US" sz="2800" dirty="0"/>
+              <a:t>tries to eliminate uninformative features. This makes models simpler and less prone to over-fitting. </a:t>
+            </a:r>
+          </a:p>
+          <a:p>
+            <a:pPr marL="0" indent="0">
+              <a:buNone/>
+            </a:pPr>
+            <a:endParaRPr lang="en-US" sz="2800" dirty="0"/>
+          </a:p>
+          <a:p>
+            <a:pPr marL="0" indent="0">
+              <a:buNone/>
+            </a:pPr>
+            <a:r>
+              <a:rPr lang="en-US" sz="2800" b="1" dirty="0"/>
+              <a:t>Tree pruning</a:t>
+            </a:r>
+            <a:r>
+              <a:rPr lang="en-US" sz="2800" dirty="0"/>
+              <a:t> is used to reduce the variance of a decision tree, by limiting the complexity of the model.</a:t>
+            </a:r>
+            <a:endParaRPr lang="en-US" sz="2800" b="1" dirty="0"/>
+          </a:p>
+          <a:p>
+            <a:pPr marL="0" indent="0">
+              <a:buNone/>
+            </a:pPr>
+            <a:endParaRPr lang="en-US" sz="2800" dirty="0"/>
+          </a:p>
+          <a:p>
+            <a:pPr marL="0" indent="0">
+              <a:buNone/>
+            </a:pPr>
+            <a:r>
+              <a:rPr lang="en-US" sz="2800" b="1" dirty="0"/>
+              <a:t>Ensemble methods</a:t>
+            </a:r>
+            <a:r>
+              <a:rPr lang="en-US" sz="2800" dirty="0"/>
+              <a:t> combine multiple </a:t>
+            </a:r>
+            <a:r>
+              <a:rPr lang="en-US" sz="2800" b="1" dirty="0"/>
+              <a:t>weak learners</a:t>
+            </a:r>
+            <a:r>
+              <a:rPr lang="en-US" sz="2800" dirty="0"/>
+              <a:t> (also called </a:t>
+            </a:r>
+            <a:r>
+              <a:rPr lang="en-US" sz="2800" i="1" dirty="0"/>
+              <a:t>base models</a:t>
+            </a:r>
+            <a:r>
+              <a:rPr lang="en-US" sz="2800" dirty="0"/>
+              <a:t>) to make better overall predictions.</a:t>
+            </a:r>
+            <a:endParaRPr lang="en-US" sz="2800" b="1" dirty="0"/>
+          </a:p>
+          <a:p>
+            <a:pPr marL="0" indent="0">
+              <a:buNone/>
+            </a:pPr>
+            <a:endParaRPr lang="en-US" sz="2800" b="1" dirty="0"/>
+          </a:p>
+        </p:txBody>
+      </p:sp>
+    </p:spTree>
+    <p:extLst>
+      <p:ext uri="{BB962C8B-B14F-4D97-AF65-F5344CB8AC3E}">
+        <p14:creationId xmlns:p14="http://schemas.microsoft.com/office/powerpoint/2010/main" val="1999197110"/>
+      </p:ext>
+    </p:extLst>
+  </p:cSld>
+  <p:clrMapOvr>
+    <a:masterClrMapping/>
+  </p:clrMapOvr>
+</p:sld>
+</file>
+
+<file path=ppt/slides/slide28.xml><?xml version="1.0" encoding="utf-8"?>
+<p:sld xmlns:a="http://schemas.openxmlformats.org/drawingml/2006/main" xmlns:r="http://schemas.openxmlformats.org/officeDocument/2006/relationships" xmlns:p="http://schemas.openxmlformats.org/presentationml/2006/main">
+  <p:cSld>
+    <p:bg>
+      <p:bgPr>
+        <a:solidFill>
+          <a:schemeClr val="bg1">
+            <a:lumMod val="85000"/>
+            <a:alpha val="30000"/>
+          </a:schemeClr>
+        </a:solidFill>
+        <a:effectLst/>
+      </p:bgPr>
+    </p:bg>
+    <p:spTree>
+      <p:nvGrpSpPr>
+        <p:cNvPr id="1" name=""/>
+        <p:cNvGrpSpPr/>
+        <p:nvPr/>
+      </p:nvGrpSpPr>
+      <p:grpSpPr>
+        <a:xfrm>
+          <a:off x="0" y="0"/>
+          <a:ext cx="0" cy="0"/>
+          <a:chOff x="0" y="0"/>
+          <a:chExt cx="0" cy="0"/>
+        </a:xfrm>
+      </p:grpSpPr>
+      <p:sp>
+        <p:nvSpPr>
+          <p:cNvPr id="2" name="Title 1"/>
+          <p:cNvSpPr>
+            <a:spLocks noGrp="1"/>
+          </p:cNvSpPr>
+          <p:nvPr>
+            <p:ph type="title"/>
+          </p:nvPr>
+        </p:nvSpPr>
+        <p:spPr>
+          <a:xfrm>
             <a:off x="197556" y="352779"/>
             <a:ext cx="8641644" cy="968022"/>
           </a:xfrm>
@@ -8091,7 +8223,7 @@
 </p:sld>
 </file>
 
-<file path=ppt/slides/slide28.xml><?xml version="1.0" encoding="utf-8"?>
+<file path=ppt/slides/slide29.xml><?xml version="1.0" encoding="utf-8"?>
 <p:sld xmlns:a="http://schemas.openxmlformats.org/drawingml/2006/main" xmlns:r="http://schemas.openxmlformats.org/officeDocument/2006/relationships" xmlns:p="http://schemas.openxmlformats.org/presentationml/2006/main">
   <p:cSld>
     <p:spTree>
@@ -8232,7 +8364,7 @@
             </a:r>
             <a:r>
               <a:rPr lang="en-US" sz="2800" b="1" dirty="0"/>
-              <a:t>disease state</a:t>
+              <a:t>HDI</a:t>
             </a:r>
             <a:r>
               <a:rPr lang="en-US" sz="2800" dirty="0"/>
@@ -8313,7 +8445,426 @@
 </p:sld>
 </file>
 
-<file path=ppt/slides/slide29.xml><?xml version="1.0" encoding="utf-8"?>
+<file path=ppt/slides/slide3.xml><?xml version="1.0" encoding="utf-8"?>
+<p:sld xmlns:a="http://schemas.openxmlformats.org/drawingml/2006/main" xmlns:r="http://schemas.openxmlformats.org/officeDocument/2006/relationships" xmlns:p="http://schemas.openxmlformats.org/presentationml/2006/main">
+  <p:cSld>
+    <p:bg>
+      <p:bgPr>
+        <a:solidFill>
+          <a:schemeClr val="bg1">
+            <a:lumMod val="85000"/>
+            <a:alpha val="30000"/>
+          </a:schemeClr>
+        </a:solidFill>
+        <a:effectLst/>
+      </p:bgPr>
+    </p:bg>
+    <p:spTree>
+      <p:nvGrpSpPr>
+        <p:cNvPr id="1" name=""/>
+        <p:cNvGrpSpPr/>
+        <p:nvPr/>
+      </p:nvGrpSpPr>
+      <p:grpSpPr>
+        <a:xfrm>
+          <a:off x="0" y="0"/>
+          <a:ext cx="0" cy="0"/>
+          <a:chOff x="0" y="0"/>
+          <a:chExt cx="0" cy="0"/>
+        </a:xfrm>
+      </p:grpSpPr>
+      <p:sp>
+        <p:nvSpPr>
+          <p:cNvPr id="2" name="Title 1">
+            <a:extLst>
+              <a:ext uri="{FF2B5EF4-FFF2-40B4-BE49-F238E27FC236}">
+                <a16:creationId xmlns:a16="http://schemas.microsoft.com/office/drawing/2014/main" id="{66F554E7-E576-3C4D-9CB5-AD8805504562}"/>
+              </a:ext>
+            </a:extLst>
+          </p:cNvPr>
+          <p:cNvSpPr>
+            <a:spLocks noGrp="1"/>
+          </p:cNvSpPr>
+          <p:nvPr>
+            <p:ph type="ctrTitle"/>
+          </p:nvPr>
+        </p:nvSpPr>
+        <p:spPr>
+          <a:xfrm>
+            <a:off x="228600" y="196812"/>
+            <a:ext cx="7772400" cy="918310"/>
+          </a:xfrm>
+        </p:spPr>
+        <p:txBody>
+          <a:bodyPr anchor="t">
+            <a:normAutofit/>
+          </a:bodyPr>
+          <a:lstStyle/>
+          <a:p>
+            <a:pPr algn="l"/>
+            <a:r>
+              <a:rPr lang="en-US" sz="5400" dirty="0"/>
+              <a:t>Overview</a:t>
+            </a:r>
+          </a:p>
+        </p:txBody>
+      </p:sp>
+      <p:sp>
+        <p:nvSpPr>
+          <p:cNvPr id="3" name="Subtitle 2">
+            <a:extLst>
+              <a:ext uri="{FF2B5EF4-FFF2-40B4-BE49-F238E27FC236}">
+                <a16:creationId xmlns:a16="http://schemas.microsoft.com/office/drawing/2014/main" id="{2A85A3FF-8255-A144-A63D-1FEF6D5769AA}"/>
+              </a:ext>
+            </a:extLst>
+          </p:cNvPr>
+          <p:cNvSpPr>
+            <a:spLocks noGrp="1"/>
+          </p:cNvSpPr>
+          <p:nvPr>
+            <p:ph type="subTitle" idx="1"/>
+          </p:nvPr>
+        </p:nvSpPr>
+        <p:spPr>
+          <a:xfrm>
+            <a:off x="395868" y="1282583"/>
+            <a:ext cx="4321098" cy="5017856"/>
+          </a:xfrm>
+        </p:spPr>
+        <p:txBody>
+          <a:bodyPr>
+            <a:noAutofit/>
+          </a:bodyPr>
+          <a:lstStyle/>
+          <a:p>
+            <a:pPr algn="l"/>
+            <a:r>
+              <a:rPr lang="en-US" sz="2800" b="1" dirty="0"/>
+              <a:t>Evaluating performance</a:t>
+            </a:r>
+            <a:endParaRPr lang="en-US" sz="2800" dirty="0"/>
+          </a:p>
+          <a:p>
+            <a:pPr algn="l"/>
+            <a:r>
+              <a:rPr lang="en-US" sz="2800" dirty="0"/>
+              <a:t>	Train/Validate/Test</a:t>
+            </a:r>
+          </a:p>
+          <a:p>
+            <a:pPr algn="l"/>
+            <a:r>
+              <a:rPr lang="en-US" sz="2800" dirty="0"/>
+              <a:t>	Cross-validation</a:t>
+            </a:r>
+          </a:p>
+          <a:p>
+            <a:pPr algn="l"/>
+            <a:r>
+              <a:rPr lang="en-US" sz="2800" dirty="0"/>
+              <a:t>	Regression metrics</a:t>
+            </a:r>
+          </a:p>
+          <a:p>
+            <a:pPr algn="l"/>
+            <a:r>
+              <a:rPr lang="en-US" sz="2800" b="1" dirty="0"/>
+              <a:t>	</a:t>
+            </a:r>
+            <a:r>
+              <a:rPr lang="en-US" sz="2800" dirty="0"/>
+              <a:t>Classification metrics</a:t>
+            </a:r>
+          </a:p>
+          <a:p>
+            <a:pPr algn="l"/>
+            <a:r>
+              <a:rPr lang="en-US" sz="2800" dirty="0"/>
+              <a:t>		ROC curve</a:t>
+            </a:r>
+          </a:p>
+          <a:p>
+            <a:pPr algn="l"/>
+            <a:r>
+              <a:rPr lang="en-US" sz="2800" b="1" dirty="0"/>
+              <a:t>	</a:t>
+            </a:r>
+            <a:r>
+              <a:rPr lang="en-US" sz="2800" dirty="0"/>
+              <a:t>	</a:t>
+            </a:r>
+          </a:p>
+          <a:p>
+            <a:pPr algn="l"/>
+            <a:endParaRPr lang="en-US" sz="2800" b="1" dirty="0"/>
+          </a:p>
+        </p:txBody>
+      </p:sp>
+      <p:sp>
+        <p:nvSpPr>
+          <p:cNvPr id="4" name="Subtitle 2">
+            <a:extLst>
+              <a:ext uri="{FF2B5EF4-FFF2-40B4-BE49-F238E27FC236}">
+                <a16:creationId xmlns:a16="http://schemas.microsoft.com/office/drawing/2014/main" id="{D607EB91-0C0D-0B46-94A4-A2C0DC651540}"/>
+              </a:ext>
+            </a:extLst>
+          </p:cNvPr>
+          <p:cNvSpPr txBox="1">
+            <a:spLocks/>
+          </p:cNvSpPr>
+          <p:nvPr/>
+        </p:nvSpPr>
+        <p:spPr>
+          <a:xfrm>
+            <a:off x="4671433" y="1282583"/>
+            <a:ext cx="4321098" cy="5017856"/>
+          </a:xfrm>
+          <a:prstGeom prst="rect">
+            <a:avLst/>
+          </a:prstGeom>
+        </p:spPr>
+        <p:txBody>
+          <a:bodyPr vert="horz" lIns="91440" tIns="45720" rIns="91440" bIns="45720" rtlCol="0">
+            <a:noAutofit/>
+          </a:bodyPr>
+          <a:lstStyle>
+            <a:lvl1pPr marL="0" indent="0" algn="ctr" defTabSz="685800" rtl="0" eaLnBrk="1" latinLnBrk="0" hangingPunct="1">
+              <a:lnSpc>
+                <a:spcPct val="90000"/>
+              </a:lnSpc>
+              <a:spcBef>
+                <a:spcPts val="750"/>
+              </a:spcBef>
+              <a:buFont typeface="Arial" panose="020B0604020202020204" pitchFamily="34" charset="0"/>
+              <a:buNone/>
+              <a:defRPr sz="1800" kern="1200">
+                <a:solidFill>
+                  <a:schemeClr val="tx1"/>
+                </a:solidFill>
+                <a:latin typeface="+mn-lt"/>
+                <a:ea typeface="+mn-ea"/>
+                <a:cs typeface="+mn-cs"/>
+              </a:defRPr>
+            </a:lvl1pPr>
+            <a:lvl2pPr marL="342900" indent="0" algn="ctr" defTabSz="685800" rtl="0" eaLnBrk="1" latinLnBrk="0" hangingPunct="1">
+              <a:lnSpc>
+                <a:spcPct val="90000"/>
+              </a:lnSpc>
+              <a:spcBef>
+                <a:spcPts val="375"/>
+              </a:spcBef>
+              <a:buFont typeface="Arial" panose="020B0604020202020204" pitchFamily="34" charset="0"/>
+              <a:buNone/>
+              <a:defRPr sz="1500" kern="1200">
+                <a:solidFill>
+                  <a:schemeClr val="tx1"/>
+                </a:solidFill>
+                <a:latin typeface="+mn-lt"/>
+                <a:ea typeface="+mn-ea"/>
+                <a:cs typeface="+mn-cs"/>
+              </a:defRPr>
+            </a:lvl2pPr>
+            <a:lvl3pPr marL="685800" indent="0" algn="ctr" defTabSz="685800" rtl="0" eaLnBrk="1" latinLnBrk="0" hangingPunct="1">
+              <a:lnSpc>
+                <a:spcPct val="90000"/>
+              </a:lnSpc>
+              <a:spcBef>
+                <a:spcPts val="375"/>
+              </a:spcBef>
+              <a:buFont typeface="Arial" panose="020B0604020202020204" pitchFamily="34" charset="0"/>
+              <a:buNone/>
+              <a:defRPr sz="1350" kern="1200">
+                <a:solidFill>
+                  <a:schemeClr val="tx1"/>
+                </a:solidFill>
+                <a:latin typeface="+mn-lt"/>
+                <a:ea typeface="+mn-ea"/>
+                <a:cs typeface="+mn-cs"/>
+              </a:defRPr>
+            </a:lvl3pPr>
+            <a:lvl4pPr marL="1028700" indent="0" algn="ctr" defTabSz="685800" rtl="0" eaLnBrk="1" latinLnBrk="0" hangingPunct="1">
+              <a:lnSpc>
+                <a:spcPct val="90000"/>
+              </a:lnSpc>
+              <a:spcBef>
+                <a:spcPts val="375"/>
+              </a:spcBef>
+              <a:buFont typeface="Arial" panose="020B0604020202020204" pitchFamily="34" charset="0"/>
+              <a:buNone/>
+              <a:defRPr sz="1200" kern="1200">
+                <a:solidFill>
+                  <a:schemeClr val="tx1"/>
+                </a:solidFill>
+                <a:latin typeface="+mn-lt"/>
+                <a:ea typeface="+mn-ea"/>
+                <a:cs typeface="+mn-cs"/>
+              </a:defRPr>
+            </a:lvl4pPr>
+            <a:lvl5pPr marL="1371600" indent="0" algn="ctr" defTabSz="685800" rtl="0" eaLnBrk="1" latinLnBrk="0" hangingPunct="1">
+              <a:lnSpc>
+                <a:spcPct val="90000"/>
+              </a:lnSpc>
+              <a:spcBef>
+                <a:spcPts val="375"/>
+              </a:spcBef>
+              <a:buFont typeface="Arial" panose="020B0604020202020204" pitchFamily="34" charset="0"/>
+              <a:buNone/>
+              <a:defRPr sz="1200" kern="1200">
+                <a:solidFill>
+                  <a:schemeClr val="tx1"/>
+                </a:solidFill>
+                <a:latin typeface="+mn-lt"/>
+                <a:ea typeface="+mn-ea"/>
+                <a:cs typeface="+mn-cs"/>
+              </a:defRPr>
+            </a:lvl5pPr>
+            <a:lvl6pPr marL="1714500" indent="0" algn="ctr" defTabSz="685800" rtl="0" eaLnBrk="1" latinLnBrk="0" hangingPunct="1">
+              <a:lnSpc>
+                <a:spcPct val="90000"/>
+              </a:lnSpc>
+              <a:spcBef>
+                <a:spcPts val="375"/>
+              </a:spcBef>
+              <a:buFont typeface="Arial" panose="020B0604020202020204" pitchFamily="34" charset="0"/>
+              <a:buNone/>
+              <a:defRPr sz="1200" kern="1200">
+                <a:solidFill>
+                  <a:schemeClr val="tx1"/>
+                </a:solidFill>
+                <a:latin typeface="+mn-lt"/>
+                <a:ea typeface="+mn-ea"/>
+                <a:cs typeface="+mn-cs"/>
+              </a:defRPr>
+            </a:lvl6pPr>
+            <a:lvl7pPr marL="2057400" indent="0" algn="ctr" defTabSz="685800" rtl="0" eaLnBrk="1" latinLnBrk="0" hangingPunct="1">
+              <a:lnSpc>
+                <a:spcPct val="90000"/>
+              </a:lnSpc>
+              <a:spcBef>
+                <a:spcPts val="375"/>
+              </a:spcBef>
+              <a:buFont typeface="Arial" panose="020B0604020202020204" pitchFamily="34" charset="0"/>
+              <a:buNone/>
+              <a:defRPr sz="1200" kern="1200">
+                <a:solidFill>
+                  <a:schemeClr val="tx1"/>
+                </a:solidFill>
+                <a:latin typeface="+mn-lt"/>
+                <a:ea typeface="+mn-ea"/>
+                <a:cs typeface="+mn-cs"/>
+              </a:defRPr>
+            </a:lvl7pPr>
+            <a:lvl8pPr marL="2400300" indent="0" algn="ctr" defTabSz="685800" rtl="0" eaLnBrk="1" latinLnBrk="0" hangingPunct="1">
+              <a:lnSpc>
+                <a:spcPct val="90000"/>
+              </a:lnSpc>
+              <a:spcBef>
+                <a:spcPts val="375"/>
+              </a:spcBef>
+              <a:buFont typeface="Arial" panose="020B0604020202020204" pitchFamily="34" charset="0"/>
+              <a:buNone/>
+              <a:defRPr sz="1200" kern="1200">
+                <a:solidFill>
+                  <a:schemeClr val="tx1"/>
+                </a:solidFill>
+                <a:latin typeface="+mn-lt"/>
+                <a:ea typeface="+mn-ea"/>
+                <a:cs typeface="+mn-cs"/>
+              </a:defRPr>
+            </a:lvl8pPr>
+            <a:lvl9pPr marL="2743200" indent="0" algn="ctr" defTabSz="685800" rtl="0" eaLnBrk="1" latinLnBrk="0" hangingPunct="1">
+              <a:lnSpc>
+                <a:spcPct val="90000"/>
+              </a:lnSpc>
+              <a:spcBef>
+                <a:spcPts val="375"/>
+              </a:spcBef>
+              <a:buFont typeface="Arial" panose="020B0604020202020204" pitchFamily="34" charset="0"/>
+              <a:buNone/>
+              <a:defRPr sz="1200" kern="1200">
+                <a:solidFill>
+                  <a:schemeClr val="tx1"/>
+                </a:solidFill>
+                <a:latin typeface="+mn-lt"/>
+                <a:ea typeface="+mn-ea"/>
+                <a:cs typeface="+mn-cs"/>
+              </a:defRPr>
+            </a:lvl9pPr>
+          </a:lstStyle>
+          <a:p>
+            <a:pPr algn="l"/>
+            <a:r>
+              <a:rPr lang="en-US" sz="2800" b="1" dirty="0"/>
+              <a:t>Improving performance</a:t>
+            </a:r>
+          </a:p>
+          <a:p>
+            <a:pPr algn="l"/>
+            <a:r>
+              <a:rPr lang="en-US" sz="2800" b="1" dirty="0"/>
+              <a:t>	</a:t>
+            </a:r>
+            <a:r>
+              <a:rPr lang="en-US" sz="2800" dirty="0"/>
+              <a:t>Bias vs variance</a:t>
+            </a:r>
+            <a:endParaRPr lang="en-US" sz="2800" b="1" dirty="0"/>
+          </a:p>
+          <a:p>
+            <a:pPr algn="l"/>
+            <a:r>
+              <a:rPr lang="en-US" sz="2800" b="1" dirty="0"/>
+              <a:t>	</a:t>
+            </a:r>
+            <a:r>
+              <a:rPr lang="en-US" sz="2800" dirty="0"/>
+              <a:t>Feature selection</a:t>
+            </a:r>
+          </a:p>
+          <a:p>
+            <a:pPr algn="l"/>
+            <a:r>
+              <a:rPr lang="en-US" sz="2800" dirty="0"/>
+              <a:t>	Tree pruning</a:t>
+            </a:r>
+          </a:p>
+          <a:p>
+            <a:pPr algn="l"/>
+            <a:r>
+              <a:rPr lang="en-US" sz="2800" dirty="0"/>
+              <a:t>	Ensemble methods</a:t>
+            </a:r>
+          </a:p>
+          <a:p>
+            <a:pPr algn="l"/>
+            <a:r>
+              <a:rPr lang="en-US" sz="2800" dirty="0"/>
+              <a:t>				</a:t>
+            </a:r>
+          </a:p>
+          <a:p>
+            <a:pPr algn="l"/>
+            <a:r>
+              <a:rPr lang="en-US" sz="2800" dirty="0"/>
+              <a:t>	</a:t>
+            </a:r>
+          </a:p>
+        </p:txBody>
+      </p:sp>
+    </p:spTree>
+    <p:extLst>
+      <p:ext uri="{BB962C8B-B14F-4D97-AF65-F5344CB8AC3E}">
+        <p14:creationId xmlns:p14="http://schemas.microsoft.com/office/powerpoint/2010/main" val="2734512199"/>
+      </p:ext>
+    </p:extLst>
+  </p:cSld>
+  <p:clrMapOvr>
+    <a:masterClrMapping/>
+  </p:clrMapOvr>
+</p:sld>
+</file>
+
+<file path=ppt/slides/slide30.xml><?xml version="1.0" encoding="utf-8"?>
 <p:sld xmlns:a="http://schemas.openxmlformats.org/drawingml/2006/main" xmlns:r="http://schemas.openxmlformats.org/officeDocument/2006/relationships" xmlns:p="http://schemas.openxmlformats.org/presentationml/2006/main">
   <p:cSld>
     <p:bg>
@@ -8475,563 +9026,6 @@
 </p:sld>
 </file>
 
-<file path=ppt/slides/slide3.xml><?xml version="1.0" encoding="utf-8"?>
-<p:sld xmlns:a="http://schemas.openxmlformats.org/drawingml/2006/main" xmlns:r="http://schemas.openxmlformats.org/officeDocument/2006/relationships" xmlns:p="http://schemas.openxmlformats.org/presentationml/2006/main">
-  <p:cSld>
-    <p:bg>
-      <p:bgPr>
-        <a:solidFill>
-          <a:schemeClr val="bg1">
-            <a:lumMod val="85000"/>
-            <a:alpha val="30000"/>
-          </a:schemeClr>
-        </a:solidFill>
-        <a:effectLst/>
-      </p:bgPr>
-    </p:bg>
-    <p:spTree>
-      <p:nvGrpSpPr>
-        <p:cNvPr id="1" name=""/>
-        <p:cNvGrpSpPr/>
-        <p:nvPr/>
-      </p:nvGrpSpPr>
-      <p:grpSpPr>
-        <a:xfrm>
-          <a:off x="0" y="0"/>
-          <a:ext cx="0" cy="0"/>
-          <a:chOff x="0" y="0"/>
-          <a:chExt cx="0" cy="0"/>
-        </a:xfrm>
-      </p:grpSpPr>
-      <p:sp>
-        <p:nvSpPr>
-          <p:cNvPr id="2" name="Title 1">
-            <a:extLst>
-              <a:ext uri="{FF2B5EF4-FFF2-40B4-BE49-F238E27FC236}">
-                <a16:creationId xmlns:a16="http://schemas.microsoft.com/office/drawing/2014/main" id="{66F554E7-E576-3C4D-9CB5-AD8805504562}"/>
-              </a:ext>
-            </a:extLst>
-          </p:cNvPr>
-          <p:cNvSpPr>
-            <a:spLocks noGrp="1"/>
-          </p:cNvSpPr>
-          <p:nvPr>
-            <p:ph type="ctrTitle"/>
-          </p:nvPr>
-        </p:nvSpPr>
-        <p:spPr>
-          <a:xfrm>
-            <a:off x="228600" y="196812"/>
-            <a:ext cx="7772400" cy="918310"/>
-          </a:xfrm>
-        </p:spPr>
-        <p:txBody>
-          <a:bodyPr anchor="t">
-            <a:normAutofit/>
-          </a:bodyPr>
-          <a:lstStyle/>
-          <a:p>
-            <a:pPr algn="l"/>
-            <a:r>
-              <a:rPr lang="en-US" sz="5400" dirty="0"/>
-              <a:t>Overview</a:t>
-            </a:r>
-          </a:p>
-        </p:txBody>
-      </p:sp>
-      <p:sp>
-        <p:nvSpPr>
-          <p:cNvPr id="3" name="Subtitle 2">
-            <a:extLst>
-              <a:ext uri="{FF2B5EF4-FFF2-40B4-BE49-F238E27FC236}">
-                <a16:creationId xmlns:a16="http://schemas.microsoft.com/office/drawing/2014/main" id="{2A85A3FF-8255-A144-A63D-1FEF6D5769AA}"/>
-              </a:ext>
-            </a:extLst>
-          </p:cNvPr>
-          <p:cNvSpPr>
-            <a:spLocks noGrp="1"/>
-          </p:cNvSpPr>
-          <p:nvPr>
-            <p:ph type="subTitle" idx="1"/>
-          </p:nvPr>
-        </p:nvSpPr>
-        <p:spPr>
-          <a:xfrm>
-            <a:off x="395868" y="1282583"/>
-            <a:ext cx="4321098" cy="5017856"/>
-          </a:xfrm>
-        </p:spPr>
-        <p:txBody>
-          <a:bodyPr>
-            <a:noAutofit/>
-          </a:bodyPr>
-          <a:lstStyle/>
-          <a:p>
-            <a:pPr algn="l"/>
-            <a:r>
-              <a:rPr lang="en-US" sz="2800" b="1" dirty="0"/>
-              <a:t>Evaluating performance</a:t>
-            </a:r>
-            <a:endParaRPr lang="en-US" sz="2800" dirty="0"/>
-          </a:p>
-          <a:p>
-            <a:pPr algn="l"/>
-            <a:r>
-              <a:rPr lang="en-US" sz="2800" dirty="0"/>
-              <a:t>	Train/Validate/Test</a:t>
-            </a:r>
-          </a:p>
-          <a:p>
-            <a:pPr algn="l"/>
-            <a:r>
-              <a:rPr lang="en-US" sz="2800" dirty="0"/>
-              <a:t>	Cross-validation</a:t>
-            </a:r>
-          </a:p>
-          <a:p>
-            <a:pPr algn="l"/>
-            <a:r>
-              <a:rPr lang="en-US" sz="2800" dirty="0"/>
-              <a:t>	Regression metrics</a:t>
-            </a:r>
-          </a:p>
-          <a:p>
-            <a:pPr algn="l"/>
-            <a:r>
-              <a:rPr lang="en-US" sz="2800" b="1" dirty="0"/>
-              <a:t>	</a:t>
-            </a:r>
-            <a:r>
-              <a:rPr lang="en-US" sz="2800" dirty="0"/>
-              <a:t>Classification metrics</a:t>
-            </a:r>
-          </a:p>
-          <a:p>
-            <a:pPr algn="l"/>
-            <a:r>
-              <a:rPr lang="en-US" sz="2800" dirty="0"/>
-              <a:t>		ROC curve</a:t>
-            </a:r>
-          </a:p>
-          <a:p>
-            <a:pPr algn="l"/>
-            <a:r>
-              <a:rPr lang="en-US" sz="2800" b="1" dirty="0"/>
-              <a:t>	</a:t>
-            </a:r>
-            <a:r>
-              <a:rPr lang="en-US" sz="2800" dirty="0"/>
-              <a:t>	</a:t>
-            </a:r>
-          </a:p>
-          <a:p>
-            <a:pPr algn="l"/>
-            <a:endParaRPr lang="en-US" sz="2800" b="1" dirty="0"/>
-          </a:p>
-        </p:txBody>
-      </p:sp>
-      <p:sp>
-        <p:nvSpPr>
-          <p:cNvPr id="4" name="Subtitle 2">
-            <a:extLst>
-              <a:ext uri="{FF2B5EF4-FFF2-40B4-BE49-F238E27FC236}">
-                <a16:creationId xmlns:a16="http://schemas.microsoft.com/office/drawing/2014/main" id="{D607EB91-0C0D-0B46-94A4-A2C0DC651540}"/>
-              </a:ext>
-            </a:extLst>
-          </p:cNvPr>
-          <p:cNvSpPr txBox="1">
-            <a:spLocks/>
-          </p:cNvSpPr>
-          <p:nvPr/>
-        </p:nvSpPr>
-        <p:spPr>
-          <a:xfrm>
-            <a:off x="4671433" y="1282583"/>
-            <a:ext cx="4321098" cy="5017856"/>
-          </a:xfrm>
-          <a:prstGeom prst="rect">
-            <a:avLst/>
-          </a:prstGeom>
-        </p:spPr>
-        <p:txBody>
-          <a:bodyPr vert="horz" lIns="91440" tIns="45720" rIns="91440" bIns="45720" rtlCol="0">
-            <a:noAutofit/>
-          </a:bodyPr>
-          <a:lstStyle>
-            <a:lvl1pPr marL="0" indent="0" algn="ctr" defTabSz="685800" rtl="0" eaLnBrk="1" latinLnBrk="0" hangingPunct="1">
-              <a:lnSpc>
-                <a:spcPct val="90000"/>
-              </a:lnSpc>
-              <a:spcBef>
-                <a:spcPts val="750"/>
-              </a:spcBef>
-              <a:buFont typeface="Arial" panose="020B0604020202020204" pitchFamily="34" charset="0"/>
-              <a:buNone/>
-              <a:defRPr sz="1800" kern="1200">
-                <a:solidFill>
-                  <a:schemeClr val="tx1"/>
-                </a:solidFill>
-                <a:latin typeface="+mn-lt"/>
-                <a:ea typeface="+mn-ea"/>
-                <a:cs typeface="+mn-cs"/>
-              </a:defRPr>
-            </a:lvl1pPr>
-            <a:lvl2pPr marL="342900" indent="0" algn="ctr" defTabSz="685800" rtl="0" eaLnBrk="1" latinLnBrk="0" hangingPunct="1">
-              <a:lnSpc>
-                <a:spcPct val="90000"/>
-              </a:lnSpc>
-              <a:spcBef>
-                <a:spcPts val="375"/>
-              </a:spcBef>
-              <a:buFont typeface="Arial" panose="020B0604020202020204" pitchFamily="34" charset="0"/>
-              <a:buNone/>
-              <a:defRPr sz="1500" kern="1200">
-                <a:solidFill>
-                  <a:schemeClr val="tx1"/>
-                </a:solidFill>
-                <a:latin typeface="+mn-lt"/>
-                <a:ea typeface="+mn-ea"/>
-                <a:cs typeface="+mn-cs"/>
-              </a:defRPr>
-            </a:lvl2pPr>
-            <a:lvl3pPr marL="685800" indent="0" algn="ctr" defTabSz="685800" rtl="0" eaLnBrk="1" latinLnBrk="0" hangingPunct="1">
-              <a:lnSpc>
-                <a:spcPct val="90000"/>
-              </a:lnSpc>
-              <a:spcBef>
-                <a:spcPts val="375"/>
-              </a:spcBef>
-              <a:buFont typeface="Arial" panose="020B0604020202020204" pitchFamily="34" charset="0"/>
-              <a:buNone/>
-              <a:defRPr sz="1350" kern="1200">
-                <a:solidFill>
-                  <a:schemeClr val="tx1"/>
-                </a:solidFill>
-                <a:latin typeface="+mn-lt"/>
-                <a:ea typeface="+mn-ea"/>
-                <a:cs typeface="+mn-cs"/>
-              </a:defRPr>
-            </a:lvl3pPr>
-            <a:lvl4pPr marL="1028700" indent="0" algn="ctr" defTabSz="685800" rtl="0" eaLnBrk="1" latinLnBrk="0" hangingPunct="1">
-              <a:lnSpc>
-                <a:spcPct val="90000"/>
-              </a:lnSpc>
-              <a:spcBef>
-                <a:spcPts val="375"/>
-              </a:spcBef>
-              <a:buFont typeface="Arial" panose="020B0604020202020204" pitchFamily="34" charset="0"/>
-              <a:buNone/>
-              <a:defRPr sz="1200" kern="1200">
-                <a:solidFill>
-                  <a:schemeClr val="tx1"/>
-                </a:solidFill>
-                <a:latin typeface="+mn-lt"/>
-                <a:ea typeface="+mn-ea"/>
-                <a:cs typeface="+mn-cs"/>
-              </a:defRPr>
-            </a:lvl4pPr>
-            <a:lvl5pPr marL="1371600" indent="0" algn="ctr" defTabSz="685800" rtl="0" eaLnBrk="1" latinLnBrk="0" hangingPunct="1">
-              <a:lnSpc>
-                <a:spcPct val="90000"/>
-              </a:lnSpc>
-              <a:spcBef>
-                <a:spcPts val="375"/>
-              </a:spcBef>
-              <a:buFont typeface="Arial" panose="020B0604020202020204" pitchFamily="34" charset="0"/>
-              <a:buNone/>
-              <a:defRPr sz="1200" kern="1200">
-                <a:solidFill>
-                  <a:schemeClr val="tx1"/>
-                </a:solidFill>
-                <a:latin typeface="+mn-lt"/>
-                <a:ea typeface="+mn-ea"/>
-                <a:cs typeface="+mn-cs"/>
-              </a:defRPr>
-            </a:lvl5pPr>
-            <a:lvl6pPr marL="1714500" indent="0" algn="ctr" defTabSz="685800" rtl="0" eaLnBrk="1" latinLnBrk="0" hangingPunct="1">
-              <a:lnSpc>
-                <a:spcPct val="90000"/>
-              </a:lnSpc>
-              <a:spcBef>
-                <a:spcPts val="375"/>
-              </a:spcBef>
-              <a:buFont typeface="Arial" panose="020B0604020202020204" pitchFamily="34" charset="0"/>
-              <a:buNone/>
-              <a:defRPr sz="1200" kern="1200">
-                <a:solidFill>
-                  <a:schemeClr val="tx1"/>
-                </a:solidFill>
-                <a:latin typeface="+mn-lt"/>
-                <a:ea typeface="+mn-ea"/>
-                <a:cs typeface="+mn-cs"/>
-              </a:defRPr>
-            </a:lvl6pPr>
-            <a:lvl7pPr marL="2057400" indent="0" algn="ctr" defTabSz="685800" rtl="0" eaLnBrk="1" latinLnBrk="0" hangingPunct="1">
-              <a:lnSpc>
-                <a:spcPct val="90000"/>
-              </a:lnSpc>
-              <a:spcBef>
-                <a:spcPts val="375"/>
-              </a:spcBef>
-              <a:buFont typeface="Arial" panose="020B0604020202020204" pitchFamily="34" charset="0"/>
-              <a:buNone/>
-              <a:defRPr sz="1200" kern="1200">
-                <a:solidFill>
-                  <a:schemeClr val="tx1"/>
-                </a:solidFill>
-                <a:latin typeface="+mn-lt"/>
-                <a:ea typeface="+mn-ea"/>
-                <a:cs typeface="+mn-cs"/>
-              </a:defRPr>
-            </a:lvl7pPr>
-            <a:lvl8pPr marL="2400300" indent="0" algn="ctr" defTabSz="685800" rtl="0" eaLnBrk="1" latinLnBrk="0" hangingPunct="1">
-              <a:lnSpc>
-                <a:spcPct val="90000"/>
-              </a:lnSpc>
-              <a:spcBef>
-                <a:spcPts val="375"/>
-              </a:spcBef>
-              <a:buFont typeface="Arial" panose="020B0604020202020204" pitchFamily="34" charset="0"/>
-              <a:buNone/>
-              <a:defRPr sz="1200" kern="1200">
-                <a:solidFill>
-                  <a:schemeClr val="tx1"/>
-                </a:solidFill>
-                <a:latin typeface="+mn-lt"/>
-                <a:ea typeface="+mn-ea"/>
-                <a:cs typeface="+mn-cs"/>
-              </a:defRPr>
-            </a:lvl8pPr>
-            <a:lvl9pPr marL="2743200" indent="0" algn="ctr" defTabSz="685800" rtl="0" eaLnBrk="1" latinLnBrk="0" hangingPunct="1">
-              <a:lnSpc>
-                <a:spcPct val="90000"/>
-              </a:lnSpc>
-              <a:spcBef>
-                <a:spcPts val="375"/>
-              </a:spcBef>
-              <a:buFont typeface="Arial" panose="020B0604020202020204" pitchFamily="34" charset="0"/>
-              <a:buNone/>
-              <a:defRPr sz="1200" kern="1200">
-                <a:solidFill>
-                  <a:schemeClr val="tx1"/>
-                </a:solidFill>
-                <a:latin typeface="+mn-lt"/>
-                <a:ea typeface="+mn-ea"/>
-                <a:cs typeface="+mn-cs"/>
-              </a:defRPr>
-            </a:lvl9pPr>
-          </a:lstStyle>
-          <a:p>
-            <a:pPr algn="l"/>
-            <a:r>
-              <a:rPr lang="en-US" sz="2800" b="1" dirty="0"/>
-              <a:t>Improving performance</a:t>
-            </a:r>
-          </a:p>
-          <a:p>
-            <a:pPr algn="l"/>
-            <a:r>
-              <a:rPr lang="en-US" sz="2800" b="1" dirty="0"/>
-              <a:t>	</a:t>
-            </a:r>
-            <a:r>
-              <a:rPr lang="en-US" sz="2800" dirty="0"/>
-              <a:t>Bias vs variance</a:t>
-            </a:r>
-            <a:endParaRPr lang="en-US" sz="2800" b="1" dirty="0"/>
-          </a:p>
-          <a:p>
-            <a:pPr algn="l"/>
-            <a:r>
-              <a:rPr lang="en-US" sz="2800" b="1" dirty="0"/>
-              <a:t>	</a:t>
-            </a:r>
-            <a:r>
-              <a:rPr lang="en-US" sz="2800" dirty="0"/>
-              <a:t>Feature selection</a:t>
-            </a:r>
-          </a:p>
-          <a:p>
-            <a:pPr algn="l"/>
-            <a:r>
-              <a:rPr lang="en-US" sz="2800" dirty="0"/>
-              <a:t>	Tree pruning</a:t>
-            </a:r>
-          </a:p>
-          <a:p>
-            <a:pPr algn="l"/>
-            <a:r>
-              <a:rPr lang="en-US" sz="2800" dirty="0"/>
-              <a:t>	Ensemble methods</a:t>
-            </a:r>
-          </a:p>
-          <a:p>
-            <a:pPr algn="l"/>
-            <a:r>
-              <a:rPr lang="en-US" sz="2800" dirty="0"/>
-              <a:t>		Bagging</a:t>
-            </a:r>
-          </a:p>
-          <a:p>
-            <a:pPr algn="l"/>
-            <a:r>
-              <a:rPr lang="en-US" sz="2800" dirty="0"/>
-              <a:t>		Boosting</a:t>
-            </a:r>
-          </a:p>
-          <a:p>
-            <a:pPr algn="l"/>
-            <a:r>
-              <a:rPr lang="en-US" sz="2800" dirty="0"/>
-              <a:t>		</a:t>
-            </a:r>
-          </a:p>
-          <a:p>
-            <a:pPr algn="l"/>
-            <a:r>
-              <a:rPr lang="en-US" sz="2800" dirty="0"/>
-              <a:t>	</a:t>
-            </a:r>
-          </a:p>
-        </p:txBody>
-      </p:sp>
-    </p:spTree>
-    <p:extLst>
-      <p:ext uri="{BB962C8B-B14F-4D97-AF65-F5344CB8AC3E}">
-        <p14:creationId xmlns:p14="http://schemas.microsoft.com/office/powerpoint/2010/main" val="2734512199"/>
-      </p:ext>
-    </p:extLst>
-  </p:cSld>
-  <p:clrMapOvr>
-    <a:masterClrMapping/>
-  </p:clrMapOvr>
-</p:sld>
-</file>
-
-<file path=ppt/slides/slide30.xml><?xml version="1.0" encoding="utf-8"?>
-<p:sld xmlns:a="http://schemas.openxmlformats.org/drawingml/2006/main" xmlns:r="http://schemas.openxmlformats.org/officeDocument/2006/relationships" xmlns:p="http://schemas.openxmlformats.org/presentationml/2006/main">
-  <p:cSld>
-    <p:bg>
-      <p:bgPr>
-        <a:solidFill>
-          <a:schemeClr val="bg1">
-            <a:lumMod val="85000"/>
-            <a:alpha val="30000"/>
-          </a:schemeClr>
-        </a:solidFill>
-        <a:effectLst/>
-      </p:bgPr>
-    </p:bg>
-    <p:spTree>
-      <p:nvGrpSpPr>
-        <p:cNvPr id="1" name=""/>
-        <p:cNvGrpSpPr/>
-        <p:nvPr/>
-      </p:nvGrpSpPr>
-      <p:grpSpPr>
-        <a:xfrm>
-          <a:off x="0" y="0"/>
-          <a:ext cx="0" cy="0"/>
-          <a:chOff x="0" y="0"/>
-          <a:chExt cx="0" cy="0"/>
-        </a:xfrm>
-      </p:grpSpPr>
-      <p:sp>
-        <p:nvSpPr>
-          <p:cNvPr id="2" name="Title 1"/>
-          <p:cNvSpPr>
-            <a:spLocks noGrp="1"/>
-          </p:cNvSpPr>
-          <p:nvPr>
-            <p:ph type="title"/>
-          </p:nvPr>
-        </p:nvSpPr>
-        <p:spPr>
-          <a:xfrm>
-            <a:off x="197556" y="352779"/>
-            <a:ext cx="8641644" cy="968022"/>
-          </a:xfrm>
-        </p:spPr>
-        <p:txBody>
-          <a:bodyPr>
-            <a:normAutofit/>
-          </a:bodyPr>
-          <a:lstStyle/>
-          <a:p>
-            <a:pPr algn="l"/>
-            <a:r>
-              <a:rPr lang="en-US" sz="4000" dirty="0"/>
-              <a:t>Tree pruning</a:t>
-            </a:r>
-          </a:p>
-        </p:txBody>
-      </p:sp>
-      <p:sp>
-        <p:nvSpPr>
-          <p:cNvPr id="3" name="Content Placeholder 2">
-            <a:extLst>
-              <a:ext uri="{FF2B5EF4-FFF2-40B4-BE49-F238E27FC236}">
-                <a16:creationId xmlns:a16="http://schemas.microsoft.com/office/drawing/2014/main" id="{1BC9FFF2-B08C-F644-9A7A-57066C20F81E}"/>
-              </a:ext>
-            </a:extLst>
-          </p:cNvPr>
-          <p:cNvSpPr>
-            <a:spLocks noGrp="1"/>
-          </p:cNvSpPr>
-          <p:nvPr>
-            <p:ph idx="1"/>
-          </p:nvPr>
-        </p:nvSpPr>
-        <p:spPr>
-          <a:xfrm>
-            <a:off x="276578" y="1473200"/>
-            <a:ext cx="8232422" cy="4559300"/>
-          </a:xfrm>
-        </p:spPr>
-        <p:txBody>
-          <a:bodyPr>
-            <a:normAutofit/>
-          </a:bodyPr>
-          <a:lstStyle/>
-          <a:p>
-            <a:pPr marL="0" indent="0">
-              <a:buNone/>
-            </a:pPr>
-            <a:r>
-              <a:rPr lang="en-US" sz="2800" dirty="0"/>
-              <a:t>A deep model is very likely to be overfitted, so will have high variance.</a:t>
-            </a:r>
-          </a:p>
-          <a:p>
-            <a:pPr marL="0" indent="0">
-              <a:buNone/>
-            </a:pPr>
-            <a:endParaRPr lang="en-US" sz="2800" dirty="0"/>
-          </a:p>
-          <a:p>
-            <a:pPr marL="0" indent="0">
-              <a:buNone/>
-            </a:pPr>
-            <a:r>
-              <a:rPr lang="en-US" sz="2800" dirty="0"/>
-              <a:t>By controlling the maximum tree depth, or pruning the last few splits, we can simplify the model to reduce its variance.</a:t>
-            </a:r>
-          </a:p>
-        </p:txBody>
-      </p:sp>
-    </p:spTree>
-    <p:extLst>
-      <p:ext uri="{BB962C8B-B14F-4D97-AF65-F5344CB8AC3E}">
-        <p14:creationId xmlns:p14="http://schemas.microsoft.com/office/powerpoint/2010/main" val="3904379661"/>
-      </p:ext>
-    </p:extLst>
-  </p:cSld>
-  <p:clrMapOvr>
-    <a:masterClrMapping/>
-  </p:clrMapOvr>
-</p:sld>
-</file>
-
 <file path=ppt/slides/slide31.xml><?xml version="1.0" encoding="utf-8"?>
 <p:sld xmlns:a="http://schemas.openxmlformats.org/drawingml/2006/main" xmlns:r="http://schemas.openxmlformats.org/officeDocument/2006/relationships" xmlns:p="http://schemas.openxmlformats.org/presentationml/2006/main">
   <p:cSld>
@@ -9070,29 +9064,35 @@
             <p:ph type="title"/>
           </p:nvPr>
         </p:nvSpPr>
-        <p:spPr/>
+        <p:spPr>
+          <a:xfrm>
+            <a:off x="197556" y="352779"/>
+            <a:ext cx="8641644" cy="968022"/>
+          </a:xfrm>
+        </p:spPr>
         <p:txBody>
           <a:bodyPr>
             <a:normAutofit/>
           </a:bodyPr>
           <a:lstStyle/>
           <a:p>
-            <a:r>
-              <a:rPr lang="en-US" sz="4000" dirty="0">
-                <a:solidFill>
-                  <a:schemeClr val="accent2">
-                    <a:lumMod val="75000"/>
-                  </a:schemeClr>
-                </a:solidFill>
-              </a:rPr>
-              <a:t>Tree pruning exercise</a:t>
-            </a:r>
-          </a:p>
-        </p:txBody>
-      </p:sp>
-      <p:sp>
-        <p:nvSpPr>
-          <p:cNvPr id="3" name="Content Placeholder 2"/>
+            <a:pPr algn="l"/>
+            <a:r>
+              <a:rPr lang="en-US" sz="4000" dirty="0"/>
+              <a:t>Tree pruning</a:t>
+            </a:r>
+          </a:p>
+        </p:txBody>
+      </p:sp>
+      <p:sp>
+        <p:nvSpPr>
+          <p:cNvPr id="3" name="Content Placeholder 2">
+            <a:extLst>
+              <a:ext uri="{FF2B5EF4-FFF2-40B4-BE49-F238E27FC236}">
+                <a16:creationId xmlns:a16="http://schemas.microsoft.com/office/drawing/2014/main" id="{1BC9FFF2-B08C-F644-9A7A-57066C20F81E}"/>
+              </a:ext>
+            </a:extLst>
+          </p:cNvPr>
           <p:cNvSpPr>
             <a:spLocks noGrp="1"/>
           </p:cNvSpPr>
@@ -9102,8 +9102,8 @@
         </p:nvSpPr>
         <p:spPr>
           <a:xfrm>
-            <a:off x="628650" y="1600200"/>
-            <a:ext cx="8324850" cy="2819400"/>
+            <a:off x="276578" y="1473200"/>
+            <a:ext cx="8232422" cy="4559300"/>
           </a:xfrm>
         </p:spPr>
         <p:txBody>
@@ -9117,41 +9117,14 @@
             </a:pPr>
             <a:r>
               <a:rPr lang="en-US" sz="2800" dirty="0"/>
-              <a:t>With the </a:t>
-            </a:r>
-            <a:r>
-              <a:rPr lang="en-US" sz="2800" b="1" dirty="0"/>
-              <a:t>breast cancer </a:t>
-            </a:r>
-            <a:r>
-              <a:rPr lang="en-US" sz="2800" dirty="0"/>
-              <a:t>dataset,</a:t>
+              <a:t>A deep model is very likely to be overfitted, so will have high variance.</a:t>
             </a:r>
           </a:p>
           <a:p>
             <a:pPr marL="0" indent="0">
               <a:buNone/>
             </a:pPr>
-            <a:r>
-              <a:rPr lang="en-US" sz="2800" dirty="0"/>
-              <a:t>	Evaluate the performance of a </a:t>
-            </a:r>
-            <a:r>
-              <a:rPr lang="en-US" sz="2800" i="1" dirty="0"/>
-              <a:t>tree</a:t>
-            </a:r>
-            <a:r>
-              <a:rPr lang="en-US" sz="2800" dirty="0"/>
-              <a:t> for the task of predicting </a:t>
-            </a:r>
-            <a:r>
-              <a:rPr lang="en-US" sz="2800" b="1" dirty="0"/>
-              <a:t>recurrence</a:t>
-            </a:r>
-            <a:r>
-              <a:rPr lang="en-US" sz="2800" dirty="0"/>
-              <a:t>.</a:t>
-            </a:r>
+            <a:endParaRPr lang="en-US" sz="2800" dirty="0"/>
           </a:p>
           <a:p>
             <a:pPr marL="0" indent="0">
@@ -9159,7 +9132,7 @@
             </a:pPr>
             <a:r>
               <a:rPr lang="en-US" sz="2800" dirty="0"/>
-              <a:t>	Can you improve performance by limiting the depth of the tree?</a:t>
+              <a:t>By controlling the maximum tree depth, or pruning the last few splits, we can simplify the model to reduce its variance.</a:t>
             </a:r>
           </a:p>
         </p:txBody>
@@ -9167,7 +9140,7 @@
     </p:spTree>
     <p:extLst>
       <p:ext uri="{BB962C8B-B14F-4D97-AF65-F5344CB8AC3E}">
-        <p14:creationId xmlns:p14="http://schemas.microsoft.com/office/powerpoint/2010/main" val="3176823277"/>
+        <p14:creationId xmlns:p14="http://schemas.microsoft.com/office/powerpoint/2010/main" val="3904379661"/>
       </p:ext>
     </p:extLst>
   </p:cSld>
@@ -9215,35 +9188,29 @@
             <p:ph type="title"/>
           </p:nvPr>
         </p:nvSpPr>
-        <p:spPr>
-          <a:xfrm>
-            <a:off x="95956" y="165100"/>
-            <a:ext cx="8641644" cy="1282700"/>
-          </a:xfrm>
-        </p:spPr>
+        <p:spPr/>
         <p:txBody>
           <a:bodyPr>
             <a:normAutofit/>
           </a:bodyPr>
           <a:lstStyle/>
           <a:p>
-            <a:pPr algn="l"/>
-            <a:r>
-              <a:rPr lang="en-US" sz="4000" dirty="0"/>
-              <a:t>Ensemble methods</a:t>
-            </a:r>
-          </a:p>
-        </p:txBody>
-      </p:sp>
-      <p:sp>
-        <p:nvSpPr>
-          <p:cNvPr id="3" name="Content Placeholder 2">
-            <a:extLst>
-              <a:ext uri="{FF2B5EF4-FFF2-40B4-BE49-F238E27FC236}">
-                <a16:creationId xmlns:a16="http://schemas.microsoft.com/office/drawing/2014/main" id="{AA32C3C7-8DBC-5F41-9C83-D30DB4109033}"/>
-              </a:ext>
-            </a:extLst>
-          </p:cNvPr>
+            <a:r>
+              <a:rPr lang="en-US" sz="4000" dirty="0">
+                <a:solidFill>
+                  <a:schemeClr val="accent2">
+                    <a:lumMod val="75000"/>
+                  </a:schemeClr>
+                </a:solidFill>
+              </a:rPr>
+              <a:t>Tree pruning exercise</a:t>
+            </a:r>
+          </a:p>
+        </p:txBody>
+      </p:sp>
+      <p:sp>
+        <p:nvSpPr>
+          <p:cNvPr id="3" name="Content Placeholder 2"/>
           <p:cNvSpPr>
             <a:spLocks noGrp="1"/>
           </p:cNvSpPr>
@@ -9253,8 +9220,8 @@
         </p:nvSpPr>
         <p:spPr>
           <a:xfrm>
-            <a:off x="406400" y="1574800"/>
-            <a:ext cx="8534400" cy="4940300"/>
+            <a:off x="628650" y="1600200"/>
+            <a:ext cx="8324850" cy="2819400"/>
           </a:xfrm>
         </p:spPr>
         <p:txBody>
@@ -9268,14 +9235,41 @@
             </a:pPr>
             <a:r>
               <a:rPr lang="en-US" sz="2800" dirty="0"/>
-              <a:t>In an ensemble method, we combine multiple weak learners to produce an overall strong learner. Usually the component models are all of the same type.</a:t>
+              <a:t>With the </a:t>
+            </a:r>
+            <a:r>
+              <a:rPr lang="en-US" sz="2800" b="1" dirty="0"/>
+              <a:t>breast cancer </a:t>
+            </a:r>
+            <a:r>
+              <a:rPr lang="en-US" sz="2800" dirty="0"/>
+              <a:t>dataset,</a:t>
             </a:r>
           </a:p>
           <a:p>
             <a:pPr marL="0" indent="0">
               <a:buNone/>
             </a:pPr>
-            <a:endParaRPr lang="en-US" sz="2800" b="1" dirty="0"/>
+            <a:r>
+              <a:rPr lang="en-US" sz="2800" dirty="0"/>
+              <a:t>	Evaluate the performance of a </a:t>
+            </a:r>
+            <a:r>
+              <a:rPr lang="en-US" sz="2800" i="1" dirty="0"/>
+              <a:t>tree</a:t>
+            </a:r>
+            <a:r>
+              <a:rPr lang="en-US" sz="2800" dirty="0"/>
+              <a:t> for the task of predicting </a:t>
+            </a:r>
+            <a:r>
+              <a:rPr lang="en-US" sz="2800" b="1" dirty="0"/>
+              <a:t>recurrence</a:t>
+            </a:r>
+            <a:r>
+              <a:rPr lang="en-US" sz="2800" dirty="0"/>
+              <a:t>.</a:t>
+            </a:r>
           </a:p>
           <a:p>
             <a:pPr marL="0" indent="0">
@@ -9283,73 +9277,15 @@
             </a:pPr>
             <a:r>
               <a:rPr lang="en-US" sz="2800" dirty="0"/>
-              <a:t>We will need to choose</a:t>
-            </a:r>
-          </a:p>
-          <a:p>
-            <a:pPr marL="0" indent="0">
-              <a:buNone/>
-            </a:pPr>
-            <a:r>
-              <a:rPr lang="en-US" sz="2800" dirty="0"/>
-              <a:t>	the base model, and</a:t>
-            </a:r>
-          </a:p>
-          <a:p>
-            <a:pPr marL="0" indent="0">
-              <a:buNone/>
-            </a:pPr>
-            <a:r>
-              <a:rPr lang="en-US" sz="2800" dirty="0"/>
-              <a:t>	the way in which models are combined	</a:t>
-            </a:r>
-          </a:p>
-          <a:p>
-            <a:pPr marL="0" indent="0">
-              <a:buNone/>
-            </a:pPr>
-            <a:r>
-              <a:rPr lang="en-US" sz="2800" dirty="0"/>
-              <a:t>		here we will consider </a:t>
-            </a:r>
-            <a:r>
-              <a:rPr lang="en-US" sz="2800" b="1" dirty="0"/>
-              <a:t>bagging </a:t>
-            </a:r>
-            <a:r>
-              <a:rPr lang="en-US" sz="2800" dirty="0"/>
-              <a:t>and </a:t>
-            </a:r>
-            <a:r>
-              <a:rPr lang="en-US" sz="2800" b="1" dirty="0"/>
-              <a:t>boosting.</a:t>
-            </a:r>
-            <a:endParaRPr lang="en-US" sz="2800" dirty="0"/>
-          </a:p>
-          <a:p>
-            <a:pPr marL="0" indent="0">
-              <a:buNone/>
-            </a:pPr>
-            <a:endParaRPr lang="en-US" sz="2800" dirty="0"/>
-          </a:p>
-          <a:p>
-            <a:pPr marL="0" indent="0">
-              <a:buNone/>
-            </a:pPr>
-            <a:endParaRPr lang="en-US" sz="2800" dirty="0"/>
-          </a:p>
-          <a:p>
-            <a:pPr marL="0" indent="0">
-              <a:buNone/>
-            </a:pPr>
-            <a:endParaRPr lang="en-US" sz="2800" dirty="0"/>
+              <a:t>	Can you improve performance by limiting the depth of the tree?</a:t>
+            </a:r>
           </a:p>
         </p:txBody>
       </p:sp>
     </p:spTree>
     <p:extLst>
       <p:ext uri="{BB962C8B-B14F-4D97-AF65-F5344CB8AC3E}">
-        <p14:creationId xmlns:p14="http://schemas.microsoft.com/office/powerpoint/2010/main" val="2781199841"/>
+        <p14:creationId xmlns:p14="http://schemas.microsoft.com/office/powerpoint/2010/main" val="3176823277"/>
       </p:ext>
     </p:extLst>
   </p:cSld>
@@ -9412,7 +9348,7 @@
             <a:pPr algn="l"/>
             <a:r>
               <a:rPr lang="en-US" sz="4000" dirty="0"/>
-              <a:t>Bagging</a:t>
+              <a:t>Ensemble methods</a:t>
             </a:r>
           </a:p>
         </p:txBody>
@@ -9436,12 +9372,12 @@
         <p:spPr>
           <a:xfrm>
             <a:off x="406400" y="1574800"/>
-            <a:ext cx="8547100" cy="4711700"/>
+            <a:ext cx="8534400" cy="4940300"/>
           </a:xfrm>
         </p:spPr>
         <p:txBody>
           <a:bodyPr>
-            <a:normAutofit lnSpcReduction="10000"/>
+            <a:normAutofit/>
           </a:bodyPr>
           <a:lstStyle/>
           <a:p>
@@ -9450,50 +9386,32 @@
             </a:pPr>
             <a:r>
               <a:rPr lang="en-US" sz="2800" dirty="0"/>
-              <a:t>”Bagging” refers to </a:t>
-            </a:r>
-            <a:r>
-              <a:rPr lang="en-US" sz="2800" b="1" dirty="0"/>
-              <a:t>bootstrap aggregating</a:t>
-            </a:r>
-            <a:r>
-              <a:rPr lang="en-US" sz="2800" dirty="0"/>
-              <a:t>, i.e. a way to train many different versions of a model </a:t>
-            </a:r>
-            <a:r>
-              <a:rPr lang="en-US" sz="2800" i="1" dirty="0"/>
-              <a:t>in parallel</a:t>
-            </a:r>
-            <a:r>
-              <a:rPr lang="en-US" sz="2800" dirty="0"/>
-              <a:t>, then combine them to (hopefully) generate an ensemble model that has less variance than each component model.</a:t>
+              <a:t>In an ensemble method, we combine multiple weak learners to produce an overall strong learner. Usually the component models are all of the same type.</a:t>
             </a:r>
           </a:p>
           <a:p>
             <a:pPr marL="0" indent="0">
               <a:buNone/>
             </a:pPr>
-            <a:endParaRPr lang="en-US" sz="2800" dirty="0"/>
+            <a:endParaRPr lang="en-US" sz="2800" b="1" dirty="0"/>
           </a:p>
           <a:p>
             <a:pPr marL="0" indent="0">
               <a:buNone/>
             </a:pPr>
             <a:r>
-              <a:rPr lang="en-US" sz="2800" b="1" dirty="0"/>
-              <a:t>Bootstrap sampling</a:t>
-            </a:r>
-            <a:r>
-              <a:rPr lang="en-US" sz="2800" dirty="0"/>
-              <a:t> just means to sample data with replacement. This is a way to generate multiple datasets with similar properties to the original training data.</a:t>
-            </a:r>
-            <a:endParaRPr lang="en-US" sz="2800" b="1" dirty="0"/>
+              <a:rPr lang="en-US" sz="2800" dirty="0"/>
+              <a:t>We will need to choose</a:t>
+            </a:r>
           </a:p>
           <a:p>
             <a:pPr marL="0" indent="0">
               <a:buNone/>
             </a:pPr>
-            <a:endParaRPr lang="en-US" sz="2800" dirty="0"/>
+            <a:r>
+              <a:rPr lang="en-US" sz="2800" dirty="0"/>
+              <a:t>	the base model, and</a:t>
+            </a:r>
           </a:p>
           <a:p>
             <a:pPr marL="0" indent="0">
@@ -9501,7 +9419,16 @@
             </a:pPr>
             <a:r>
               <a:rPr lang="en-US" sz="2800" dirty="0"/>
-              <a:t>Once trained, the overall prediction of the ensemble on the testing data is obtained by majority voting.</a:t>
+              <a:t>	the way in which models are combined	</a:t>
+            </a:r>
+          </a:p>
+          <a:p>
+            <a:pPr marL="0" indent="0">
+              <a:buNone/>
+            </a:pPr>
+            <a:r>
+              <a:rPr lang="en-US" sz="2800" dirty="0"/>
+              <a:t>		</a:t>
             </a:r>
           </a:p>
           <a:p>
@@ -9521,7 +9448,7 @@
     </p:spTree>
     <p:extLst>
       <p:ext uri="{BB962C8B-B14F-4D97-AF65-F5344CB8AC3E}">
-        <p14:creationId xmlns:p14="http://schemas.microsoft.com/office/powerpoint/2010/main" val="481872275"/>
+        <p14:creationId xmlns:p14="http://schemas.microsoft.com/office/powerpoint/2010/main" val="2781199841"/>
       </p:ext>
     </p:extLst>
   </p:cSld>
@@ -9584,7 +9511,7 @@
             <a:pPr algn="l"/>
             <a:r>
               <a:rPr lang="en-US" sz="4000" dirty="0"/>
-              <a:t>Random forest</a:t>
+              <a:t>Bagging</a:t>
             </a:r>
           </a:p>
         </p:txBody>
@@ -9608,12 +9535,12 @@
         <p:spPr>
           <a:xfrm>
             <a:off x="406400" y="1574800"/>
-            <a:ext cx="8641644" cy="5118100"/>
+            <a:ext cx="8547100" cy="4711700"/>
           </a:xfrm>
         </p:spPr>
         <p:txBody>
           <a:bodyPr>
-            <a:normAutofit/>
+            <a:normAutofit lnSpcReduction="10000"/>
           </a:bodyPr>
           <a:lstStyle/>
           <a:p>
@@ -9622,42 +9549,23 @@
             </a:pPr>
             <a:r>
               <a:rPr lang="en-US" sz="2800" dirty="0"/>
-              <a:t>A very popular bagging method is called </a:t>
+              <a:t>”Bagging” refers to </a:t>
             </a:r>
             <a:r>
               <a:rPr lang="en-US" sz="2800" b="1" dirty="0"/>
-              <a:t>random forest.</a:t>
-            </a:r>
-          </a:p>
-          <a:p>
-            <a:pPr marL="0" indent="0">
-              <a:buNone/>
-            </a:pPr>
-            <a:endParaRPr lang="en-US" sz="2800" b="1" dirty="0"/>
-          </a:p>
-          <a:p>
-            <a:pPr marL="0" indent="0">
-              <a:buNone/>
-            </a:pPr>
-            <a:r>
-              <a:rPr lang="en-US" sz="2800" dirty="0"/>
-              <a:t>This is an ensemble of </a:t>
+              <a:t>bootstrap aggregating</a:t>
+            </a:r>
+            <a:r>
+              <a:rPr lang="en-US" sz="2800" dirty="0"/>
+              <a:t>, i.e. a way to train many different versions of a model </a:t>
             </a:r>
             <a:r>
               <a:rPr lang="en-US" sz="2800" i="1" dirty="0"/>
-              <a:t>trees</a:t>
-            </a:r>
-            <a:r>
-              <a:rPr lang="en-US" sz="2800" dirty="0"/>
-              <a:t>, each built from a different </a:t>
-            </a:r>
-            <a:r>
-              <a:rPr lang="en-US" sz="2800" b="1" dirty="0"/>
-              <a:t>bootstrap sample</a:t>
-            </a:r>
-            <a:r>
-              <a:rPr lang="en-US" sz="2800" dirty="0"/>
-              <a:t> from the training data.</a:t>
+              <a:t>in parallel</a:t>
+            </a:r>
+            <a:r>
+              <a:rPr lang="en-US" sz="2800" dirty="0"/>
+              <a:t>, then combine them to (hopefully) generate an ensemble model that has less variance than each component model.</a:t>
             </a:r>
           </a:p>
           <a:p>
@@ -9671,17 +9579,14 @@
               <a:buNone/>
             </a:pPr>
             <a:r>
-              <a:rPr lang="en-US" sz="2800" dirty="0"/>
-              <a:t>At each split in the tree-building process, the algorithm chooses a </a:t>
-            </a:r>
-            <a:r>
               <a:rPr lang="en-US" sz="2800" b="1" dirty="0"/>
-              <a:t>random subspace of features </a:t>
-            </a:r>
-            <a:r>
-              <a:rPr lang="en-US" sz="2800" dirty="0"/>
-              <a:t>to consider. This ensures that each tree is sufficiently different from the others.</a:t>
-            </a:r>
+              <a:t>Bootstrap sampling</a:t>
+            </a:r>
+            <a:r>
+              <a:rPr lang="en-US" sz="2800" dirty="0"/>
+              <a:t> just means to sample data with replacement. This is a way to generate multiple datasets with similar properties to the original training data.</a:t>
+            </a:r>
+            <a:endParaRPr lang="en-US" sz="2800" b="1" dirty="0"/>
           </a:p>
           <a:p>
             <a:pPr marL="0" indent="0">
@@ -9693,13 +9598,10 @@
             <a:pPr marL="0" indent="0">
               <a:buNone/>
             </a:pPr>
-            <a:endParaRPr lang="en-US" sz="2800" dirty="0"/>
-          </a:p>
-          <a:p>
-            <a:pPr marL="0" indent="0">
-              <a:buNone/>
-            </a:pPr>
-            <a:endParaRPr lang="en-US" sz="2800" dirty="0"/>
+            <a:r>
+              <a:rPr lang="en-US" sz="2800" dirty="0"/>
+              <a:t>Once trained, the overall prediction of the ensemble on the testing data is obtained by majority voting.</a:t>
+            </a:r>
           </a:p>
           <a:p>
             <a:pPr marL="0" indent="0">
@@ -9718,7 +9620,7 @@
     </p:spTree>
     <p:extLst>
       <p:ext uri="{BB962C8B-B14F-4D97-AF65-F5344CB8AC3E}">
-        <p14:creationId xmlns:p14="http://schemas.microsoft.com/office/powerpoint/2010/main" val="417703651"/>
+        <p14:creationId xmlns:p14="http://schemas.microsoft.com/office/powerpoint/2010/main" val="481872275"/>
       </p:ext>
     </p:extLst>
   </p:cSld>
@@ -9768,8 +9670,8 @@
         </p:nvSpPr>
         <p:spPr>
           <a:xfrm>
-            <a:off x="120650" y="215900"/>
-            <a:ext cx="7886700" cy="1325563"/>
+            <a:off x="95956" y="165100"/>
+            <a:ext cx="8641644" cy="1282700"/>
           </a:xfrm>
         </p:spPr>
         <p:txBody>
@@ -9778,22 +9680,23 @@
           </a:bodyPr>
           <a:lstStyle/>
           <a:p>
-            <a:r>
-              <a:rPr lang="en-US" sz="4000" dirty="0">
-                <a:solidFill>
-                  <a:schemeClr val="accent2">
-                    <a:lumMod val="75000"/>
-                  </a:schemeClr>
-                </a:solidFill>
-              </a:rPr>
-              <a:t>Trees vs forest example</a:t>
-            </a:r>
-          </a:p>
-        </p:txBody>
-      </p:sp>
-      <p:sp>
-        <p:nvSpPr>
-          <p:cNvPr id="3" name="Content Placeholder 2"/>
+            <a:pPr algn="l"/>
+            <a:r>
+              <a:rPr lang="en-US" sz="4000" dirty="0"/>
+              <a:t>Random forest</a:t>
+            </a:r>
+          </a:p>
+        </p:txBody>
+      </p:sp>
+      <p:sp>
+        <p:nvSpPr>
+          <p:cNvPr id="3" name="Content Placeholder 2">
+            <a:extLst>
+              <a:ext uri="{FF2B5EF4-FFF2-40B4-BE49-F238E27FC236}">
+                <a16:creationId xmlns:a16="http://schemas.microsoft.com/office/drawing/2014/main" id="{AA32C3C7-8DBC-5F41-9C83-D30DB4109033}"/>
+              </a:ext>
+            </a:extLst>
+          </p:cNvPr>
           <p:cNvSpPr>
             <a:spLocks noGrp="1"/>
           </p:cNvSpPr>
@@ -9803,8 +9706,8 @@
         </p:nvSpPr>
         <p:spPr>
           <a:xfrm>
-            <a:off x="628650" y="1600200"/>
-            <a:ext cx="8350250" cy="5041900"/>
+            <a:off x="406400" y="1574800"/>
+            <a:ext cx="8641644" cy="5118100"/>
           </a:xfrm>
         </p:spPr>
         <p:txBody>
@@ -9818,25 +9721,18 @@
             </a:pPr>
             <a:r>
               <a:rPr lang="en-US" sz="2800" dirty="0"/>
-              <a:t>With the </a:t>
+              <a:t>A very popular bagging method is called </a:t>
             </a:r>
             <a:r>
               <a:rPr lang="en-US" sz="2800" b="1" dirty="0"/>
-              <a:t>breast cancer </a:t>
-            </a:r>
-            <a:r>
-              <a:rPr lang="en-US" sz="2800" dirty="0"/>
-              <a:t>dataset,</a:t>
+              <a:t>random forest.</a:t>
             </a:r>
           </a:p>
           <a:p>
             <a:pPr marL="0" indent="0">
               <a:buNone/>
             </a:pPr>
-            <a:r>
-              <a:rPr lang="en-US" sz="2800" dirty="0"/>
-              <a:t>	Set aside test and validation datasets.</a:t>
-            </a:r>
+            <a:endParaRPr lang="en-US" sz="2800" b="1" dirty="0"/>
           </a:p>
           <a:p>
             <a:pPr marL="0" indent="0">
@@ -9844,24 +9740,7 @@
             </a:pPr>
             <a:r>
               <a:rPr lang="en-US" sz="2800" dirty="0"/>
-              <a:t>	Use </a:t>
-            </a:r>
-            <a:r>
-              <a:rPr lang="en-US" sz="2800" i="1" dirty="0"/>
-              <a:t>data samplers</a:t>
-            </a:r>
-            <a:r>
-              <a:rPr lang="en-US" sz="2800" dirty="0"/>
-              <a:t> to create three bootstrap datasets from the remaining training data. </a:t>
-            </a:r>
-          </a:p>
-          <a:p>
-            <a:pPr marL="0" indent="0">
-              <a:buNone/>
-            </a:pPr>
-            <a:r>
-              <a:rPr lang="en-US" sz="2800" dirty="0"/>
-              <a:t>	Train three corresponding </a:t>
+              <a:t>This is an ensemble of </a:t>
             </a:r>
             <a:r>
               <a:rPr lang="en-US" sz="2800" i="1" dirty="0"/>
@@ -9869,40 +9748,76 @@
             </a:r>
             <a:r>
               <a:rPr lang="en-US" sz="2800" dirty="0"/>
-              <a:t> to predict </a:t>
+              <a:t>, each built from a different </a:t>
             </a:r>
             <a:r>
               <a:rPr lang="en-US" sz="2800" b="1" dirty="0"/>
-              <a:t>recurrence</a:t>
-            </a:r>
-            <a:r>
-              <a:rPr lang="en-US" sz="2800" dirty="0"/>
-              <a:t> on the validation data and compare results. Would an ensemble model with majority vote improve performance?</a:t>
+              <a:t>bootstrap sample</a:t>
+            </a:r>
+            <a:r>
+              <a:rPr lang="en-US" sz="2800" dirty="0"/>
+              <a:t> from the training data.</a:t>
             </a:r>
           </a:p>
           <a:p>
             <a:pPr marL="0" indent="0">
               <a:buNone/>
             </a:pPr>
-            <a:r>
-              <a:rPr lang="en-US" sz="2800" dirty="0"/>
-              <a:t>	Use the </a:t>
-            </a:r>
-            <a:r>
-              <a:rPr lang="en-US" sz="2800" i="1" dirty="0"/>
-              <a:t>random forest</a:t>
-            </a:r>
-            <a:r>
-              <a:rPr lang="en-US" sz="2800" dirty="0"/>
-              <a:t> to explore what happens when we introduce the random subspace method and supply more trees to the ensemble.</a:t>
-            </a:r>
+            <a:endParaRPr lang="en-US" sz="2800" dirty="0"/>
+          </a:p>
+          <a:p>
+            <a:pPr marL="0" indent="0">
+              <a:buNone/>
+            </a:pPr>
+            <a:r>
+              <a:rPr lang="en-US" sz="2800" dirty="0"/>
+              <a:t>At each split in the tree-building process, the algorithm chooses a </a:t>
+            </a:r>
+            <a:r>
+              <a:rPr lang="en-US" sz="2800" b="1" dirty="0"/>
+              <a:t>random subspace of features </a:t>
+            </a:r>
+            <a:r>
+              <a:rPr lang="en-US" sz="2800" dirty="0"/>
+              <a:t>to consider. This ensures that each tree is sufficiently different from the others.</a:t>
+            </a:r>
+          </a:p>
+          <a:p>
+            <a:pPr marL="0" indent="0">
+              <a:buNone/>
+            </a:pPr>
+            <a:endParaRPr lang="en-US" sz="2800" dirty="0"/>
+          </a:p>
+          <a:p>
+            <a:pPr marL="0" indent="0">
+              <a:buNone/>
+            </a:pPr>
+            <a:endParaRPr lang="en-US" sz="2800" dirty="0"/>
+          </a:p>
+          <a:p>
+            <a:pPr marL="0" indent="0">
+              <a:buNone/>
+            </a:pPr>
+            <a:endParaRPr lang="en-US" sz="2800" dirty="0"/>
+          </a:p>
+          <a:p>
+            <a:pPr marL="0" indent="0">
+              <a:buNone/>
+            </a:pPr>
+            <a:endParaRPr lang="en-US" sz="2800" dirty="0"/>
+          </a:p>
+          <a:p>
+            <a:pPr marL="0" indent="0">
+              <a:buNone/>
+            </a:pPr>
+            <a:endParaRPr lang="en-US" sz="2800" dirty="0"/>
           </a:p>
         </p:txBody>
       </p:sp>
     </p:spTree>
     <p:extLst>
       <p:ext uri="{BB962C8B-B14F-4D97-AF65-F5344CB8AC3E}">
-        <p14:creationId xmlns:p14="http://schemas.microsoft.com/office/powerpoint/2010/main" val="1228875611"/>
+        <p14:creationId xmlns:p14="http://schemas.microsoft.com/office/powerpoint/2010/main" val="417703651"/>
       </p:ext>
     </p:extLst>
   </p:cSld>
@@ -9952,8 +9867,8 @@
         </p:nvSpPr>
         <p:spPr>
           <a:xfrm>
-            <a:off x="95956" y="165100"/>
-            <a:ext cx="8641644" cy="1282700"/>
+            <a:off x="120650" y="215900"/>
+            <a:ext cx="7886700" cy="1325563"/>
           </a:xfrm>
         </p:spPr>
         <p:txBody>
@@ -9962,23 +9877,22 @@
           </a:bodyPr>
           <a:lstStyle/>
           <a:p>
-            <a:pPr algn="l"/>
-            <a:r>
-              <a:rPr lang="en-US" sz="4000" dirty="0"/>
-              <a:t>Boosting</a:t>
-            </a:r>
-          </a:p>
-        </p:txBody>
-      </p:sp>
-      <p:sp>
-        <p:nvSpPr>
-          <p:cNvPr id="3" name="Content Placeholder 2">
-            <a:extLst>
-              <a:ext uri="{FF2B5EF4-FFF2-40B4-BE49-F238E27FC236}">
-                <a16:creationId xmlns:a16="http://schemas.microsoft.com/office/drawing/2014/main" id="{AA32C3C7-8DBC-5F41-9C83-D30DB4109033}"/>
-              </a:ext>
-            </a:extLst>
-          </p:cNvPr>
+            <a:r>
+              <a:rPr lang="en-US" sz="4000" dirty="0">
+                <a:solidFill>
+                  <a:schemeClr val="accent2">
+                    <a:lumMod val="75000"/>
+                  </a:schemeClr>
+                </a:solidFill>
+              </a:rPr>
+              <a:t>Trees vs forest example</a:t>
+            </a:r>
+          </a:p>
+        </p:txBody>
+      </p:sp>
+      <p:sp>
+        <p:nvSpPr>
+          <p:cNvPr id="3" name="Content Placeholder 2"/>
           <p:cNvSpPr>
             <a:spLocks noGrp="1"/>
           </p:cNvSpPr>
@@ -9988,13 +9902,13 @@
         </p:nvSpPr>
         <p:spPr>
           <a:xfrm>
-            <a:off x="406400" y="1574800"/>
-            <a:ext cx="8547100" cy="4711700"/>
+            <a:off x="628650" y="1600200"/>
+            <a:ext cx="8350250" cy="5041900"/>
           </a:xfrm>
         </p:spPr>
         <p:txBody>
           <a:bodyPr>
-            <a:normAutofit lnSpcReduction="10000"/>
+            <a:normAutofit/>
           </a:bodyPr>
           <a:lstStyle/>
           <a:p>
@@ -10003,80 +9917,91 @@
             </a:pPr>
             <a:r>
               <a:rPr lang="en-US" sz="2800" dirty="0"/>
-              <a:t>In contrast to the parallel training performed in bagging, “boosting” methods train multiple models </a:t>
+              <a:t>With the </a:t>
+            </a:r>
+            <a:r>
+              <a:rPr lang="en-US" sz="2800" b="1" dirty="0"/>
+              <a:t>breast cancer </a:t>
+            </a:r>
+            <a:r>
+              <a:rPr lang="en-US" sz="2800" dirty="0"/>
+              <a:t>dataset,</a:t>
+            </a:r>
+          </a:p>
+          <a:p>
+            <a:pPr marL="0" indent="0">
+              <a:buNone/>
+            </a:pPr>
+            <a:r>
+              <a:rPr lang="en-US" sz="2800" dirty="0"/>
+              <a:t>	Set aside test and validation datasets.</a:t>
+            </a:r>
+          </a:p>
+          <a:p>
+            <a:pPr marL="0" indent="0">
+              <a:buNone/>
+            </a:pPr>
+            <a:r>
+              <a:rPr lang="en-US" sz="2800" dirty="0"/>
+              <a:t>	Use </a:t>
             </a:r>
             <a:r>
               <a:rPr lang="en-US" sz="2800" i="1" dirty="0"/>
-              <a:t>sequentially. </a:t>
-            </a:r>
-            <a:r>
-              <a:rPr lang="en-US" sz="2800" dirty="0"/>
-              <a:t>The aim is to produce an ensemble model that is </a:t>
+              <a:t>data samplers</a:t>
+            </a:r>
+            <a:r>
+              <a:rPr lang="en-US" sz="2800" dirty="0"/>
+              <a:t> to create three bootstrap datasets from the remaining training data. </a:t>
+            </a:r>
+          </a:p>
+          <a:p>
+            <a:pPr marL="0" indent="0">
+              <a:buNone/>
+            </a:pPr>
+            <a:r>
+              <a:rPr lang="en-US" sz="2800" dirty="0"/>
+              <a:t>	Train three corresponding </a:t>
             </a:r>
             <a:r>
               <a:rPr lang="en-US" sz="2800" i="1" dirty="0"/>
-              <a:t>less biased</a:t>
-            </a:r>
-            <a:r>
-              <a:rPr lang="en-US" sz="2800" dirty="0"/>
-              <a:t> than the base model.</a:t>
+              <a:t>trees</a:t>
+            </a:r>
+            <a:r>
+              <a:rPr lang="en-US" sz="2800" dirty="0"/>
+              <a:t> to predict </a:t>
+            </a:r>
+            <a:r>
+              <a:rPr lang="en-US" sz="2800" b="1" dirty="0"/>
+              <a:t>recurrence</a:t>
+            </a:r>
+            <a:r>
+              <a:rPr lang="en-US" sz="2800" dirty="0"/>
+              <a:t> on the validation data and compare results. Would an ensemble model with majority vote improve performance?</a:t>
             </a:r>
           </a:p>
           <a:p>
             <a:pPr marL="0" indent="0">
               <a:buNone/>
             </a:pPr>
-            <a:endParaRPr lang="en-US" sz="2800" dirty="0"/>
-          </a:p>
-          <a:p>
-            <a:pPr marL="0" indent="0">
-              <a:buNone/>
-            </a:pPr>
-            <a:r>
-              <a:rPr lang="en-US" sz="2800" dirty="0"/>
-              <a:t>The basic idea is that each model in the sequence gives more importance to the training examples that were poorly predicted by the model before.</a:t>
-            </a:r>
-          </a:p>
-          <a:p>
-            <a:pPr marL="0" indent="0">
-              <a:buNone/>
-            </a:pPr>
-            <a:endParaRPr lang="en-US" sz="2800" dirty="0"/>
-          </a:p>
-          <a:p>
-            <a:pPr marL="0" indent="0">
-              <a:buNone/>
-            </a:pPr>
-            <a:r>
-              <a:rPr lang="en-US" sz="2800" b="1" dirty="0"/>
-              <a:t>AdaBoost </a:t>
-            </a:r>
-            <a:r>
-              <a:rPr lang="en-US" sz="2800" dirty="0"/>
-              <a:t>is an example of a boosting algorithm, which is often used with </a:t>
+            <a:r>
+              <a:rPr lang="en-US" sz="2800" dirty="0"/>
+              <a:t>	Use the </a:t>
             </a:r>
             <a:r>
               <a:rPr lang="en-US" sz="2800" i="1" dirty="0"/>
-              <a:t>decision stumps</a:t>
-            </a:r>
-            <a:r>
-              <a:rPr lang="en-US" sz="2800" dirty="0"/>
-              <a:t> as the base model.</a:t>
-            </a:r>
-            <a:endParaRPr lang="en-US" sz="2800" b="1" dirty="0"/>
-          </a:p>
-          <a:p>
-            <a:pPr marL="0" indent="0">
-              <a:buNone/>
-            </a:pPr>
-            <a:endParaRPr lang="en-US" sz="2800" dirty="0"/>
+              <a:t>random forest</a:t>
+            </a:r>
+            <a:r>
+              <a:rPr lang="en-US" sz="2800" dirty="0"/>
+              <a:t> to explore what happens when we introduce the random subspace method and supply more trees to the ensemble.</a:t>
+            </a:r>
           </a:p>
         </p:txBody>
       </p:sp>
     </p:spTree>
     <p:extLst>
       <p:ext uri="{BB962C8B-B14F-4D97-AF65-F5344CB8AC3E}">
-        <p14:creationId xmlns:p14="http://schemas.microsoft.com/office/powerpoint/2010/main" val="71205031"/>
+        <p14:creationId xmlns:p14="http://schemas.microsoft.com/office/powerpoint/2010/main" val="1228875611"/>
       </p:ext>
     </p:extLst>
   </p:cSld>
@@ -10552,27 +10477,11 @@
             </a:pPr>
             <a:r>
               <a:rPr lang="en-US" sz="2800" b="1" dirty="0"/>
-              <a:t>Bagging </a:t>
-            </a:r>
-            <a:r>
-              <a:rPr lang="en-US" sz="2800" dirty="0"/>
-              <a:t> and </a:t>
-            </a:r>
-            <a:r>
-              <a:rPr lang="en-US" sz="2800" b="1" dirty="0"/>
-              <a:t>boosting</a:t>
-            </a:r>
-            <a:r>
-              <a:rPr lang="en-US" sz="2800" dirty="0"/>
-              <a:t> are examples of </a:t>
-            </a:r>
-            <a:r>
-              <a:rPr lang="en-US" sz="2800" b="1" dirty="0"/>
-              <a:t>ensemble methods</a:t>
-            </a:r>
-            <a:r>
-              <a:rPr lang="en-US" sz="2800" dirty="0"/>
-              <a:t>, which combine multiple </a:t>
+              <a:t>Ensemble methods </a:t>
+            </a:r>
+            <a:r>
+              <a:rPr lang="en-US" sz="2800" dirty="0"/>
+              <a:t>combine multiple </a:t>
             </a:r>
             <a:r>
               <a:rPr lang="en-US" sz="2800" b="1" dirty="0"/>
@@ -11226,7 +11135,7 @@
             </a:r>
             <a:r>
               <a:rPr lang="en-US" sz="2800" dirty="0"/>
-              <a:t>.</a:t>
+              <a:t>. </a:t>
             </a:r>
           </a:p>
           <a:p>
@@ -11235,41 +11144,19 @@
           <a:p>
             <a:r>
               <a:rPr lang="en-US" sz="2800" dirty="0"/>
-              <a:t>You are probably already familiar with the metric </a:t>
+              <a:t>These will be </a:t>
             </a:r>
             <a:r>
               <a:rPr lang="en-US" sz="2800" i="1" dirty="0"/>
-              <a:t>R</a:t>
-            </a:r>
-            <a:r>
-              <a:rPr lang="en-US" sz="2800" i="1" baseline="30000" dirty="0"/>
-              <a:t>2 </a:t>
-            </a:r>
-            <a:r>
-              <a:rPr lang="en-US" sz="2800" dirty="0"/>
-              <a:t> for assessing the fit between a linear model and the data. </a:t>
-            </a:r>
-          </a:p>
-          <a:p>
-            <a:pPr marL="342900" lvl="1" indent="0">
-              <a:buNone/>
-            </a:pPr>
-            <a:r>
-              <a:rPr lang="en-US" sz="2500" dirty="0"/>
-              <a:t>A good model would have </a:t>
-            </a:r>
-            <a:r>
-              <a:rPr lang="en-US" sz="2500" i="1" dirty="0"/>
-              <a:t>R</a:t>
-            </a:r>
-            <a:r>
-              <a:rPr lang="en-US" sz="2500" i="1" baseline="30000" dirty="0"/>
-              <a:t>2 </a:t>
-            </a:r>
-            <a:r>
-              <a:rPr lang="en-US" sz="2500" dirty="0"/>
-              <a:t>close to 1.</a:t>
-            </a:r>
+              <a:t>different</a:t>
+            </a:r>
+            <a:r>
+              <a:rPr lang="en-US" sz="2800" dirty="0"/>
+              <a:t> depending on the type of model we are assessing.</a:t>
+            </a:r>
+          </a:p>
+          <a:p>
+            <a:endParaRPr lang="en-US" sz="2800" dirty="0"/>
           </a:p>
         </p:txBody>
       </p:sp>
@@ -11287,6 +11174,142 @@
 </file>
 
 <file path=ppt/slides/slide6.xml><?xml version="1.0" encoding="utf-8"?>
+<p:sld xmlns:a="http://schemas.openxmlformats.org/drawingml/2006/main" xmlns:r="http://schemas.openxmlformats.org/officeDocument/2006/relationships" xmlns:p="http://schemas.openxmlformats.org/presentationml/2006/main">
+  <p:cSld>
+    <p:bg>
+      <p:bgPr>
+        <a:solidFill>
+          <a:schemeClr val="bg1">
+            <a:lumMod val="85000"/>
+            <a:alpha val="30000"/>
+          </a:schemeClr>
+        </a:solidFill>
+        <a:effectLst/>
+      </p:bgPr>
+    </p:bg>
+    <p:spTree>
+      <p:nvGrpSpPr>
+        <p:cNvPr id="1" name=""/>
+        <p:cNvGrpSpPr/>
+        <p:nvPr/>
+      </p:nvGrpSpPr>
+      <p:grpSpPr>
+        <a:xfrm>
+          <a:off x="0" y="0"/>
+          <a:ext cx="0" cy="0"/>
+          <a:chOff x="0" y="0"/>
+          <a:chExt cx="0" cy="0"/>
+        </a:xfrm>
+      </p:grpSpPr>
+      <p:sp>
+        <p:nvSpPr>
+          <p:cNvPr id="2" name="Title 1"/>
+          <p:cNvSpPr>
+            <a:spLocks noGrp="1"/>
+          </p:cNvSpPr>
+          <p:nvPr>
+            <p:ph type="title"/>
+          </p:nvPr>
+        </p:nvSpPr>
+        <p:spPr>
+          <a:xfrm>
+            <a:off x="197556" y="352779"/>
+            <a:ext cx="8590844" cy="1247422"/>
+          </a:xfrm>
+        </p:spPr>
+        <p:txBody>
+          <a:bodyPr>
+            <a:normAutofit/>
+          </a:bodyPr>
+          <a:lstStyle/>
+          <a:p>
+            <a:pPr algn="l"/>
+            <a:r>
+              <a:rPr lang="en-US" sz="4000" dirty="0"/>
+              <a:t>Evaluating regression models</a:t>
+            </a:r>
+          </a:p>
+        </p:txBody>
+      </p:sp>
+      <p:sp>
+        <p:nvSpPr>
+          <p:cNvPr id="3" name="Content Placeholder 2"/>
+          <p:cNvSpPr>
+            <a:spLocks noGrp="1"/>
+          </p:cNvSpPr>
+          <p:nvPr>
+            <p:ph idx="1"/>
+          </p:nvPr>
+        </p:nvSpPr>
+        <p:spPr>
+          <a:xfrm>
+            <a:off x="457200" y="2352782"/>
+            <a:ext cx="8153400" cy="4152440"/>
+          </a:xfrm>
+        </p:spPr>
+        <p:txBody>
+          <a:bodyPr>
+            <a:normAutofit/>
+          </a:bodyPr>
+          <a:lstStyle/>
+          <a:p>
+            <a:pPr marL="0" indent="0">
+              <a:buNone/>
+            </a:pPr>
+            <a:r>
+              <a:rPr lang="en-US" sz="2800" dirty="0"/>
+              <a:t>You are probably already familiar with the metric </a:t>
+            </a:r>
+            <a:r>
+              <a:rPr lang="en-US" sz="2800" i="1" dirty="0"/>
+              <a:t>R</a:t>
+            </a:r>
+            <a:r>
+              <a:rPr lang="en-US" sz="2800" i="1" baseline="30000" dirty="0"/>
+              <a:t>2 </a:t>
+            </a:r>
+            <a:r>
+              <a:rPr lang="en-US" sz="2800" dirty="0"/>
+              <a:t> for assessing the fit between a linear model and the data. </a:t>
+            </a:r>
+          </a:p>
+          <a:p>
+            <a:pPr marL="342900" lvl="1" indent="0">
+              <a:buNone/>
+            </a:pPr>
+            <a:r>
+              <a:rPr lang="en-US" sz="2500" dirty="0"/>
+              <a:t>A good model would have </a:t>
+            </a:r>
+            <a:r>
+              <a:rPr lang="en-US" sz="2500" i="1" dirty="0"/>
+              <a:t>R</a:t>
+            </a:r>
+            <a:r>
+              <a:rPr lang="en-US" sz="2500" i="1" baseline="30000" dirty="0"/>
+              <a:t>2 </a:t>
+            </a:r>
+            <a:r>
+              <a:rPr lang="en-US" sz="2500" dirty="0"/>
+              <a:t>close to 1.</a:t>
+            </a:r>
+          </a:p>
+        </p:txBody>
+      </p:sp>
+    </p:spTree>
+    <p:extLst>
+      <p:ext uri="{BB962C8B-B14F-4D97-AF65-F5344CB8AC3E}">
+        <p14:creationId xmlns:p14="http://schemas.microsoft.com/office/powerpoint/2010/main" val="2444274039"/>
+      </p:ext>
+    </p:extLst>
+  </p:cSld>
+  <p:clrMapOvr>
+    <a:masterClrMapping/>
+  </p:clrMapOvr>
+</p:sld>
+</file>
+
+<file path=ppt/slides/slide7.xml><?xml version="1.0" encoding="utf-8"?>
 <p:sld xmlns:a="http://schemas.openxmlformats.org/drawingml/2006/main" xmlns:r="http://schemas.openxmlformats.org/officeDocument/2006/relationships" xmlns:p="http://schemas.openxmlformats.org/presentationml/2006/main">
   <p:cSld>
     <p:bg>
@@ -11395,183 +11418,6 @@
 </p:sld>
 </file>
 
-<file path=ppt/slides/slide7.xml><?xml version="1.0" encoding="utf-8"?>
-<p:sld xmlns:a="http://schemas.openxmlformats.org/drawingml/2006/main" xmlns:r="http://schemas.openxmlformats.org/officeDocument/2006/relationships" xmlns:p="http://schemas.openxmlformats.org/presentationml/2006/main">
-  <p:cSld>
-    <p:bg>
-      <p:bgPr>
-        <a:solidFill>
-          <a:schemeClr val="bg1">
-            <a:lumMod val="85000"/>
-            <a:alpha val="30000"/>
-          </a:schemeClr>
-        </a:solidFill>
-        <a:effectLst/>
-      </p:bgPr>
-    </p:bg>
-    <p:spTree>
-      <p:nvGrpSpPr>
-        <p:cNvPr id="1" name=""/>
-        <p:cNvGrpSpPr/>
-        <p:nvPr/>
-      </p:nvGrpSpPr>
-      <p:grpSpPr>
-        <a:xfrm>
-          <a:off x="0" y="0"/>
-          <a:ext cx="0" cy="0"/>
-          <a:chOff x="0" y="0"/>
-          <a:chExt cx="0" cy="0"/>
-        </a:xfrm>
-      </p:grpSpPr>
-      <p:sp>
-        <p:nvSpPr>
-          <p:cNvPr id="2" name="Title 1"/>
-          <p:cNvSpPr>
-            <a:spLocks noGrp="1"/>
-          </p:cNvSpPr>
-          <p:nvPr>
-            <p:ph type="title"/>
-          </p:nvPr>
-        </p:nvSpPr>
-        <p:spPr/>
-        <p:txBody>
-          <a:bodyPr>
-            <a:normAutofit/>
-          </a:bodyPr>
-          <a:lstStyle/>
-          <a:p>
-            <a:r>
-              <a:rPr lang="en-US" sz="4000" i="1" dirty="0">
-                <a:solidFill>
-                  <a:schemeClr val="accent2">
-                    <a:lumMod val="75000"/>
-                  </a:schemeClr>
-                </a:solidFill>
-              </a:rPr>
-              <a:t>R</a:t>
-            </a:r>
-            <a:r>
-              <a:rPr lang="en-US" sz="4000" i="1" baseline="30000" dirty="0">
-                <a:solidFill>
-                  <a:schemeClr val="accent2">
-                    <a:lumMod val="75000"/>
-                  </a:schemeClr>
-                </a:solidFill>
-              </a:rPr>
-              <a:t>2</a:t>
-            </a:r>
-            <a:r>
-              <a:rPr lang="en-US" sz="4000" dirty="0">
-                <a:solidFill>
-                  <a:schemeClr val="accent2">
-                    <a:lumMod val="75000"/>
-                  </a:schemeClr>
-                </a:solidFill>
-              </a:rPr>
-              <a:t> example</a:t>
-            </a:r>
-          </a:p>
-        </p:txBody>
-      </p:sp>
-      <p:sp>
-        <p:nvSpPr>
-          <p:cNvPr id="3" name="Content Placeholder 2"/>
-          <p:cNvSpPr>
-            <a:spLocks noGrp="1"/>
-          </p:cNvSpPr>
-          <p:nvPr>
-            <p:ph idx="1"/>
-          </p:nvPr>
-        </p:nvSpPr>
-        <p:spPr>
-          <a:xfrm>
-            <a:off x="628650" y="1600200"/>
-            <a:ext cx="8317794" cy="1930400"/>
-          </a:xfrm>
-        </p:spPr>
-        <p:txBody>
-          <a:bodyPr>
-            <a:normAutofit/>
-          </a:bodyPr>
-          <a:lstStyle/>
-          <a:p>
-            <a:pPr marL="0" indent="0">
-              <a:buNone/>
-            </a:pPr>
-            <a:r>
-              <a:rPr lang="en-US" sz="2800" dirty="0"/>
-              <a:t>With the </a:t>
-            </a:r>
-            <a:r>
-              <a:rPr lang="en-US" sz="2800" b="1" dirty="0"/>
-              <a:t>abalone </a:t>
-            </a:r>
-            <a:r>
-              <a:rPr lang="en-US" sz="2800" dirty="0"/>
-              <a:t>dataset,</a:t>
-            </a:r>
-          </a:p>
-          <a:p>
-            <a:pPr marL="0" indent="0">
-              <a:buNone/>
-            </a:pPr>
-            <a:r>
-              <a:rPr lang="en-US" sz="2800" dirty="0"/>
-              <a:t>	Use a </a:t>
-            </a:r>
-            <a:r>
-              <a:rPr lang="en-US" sz="2800" b="1" dirty="0"/>
-              <a:t>tree</a:t>
-            </a:r>
-            <a:r>
-              <a:rPr lang="en-US" sz="2800" dirty="0"/>
-              <a:t> to predict </a:t>
-            </a:r>
-            <a:r>
-              <a:rPr lang="en-US" sz="2800" b="1" dirty="0"/>
-              <a:t>rings </a:t>
-            </a:r>
-            <a:r>
-              <a:rPr lang="en-US" sz="2800" dirty="0"/>
-              <a:t>from the other features.</a:t>
-            </a:r>
-          </a:p>
-          <a:p>
-            <a:pPr marL="0" indent="0">
-              <a:buNone/>
-            </a:pPr>
-            <a:r>
-              <a:rPr lang="en-US" sz="2800" dirty="0"/>
-              <a:t>	What is </a:t>
-            </a:r>
-            <a:r>
-              <a:rPr lang="en-US" sz="2800" i="1" dirty="0"/>
-              <a:t>R</a:t>
-            </a:r>
-            <a:r>
-              <a:rPr lang="en-US" sz="2800" i="1" baseline="30000" dirty="0"/>
-              <a:t>2 </a:t>
-            </a:r>
-            <a:r>
-              <a:rPr lang="en-US" sz="2800" dirty="0"/>
-              <a:t> for this model?</a:t>
-            </a:r>
-          </a:p>
-        </p:txBody>
-      </p:sp>
-    </p:spTree>
-    <p:extLst>
-      <p:ext uri="{BB962C8B-B14F-4D97-AF65-F5344CB8AC3E}">
-        <p14:creationId xmlns:p14="http://schemas.microsoft.com/office/powerpoint/2010/main" val="3309374667"/>
-      </p:ext>
-    </p:extLst>
-  </p:cSld>
-  <p:clrMapOvr>
-    <a:masterClrMapping/>
-  </p:clrMapOvr>
-</p:sld>
-</file>
-
 <file path=ppt/slides/slide8.xml><?xml version="1.0" encoding="utf-8"?>
 <p:sld xmlns:a="http://schemas.openxmlformats.org/drawingml/2006/main" xmlns:r="http://schemas.openxmlformats.org/officeDocument/2006/relationships" xmlns:p="http://schemas.openxmlformats.org/presentationml/2006/main">
   <p:cSld>
@@ -11610,22 +11456,42 @@
             <p:ph type="title"/>
           </p:nvPr>
         </p:nvSpPr>
-        <p:spPr>
-          <a:xfrm>
-            <a:off x="197556" y="352779"/>
-            <a:ext cx="8590844" cy="1247422"/>
-          </a:xfrm>
-        </p:spPr>
+        <p:spPr/>
         <p:txBody>
           <a:bodyPr>
             <a:normAutofit/>
           </a:bodyPr>
           <a:lstStyle/>
           <a:p>
-            <a:pPr algn="l"/>
-            <a:r>
-              <a:rPr lang="en-US" sz="4000" dirty="0"/>
-              <a:t>Overfitting</a:t>
+            <a:r>
+              <a:rPr lang="en-US" sz="4000" i="1" dirty="0">
+                <a:solidFill>
+                  <a:schemeClr val="accent2">
+                    <a:lumMod val="75000"/>
+                  </a:schemeClr>
+                </a:solidFill>
+              </a:rPr>
+              <a:t>R</a:t>
+            </a:r>
+            <a:r>
+              <a:rPr lang="en-US" sz="4000" i="1" baseline="30000" dirty="0">
+                <a:solidFill>
+                  <a:schemeClr val="accent2">
+                    <a:lumMod val="75000"/>
+                  </a:schemeClr>
+                </a:solidFill>
+              </a:rPr>
+              <a:t>2</a:t>
+            </a:r>
+            <a:r>
+              <a:rPr lang="en-US" sz="4000" dirty="0">
+                <a:solidFill>
+                  <a:schemeClr val="accent2">
+                    <a:lumMod val="75000"/>
+                  </a:schemeClr>
+                </a:solidFill>
+              </a:rPr>
+              <a:t> example</a:t>
             </a:r>
           </a:p>
         </p:txBody>
@@ -11642,8 +11508,8 @@
         </p:nvSpPr>
         <p:spPr>
           <a:xfrm>
-            <a:off x="457200" y="1600200"/>
-            <a:ext cx="8489244" cy="4905022"/>
+            <a:off x="628650" y="1600200"/>
+            <a:ext cx="8317794" cy="1930400"/>
           </a:xfrm>
         </p:spPr>
         <p:txBody>
@@ -11652,62 +11518,74 @@
           </a:bodyPr>
           <a:lstStyle/>
           <a:p>
-            <a:r>
-              <a:rPr lang="en-US" sz="2800" dirty="0"/>
-              <a:t>We saw in the example that the evaluation might look </a:t>
+            <a:pPr marL="0" indent="0">
+              <a:buNone/>
+            </a:pPr>
+            <a:r>
+              <a:rPr lang="en-US" sz="2800" dirty="0"/>
+              <a:t>With the </a:t>
+            </a:r>
+            <a:r>
+              <a:rPr lang="en-US" sz="2800" b="1" dirty="0"/>
+              <a:t>abalone </a:t>
+            </a:r>
+            <a:r>
+              <a:rPr lang="en-US" sz="2800" dirty="0"/>
+              <a:t>dataset,</a:t>
+            </a:r>
+          </a:p>
+          <a:p>
+            <a:pPr marL="0" indent="0">
+              <a:buNone/>
+            </a:pPr>
+            <a:r>
+              <a:rPr lang="en-US" sz="2800" dirty="0"/>
+              <a:t>	Use a </a:t>
+            </a:r>
+            <a:r>
+              <a:rPr lang="en-US" sz="2800" b="1" dirty="0"/>
+              <a:t>tree</a:t>
+            </a:r>
+            <a:r>
+              <a:rPr lang="en-US" sz="2800" dirty="0"/>
+              <a:t> to predict </a:t>
+            </a:r>
+            <a:r>
+              <a:rPr lang="en-US" sz="2800" b="1" dirty="0"/>
+              <a:t>rings </a:t>
+            </a:r>
+            <a:r>
+              <a:rPr lang="en-US" sz="2800" dirty="0"/>
+              <a:t>from the other features.</a:t>
+            </a:r>
+          </a:p>
+          <a:p>
+            <a:pPr marL="0" indent="0">
+              <a:buNone/>
+            </a:pPr>
+            <a:r>
+              <a:rPr lang="en-US" sz="2800" dirty="0"/>
+              <a:t>	What is </a:t>
             </a:r>
             <a:r>
               <a:rPr lang="en-US" sz="2800" i="1" dirty="0"/>
-              <a:t>very </a:t>
-            </a:r>
-            <a:r>
-              <a:rPr lang="en-US" sz="2800" dirty="0"/>
-              <a:t>different depending on whether we use the training dataset or an unseen dataset.</a:t>
-            </a:r>
-          </a:p>
-          <a:p>
-            <a:r>
-              <a:rPr lang="en-US" sz="2800" dirty="0"/>
-              <a:t>A complex model might perform very well on the training data, but if it is </a:t>
-            </a:r>
-            <a:r>
-              <a:rPr lang="en-US" sz="2800" b="1" dirty="0"/>
-              <a:t>overfitted</a:t>
-            </a:r>
-            <a:r>
-              <a:rPr lang="en-US" sz="2800" dirty="0"/>
-              <a:t> then it will extend poorly to unseen data.</a:t>
-            </a:r>
-          </a:p>
-          <a:p>
-            <a:endParaRPr lang="en-US" sz="2800" dirty="0"/>
-          </a:p>
-          <a:p>
-            <a:r>
-              <a:rPr lang="en-US" sz="2800" dirty="0"/>
-              <a:t>We must always be careful to make sure that our evaluation metrics are calculated on a separate </a:t>
-            </a:r>
-            <a:r>
-              <a:rPr lang="en-US" sz="2800" b="1" dirty="0"/>
-              <a:t>testing dataset</a:t>
-            </a:r>
-            <a:r>
-              <a:rPr lang="en-US" sz="2800" dirty="0"/>
-              <a:t>.</a:t>
-            </a:r>
-          </a:p>
-          <a:p>
-            <a:endParaRPr lang="en-US" sz="2800" dirty="0"/>
-          </a:p>
-          <a:p>
-            <a:endParaRPr lang="en-US" sz="2800" dirty="0"/>
+              <a:t>R</a:t>
+            </a:r>
+            <a:r>
+              <a:rPr lang="en-US" sz="2800" i="1" baseline="30000" dirty="0"/>
+              <a:t>2 </a:t>
+            </a:r>
+            <a:r>
+              <a:rPr lang="en-US" sz="2800" dirty="0"/>
+              <a:t> for this model?</a:t>
+            </a:r>
           </a:p>
         </p:txBody>
       </p:sp>
     </p:spTree>
     <p:extLst>
       <p:ext uri="{BB962C8B-B14F-4D97-AF65-F5344CB8AC3E}">
-        <p14:creationId xmlns:p14="http://schemas.microsoft.com/office/powerpoint/2010/main" val="2684168859"/>
+        <p14:creationId xmlns:p14="http://schemas.microsoft.com/office/powerpoint/2010/main" val="3309374667"/>
       </p:ext>
     </p:extLst>
   </p:cSld>
@@ -11770,7 +11648,7 @@
             <a:pPr algn="l"/>
             <a:r>
               <a:rPr lang="en-US" sz="4000" dirty="0"/>
-              <a:t>Avoiding contamination</a:t>
+              <a:t>Overfitting</a:t>
             </a:r>
           </a:p>
         </p:txBody>
@@ -11799,7 +11677,15 @@
           <a:p>
             <a:r>
               <a:rPr lang="en-US" sz="2800" dirty="0"/>
-              <a:t>In some circumstances, we need to take extra care to ensure that the test data is truly independent of the training data.</a:t>
+              <a:t>We saw in the example that the evaluation might look </a:t>
+            </a:r>
+            <a:r>
+              <a:rPr lang="en-US" sz="2800" i="1" dirty="0"/>
+              <a:t>very </a:t>
+            </a:r>
+            <a:r>
+              <a:rPr lang="en-US" sz="2800" dirty="0"/>
+              <a:t>different depending on whether we use the training dataset or an unseen dataset.</a:t>
             </a:r>
           </a:p>
           <a:p>
@@ -11808,24 +11694,32 @@
           <a:p>
             <a:r>
               <a:rPr lang="en-US" sz="2800" dirty="0"/>
-              <a:t>Part of the skill in designing a good machine learning experiment is in </a:t>
-            </a:r>
-            <a:r>
-              <a:rPr lang="en-US" sz="2800" dirty="0" err="1"/>
-              <a:t>recognising</a:t>
-            </a:r>
-            <a:r>
-              <a:rPr lang="en-US" sz="2800" dirty="0"/>
-              <a:t> how to filter data to avoid this kind of contamination.</a:t>
-            </a:r>
-          </a:p>
-          <a:p>
-            <a:pPr marL="342900" lvl="1" indent="0">
-              <a:buNone/>
-            </a:pPr>
-            <a:r>
-              <a:rPr lang="en-US" sz="2500" dirty="0"/>
-              <a:t>e.g. if predicting protein function from sequence, ensure that there are no pairs of protein sequences that are too closely related.</a:t>
+              <a:t>A complex model might perform very well on the training data, but if it is </a:t>
+            </a:r>
+            <a:r>
+              <a:rPr lang="en-US" sz="2800" b="1" dirty="0"/>
+              <a:t>overfitted</a:t>
+            </a:r>
+            <a:r>
+              <a:rPr lang="en-US" sz="2800" dirty="0"/>
+              <a:t> then it will extend poorly to unseen data.</a:t>
+            </a:r>
+          </a:p>
+          <a:p>
+            <a:endParaRPr lang="en-US" sz="2800" dirty="0"/>
+          </a:p>
+          <a:p>
+            <a:r>
+              <a:rPr lang="en-US" sz="2800" dirty="0"/>
+              <a:t>We must always be careful to make sure that our evaluation metrics are calculated on a separate </a:t>
+            </a:r>
+            <a:r>
+              <a:rPr lang="en-US" sz="2800" b="1" dirty="0"/>
+              <a:t>testing dataset</a:t>
+            </a:r>
+            <a:r>
+              <a:rPr lang="en-US" sz="2800" dirty="0"/>
+              <a:t>.</a:t>
             </a:r>
           </a:p>
           <a:p>
@@ -11839,7 +11733,7 @@
     </p:spTree>
     <p:extLst>
       <p:ext uri="{BB962C8B-B14F-4D97-AF65-F5344CB8AC3E}">
-        <p14:creationId xmlns:p14="http://schemas.microsoft.com/office/powerpoint/2010/main" val="1330403045"/>
+        <p14:creationId xmlns:p14="http://schemas.microsoft.com/office/powerpoint/2010/main" val="2684168859"/>
       </p:ext>
     </p:extLst>
   </p:cSld>
